--- a/src/zhou.pptx
+++ b/src/zhou.pptx
@@ -15860,14 +15860,78 @@
         </p:blipFill>
         <p:spPr>
           <a:xfrm>
-            <a:off x="683568" y="1052736"/>
-            <a:ext cx="5267325" cy="5095875"/>
+            <a:off x="248765" y="1052737"/>
+            <a:ext cx="4763565" cy="4608512"/>
           </a:xfrm>
           <a:prstGeom prst="rect">
             <a:avLst/>
           </a:prstGeom>
         </p:spPr>
       </p:pic>
+      <p:sp>
+        <p:nvSpPr>
+          <p:cNvPr id="4" name="文本框 3"/>
+          <p:cNvSpPr txBox="1"/>
+          <p:nvPr/>
+        </p:nvSpPr>
+        <p:spPr>
+          <a:xfrm>
+            <a:off x="5148064" y="1124744"/>
+            <a:ext cx="3744416" cy="1384995"/>
+          </a:xfrm>
+          <a:prstGeom prst="rect">
+            <a:avLst/>
+          </a:prstGeom>
+          <a:noFill/>
+        </p:spPr>
+        <p:txBody>
+          <a:bodyPr wrap="square" rtlCol="0">
+            <a:spAutoFit/>
+          </a:bodyPr>
+          <a:lstStyle/>
+          <a:p>
+            <a:r>
+              <a:rPr lang="zh-CN" altLang="en-US" sz="1400" dirty="0" smtClean="0"/>
+              <a:t>组件</a:t>
+            </a:r>
+            <a:r>
+              <a:rPr lang="en-US" altLang="zh-CN" sz="1400" dirty="0" smtClean="0"/>
+              <a:t>JSON</a:t>
+            </a:r>
+            <a:r>
+              <a:rPr lang="zh-CN" altLang="en-US" sz="1400" dirty="0" smtClean="0"/>
+              <a:t>数据结构</a:t>
+            </a:r>
+            <a:endParaRPr lang="en-US" altLang="zh-CN" sz="1400" dirty="0" smtClean="0"/>
+          </a:p>
+          <a:p>
+            <a:endParaRPr lang="en-US" altLang="zh-CN" sz="1400" dirty="0"/>
+          </a:p>
+          <a:p>
+            <a:r>
+              <a:rPr lang="zh-CN" altLang="en-US" sz="1400" dirty="0" smtClean="0"/>
+              <a:t>只保存组件的嵌套结构，不保存任何</a:t>
+            </a:r>
+            <a:r>
+              <a:rPr lang="en-US" altLang="zh-CN" sz="1400" dirty="0" smtClean="0"/>
+              <a:t>html</a:t>
+            </a:r>
+            <a:r>
+              <a:rPr lang="zh-CN" altLang="en-US" sz="1400" dirty="0" smtClean="0"/>
+              <a:t>性质的</a:t>
+            </a:r>
+            <a:r>
+              <a:rPr lang="en-US" altLang="zh-CN" sz="1400" dirty="0" err="1" smtClean="0"/>
+              <a:t>dom</a:t>
+            </a:r>
+            <a:r>
+              <a:rPr lang="zh-CN" altLang="en-US" sz="1400" dirty="0" smtClean="0"/>
+              <a:t>元素，这是为了保证这个数据结构的纯粹性和通用性，以便可以把该数据结构用在其他的框架中来解析。</a:t>
+            </a:r>
+            <a:endParaRPr lang="zh-CN" altLang="en-US" sz="1400" dirty="0"/>
+          </a:p>
+        </p:txBody>
+      </p:sp>
     </p:spTree>
     <p:extLst>
       <p:ext uri="{BB962C8B-B14F-4D97-AF65-F5344CB8AC3E}">
@@ -32208,14 +32272,7 @@
                   <a:latin typeface="微软雅黑" pitchFamily="34" charset="-122"/>
                   <a:ea typeface="微软雅黑" pitchFamily="34" charset="-122"/>
                 </a:rPr>
-                <a:t>业务能力</a:t>
-              </a:r>
-              <a:r>
-                <a:rPr lang="zh-CN" altLang="en-US" b="1" dirty="0" smtClean="0">
-                  <a:latin typeface="微软雅黑" pitchFamily="34" charset="-122"/>
-                  <a:ea typeface="微软雅黑" pitchFamily="34" charset="-122"/>
-                </a:rPr>
-                <a:t>： </a:t>
+                <a:t>业务能力： </a:t>
               </a:r>
               <a:endParaRPr lang="en-US" altLang="zh-CN" b="1" dirty="0" smtClean="0">
                 <a:latin typeface="微软雅黑" pitchFamily="34" charset="-122"/>
@@ -32325,14 +32382,7 @@
                   <a:latin typeface="微软雅黑" pitchFamily="34" charset="-122"/>
                   <a:ea typeface="微软雅黑" pitchFamily="34" charset="-122"/>
                 </a:rPr>
-                <a:t>技术能力</a:t>
-              </a:r>
-              <a:r>
-                <a:rPr lang="zh-CN" altLang="en-US" b="1" dirty="0" smtClean="0">
-                  <a:latin typeface="微软雅黑" pitchFamily="34" charset="-122"/>
-                  <a:ea typeface="微软雅黑" pitchFamily="34" charset="-122"/>
-                </a:rPr>
-                <a:t>：</a:t>
+                <a:t>技术能力：</a:t>
               </a:r>
               <a:endParaRPr lang="en-US" altLang="zh-CN" b="1" dirty="0" smtClean="0">
                 <a:latin typeface="微软雅黑" pitchFamily="34" charset="-122"/>
@@ -32431,14 +32481,7 @@
                   <a:latin typeface="微软雅黑" pitchFamily="34" charset="-122"/>
                   <a:ea typeface="微软雅黑" pitchFamily="34" charset="-122"/>
                 </a:rPr>
-                <a:t>通用能力</a:t>
-              </a:r>
-              <a:r>
-                <a:rPr lang="zh-CN" altLang="en-US" b="1" dirty="0" smtClean="0">
-                  <a:latin typeface="微软雅黑" pitchFamily="34" charset="-122"/>
-                  <a:ea typeface="微软雅黑" pitchFamily="34" charset="-122"/>
-                </a:rPr>
-                <a:t>：</a:t>
+                <a:t>通用能力：</a:t>
               </a:r>
               <a:endParaRPr lang="en-US" altLang="zh-CN" b="1" dirty="0" smtClean="0">
                 <a:latin typeface="微软雅黑" pitchFamily="34" charset="-122"/>
@@ -36145,23 +36188,7 @@
                 <a:ea typeface="微软雅黑"/>
                 <a:cs typeface="微软雅黑"/>
               </a:rPr>
-              <a:t>主要</a:t>
-            </a:r>
-            <a:r>
-              <a:rPr kumimoji="1" lang="zh-CN" altLang="en-US" sz="1400" dirty="0" smtClean="0">
-                <a:latin typeface="微软雅黑"/>
-                <a:ea typeface="微软雅黑"/>
-                <a:cs typeface="微软雅黑"/>
-              </a:rPr>
-              <a:t>参与了期次型排期项目，负责该项目中管理</a:t>
-            </a:r>
-            <a:r>
-              <a:rPr kumimoji="1" lang="zh-CN" altLang="en-US" sz="1400" dirty="0" smtClean="0">
-                <a:latin typeface="微软雅黑"/>
-                <a:ea typeface="微软雅黑"/>
-                <a:cs typeface="微软雅黑"/>
-              </a:rPr>
-              <a:t>页面</a:t>
+              <a:t>主要参与了期次型排期项目，负责该项目中管理页面</a:t>
             </a:r>
             <a:r>
               <a:rPr kumimoji="1" lang="zh-CN" altLang="en-US" sz="1400" dirty="0">
@@ -36193,23 +36220,7 @@
                 <a:ea typeface="微软雅黑"/>
                 <a:cs typeface="微软雅黑"/>
               </a:rPr>
-              <a:t>编辑页面、明细页面的</a:t>
-            </a:r>
-            <a:r>
-              <a:rPr kumimoji="1" lang="zh-CN" altLang="en-US" sz="1400" dirty="0" smtClean="0">
-                <a:latin typeface="微软雅黑"/>
-                <a:ea typeface="微软雅黑"/>
-                <a:cs typeface="微软雅黑"/>
-              </a:rPr>
-              <a:t>开发与</a:t>
-            </a:r>
-            <a:r>
-              <a:rPr kumimoji="1" lang="zh-CN" altLang="en-US" sz="1400" dirty="0" smtClean="0">
-                <a:latin typeface="微软雅黑"/>
-                <a:ea typeface="微软雅黑"/>
-                <a:cs typeface="微软雅黑"/>
-              </a:rPr>
-              <a:t>交互，目前已进入联调阶段；</a:t>
+              <a:t>编辑页面、明细页面的开发与交互，目前已进入联调阶段；</a:t>
             </a:r>
             <a:endParaRPr kumimoji="1" lang="en-US" altLang="zh-CN" sz="1400" dirty="0" smtClean="0">
               <a:latin typeface="微软雅黑"/>

--- a/src/zhou.pptx
+++ b/src/zhou.pptx
@@ -6,10 +6,10 @@
     <p:sldMasterId id="2147483693" r:id="rId2"/>
   </p:sldMasterIdLst>
   <p:notesMasterIdLst>
-    <p:notesMasterId r:id="rId35"/>
+    <p:notesMasterId r:id="rId34"/>
   </p:notesMasterIdLst>
   <p:handoutMasterIdLst>
-    <p:handoutMasterId r:id="rId36"/>
+    <p:handoutMasterId r:id="rId35"/>
   </p:handoutMasterIdLst>
   <p:sldIdLst>
     <p:sldId id="472" r:id="rId3"/>
@@ -37,13 +37,12 @@
     <p:sldId id="515" r:id="rId25"/>
     <p:sldId id="523" r:id="rId26"/>
     <p:sldId id="522" r:id="rId27"/>
-    <p:sldId id="521" r:id="rId28"/>
-    <p:sldId id="503" r:id="rId29"/>
-    <p:sldId id="504" r:id="rId30"/>
-    <p:sldId id="505" r:id="rId31"/>
-    <p:sldId id="494" r:id="rId32"/>
-    <p:sldId id="506" r:id="rId33"/>
-    <p:sldId id="507" r:id="rId34"/>
+    <p:sldId id="503" r:id="rId28"/>
+    <p:sldId id="504" r:id="rId29"/>
+    <p:sldId id="505" r:id="rId30"/>
+    <p:sldId id="494" r:id="rId31"/>
+    <p:sldId id="506" r:id="rId32"/>
+    <p:sldId id="507" r:id="rId33"/>
   </p:sldIdLst>
   <p:sldSz cx="9144000" cy="6858000" type="screen4x3"/>
   <p:notesSz cx="6669088" cy="9928225"/>
@@ -174,7 +173,7 @@
   </p:defaultTextStyle>
   <p:extLst>
     <p:ext uri="{EFAFB233-063F-42B5-8137-9DF3F51BA10A}">
-      <p15:sldGuideLst xmlns:p15="http://schemas.microsoft.com/office/powerpoint/2012/main">
+      <p15:sldGuideLst xmlns:p15="http://schemas.microsoft.com/office/powerpoint/2012/main" xmlns="">
         <p15:guide id="1" orient="horz" pos="3067">
           <p15:clr>
             <a:srgbClr val="A4A3A4"/>
@@ -188,7 +187,7 @@
       </p15:sldGuideLst>
     </p:ext>
     <p:ext uri="{2D200454-40CA-4A62-9FC3-DE9A4176ACB9}">
-      <p15:notesGuideLst xmlns:p15="http://schemas.microsoft.com/office/powerpoint/2012/main">
+      <p15:notesGuideLst xmlns:p15="http://schemas.microsoft.com/office/powerpoint/2012/main" xmlns="">
         <p15:guide id="1" orient="horz" pos="3128">
           <p15:clr>
             <a:srgbClr val="A4A3A4"/>
@@ -288,7 +287,7 @@
             <a:fld id="{870A0CA1-264A-40DA-BBFB-677326172EB1}" type="datetimeFigureOut">
               <a:rPr lang="zh-CN" altLang="en-US" smtClean="0"/>
               <a:pPr/>
-              <a:t>2018-7-8</a:t>
+              <a:t>2018/7/8</a:t>
             </a:fld>
             <a:endParaRPr lang="zh-CN" altLang="en-US"/>
           </a:p>
@@ -482,7 +481,7 @@
               <a:pPr>
                 <a:defRPr/>
               </a:pPr>
-              <a:t>2018-7-8</a:t>
+              <a:t>2018/7/8</a:t>
             </a:fld>
             <a:endParaRPr lang="zh-CN" altLang="en-US"/>
           </a:p>
@@ -2378,7 +2377,7 @@
                 </a:solidFill>
               </a:rPr>
               <a:pPr/>
-              <a:t>2018-7-8</a:t>
+              <a:t>2018/7/8</a:t>
             </a:fld>
             <a:endParaRPr lang="zh-CN" altLang="en-US">
               <a:solidFill>
@@ -2529,7 +2528,7 @@
                 </a:solidFill>
               </a:rPr>
               <a:pPr/>
-              <a:t>2018-7-8</a:t>
+              <a:t>2018/7/8</a:t>
             </a:fld>
             <a:endParaRPr lang="zh-CN" altLang="en-US">
               <a:solidFill>
@@ -2657,7 +2656,7 @@
                 </a:solidFill>
               </a:rPr>
               <a:pPr/>
-              <a:t>2018-7-8</a:t>
+              <a:t>2018/7/8</a:t>
             </a:fld>
             <a:endParaRPr lang="zh-CN" altLang="en-US">
               <a:solidFill>
@@ -2967,7 +2966,7 @@
                 </a:solidFill>
               </a:rPr>
               <a:pPr/>
-              <a:t>2018-7-8</a:t>
+              <a:t>2018/7/8</a:t>
             </a:fld>
             <a:endParaRPr lang="zh-CN" altLang="en-US">
               <a:solidFill>
@@ -3253,7 +3252,7 @@
                 </a:solidFill>
               </a:rPr>
               <a:pPr/>
-              <a:t>2018-7-8</a:t>
+              <a:t>2018/7/8</a:t>
             </a:fld>
             <a:endParaRPr lang="zh-CN" altLang="en-US">
               <a:solidFill>
@@ -3456,7 +3455,7 @@
                 </a:solidFill>
               </a:rPr>
               <a:pPr/>
-              <a:t>2018-7-8</a:t>
+              <a:t>2018/7/8</a:t>
             </a:fld>
             <a:endParaRPr lang="zh-CN" altLang="en-US">
               <a:solidFill>
@@ -3669,7 +3668,7 @@
                 </a:solidFill>
               </a:rPr>
               <a:pPr/>
-              <a:t>2018-7-8</a:t>
+              <a:t>2018/7/8</a:t>
             </a:fld>
             <a:endParaRPr lang="zh-CN" altLang="en-US">
               <a:solidFill>
@@ -3989,7 +3988,7 @@
                 </a:solidFill>
               </a:rPr>
               <a:pPr/>
-              <a:t>2018-7-8</a:t>
+              <a:t>2018/7/8</a:t>
             </a:fld>
             <a:endParaRPr lang="zh-CN" altLang="en-US">
               <a:solidFill>
@@ -4660,7 +4659,7 @@
               <a:pPr>
                 <a:defRPr/>
               </a:pPr>
-              <a:t>2018-7-8</a:t>
+              <a:t>2018/7/8</a:t>
             </a:fld>
             <a:endParaRPr lang="zh-CN" altLang="en-US"/>
           </a:p>
@@ -4878,7 +4877,7 @@
               <a:pPr>
                 <a:defRPr/>
               </a:pPr>
-              <a:t>2018-7-8</a:t>
+              <a:t>2018/7/8</a:t>
             </a:fld>
             <a:endParaRPr lang="zh-CN" altLang="en-US"/>
           </a:p>
@@ -5098,7 +5097,7 @@
                 </a:solidFill>
               </a:rPr>
               <a:pPr/>
-              <a:t>2018-7-8</a:t>
+              <a:t>2018/7/8</a:t>
             </a:fld>
             <a:endParaRPr lang="zh-CN" altLang="en-US">
               <a:solidFill>
@@ -5300,7 +5299,7 @@
                 </a:solidFill>
               </a:rPr>
               <a:pPr/>
-              <a:t>2018-7-8</a:t>
+              <a:t>2018/7/8</a:t>
             </a:fld>
             <a:endParaRPr lang="zh-CN" altLang="en-US">
               <a:solidFill>
@@ -5579,7 +5578,7 @@
                 </a:solidFill>
               </a:rPr>
               <a:pPr/>
-              <a:t>2018-7-8</a:t>
+              <a:t>2018/7/8</a:t>
             </a:fld>
             <a:endParaRPr lang="zh-CN" altLang="en-US">
               <a:solidFill>
@@ -5843,7 +5842,7 @@
                 </a:solidFill>
               </a:rPr>
               <a:pPr/>
-              <a:t>2018-7-8</a:t>
+              <a:t>2018/7/8</a:t>
             </a:fld>
             <a:endParaRPr lang="zh-CN" altLang="en-US">
               <a:solidFill>
@@ -6120,7 +6119,7 @@
               <a:pPr>
                 <a:defRPr/>
               </a:pPr>
-              <a:t>2018-7-8</a:t>
+              <a:t>2018/7/8</a:t>
             </a:fld>
             <a:endParaRPr lang="zh-CN" altLang="en-US"/>
           </a:p>
@@ -6812,7 +6811,7 @@
                   <a:spcPts val="0"/>
                 </a:spcAft>
               </a:pPr>
-              <a:t>2018-7-8</a:t>
+              <a:t>2018/7/8</a:t>
             </a:fld>
             <a:endParaRPr lang="zh-CN" altLang="en-US">
               <a:solidFill>
@@ -10436,7 +10435,7 @@
             </a:r>
             <a:r>
               <a:rPr lang="zh-CN" altLang="en-US" sz="1400" dirty="0" smtClean="0"/>
-              <a:t>产品</a:t>
+              <a:t>产品序号</a:t>
             </a:r>
             <a:r>
               <a:rPr lang="en-US" altLang="zh-CN" sz="1400" dirty="0" smtClean="0"/>
@@ -10448,7 +10447,11 @@
             </a:r>
             <a:r>
               <a:rPr lang="zh-CN" altLang="en-US" sz="1400" dirty="0" smtClean="0"/>
-              <a:t>名 的</a:t>
+              <a:t>名 </a:t>
+            </a:r>
+            <a:r>
+              <a:rPr lang="zh-CN" altLang="en-US" sz="1400" dirty="0" smtClean="0"/>
+              <a:t> 的</a:t>
             </a:r>
             <a:r>
               <a:rPr lang="en-US" altLang="zh-CN" sz="1400" dirty="0" smtClean="0"/>
@@ -11087,7 +11090,7 @@
         <p:spPr>
           <a:xfrm>
             <a:off x="395536" y="1196752"/>
-            <a:ext cx="8496944" cy="1077218"/>
+            <a:ext cx="8496944" cy="1508105"/>
           </a:xfrm>
           <a:prstGeom prst="rect">
             <a:avLst/>
@@ -11152,9 +11155,47 @@
             </a:r>
             <a:r>
               <a:rPr lang="zh-CN" altLang="en-US" sz="1400" dirty="0" smtClean="0"/>
-              <a:t>框架进行优化升级。最后一方面满足开发室的新框架，另一方面作为一个开源工具，推广给其他开发室使用。</a:t>
+              <a:t>框架进行优化升级</a:t>
             </a:r>
-            <a:endParaRPr lang="zh-CN" altLang="en-US" sz="1400" dirty="0"/>
+            <a:r>
+              <a:rPr lang="zh-CN" altLang="en-US" sz="1400" dirty="0" smtClean="0"/>
+              <a:t>。一方面</a:t>
+            </a:r>
+            <a:r>
+              <a:rPr lang="zh-CN" altLang="en-US" sz="1400" dirty="0" smtClean="0"/>
+              <a:t>满足开发室的新框架，另一方面作为一个开源工具，推广给其他开发室使用</a:t>
+            </a:r>
+            <a:r>
+              <a:rPr lang="zh-CN" altLang="en-US" sz="1400" dirty="0" smtClean="0"/>
+              <a:t>。</a:t>
+            </a:r>
+            <a:endParaRPr lang="en-US" altLang="zh-CN" sz="1400" dirty="0" smtClean="0"/>
+          </a:p>
+          <a:p>
+            <a:endParaRPr lang="en-US" altLang="zh-CN" sz="1400" dirty="0"/>
+          </a:p>
+          <a:p>
+            <a:r>
+              <a:rPr lang="zh-CN" altLang="en-US" sz="1400" dirty="0" smtClean="0"/>
+              <a:t>技术选型：</a:t>
+            </a:r>
+            <a:r>
+              <a:rPr lang="en-US" altLang="zh-CN" sz="1400" dirty="0" smtClean="0"/>
+              <a:t>React + Ant Design + React </a:t>
+            </a:r>
+            <a:r>
+              <a:rPr lang="en-US" altLang="zh-CN" sz="1400" dirty="0" err="1" smtClean="0"/>
+              <a:t>DnD</a:t>
+            </a:r>
+            <a:r>
+              <a:rPr lang="en-US" altLang="zh-CN" sz="1400" dirty="0" smtClean="0"/>
+              <a:t> + </a:t>
+            </a:r>
+            <a:r>
+              <a:rPr lang="en-US" altLang="zh-CN" sz="1400" dirty="0" err="1" smtClean="0"/>
+              <a:t>Redux</a:t>
+            </a:r>
+            <a:endParaRPr lang="en-US" altLang="zh-CN" sz="1400" dirty="0" smtClean="0"/>
           </a:p>
         </p:txBody>
       </p:sp>
@@ -15971,223 +16012,6 @@
       </p:grpSpPr>
       <p:sp>
         <p:nvSpPr>
-          <p:cNvPr id="3" name="标题 1"/>
-          <p:cNvSpPr txBox="1">
-            <a:spLocks/>
-          </p:cNvSpPr>
-          <p:nvPr/>
-        </p:nvSpPr>
-        <p:spPr>
-          <a:xfrm>
-            <a:off x="214282" y="214290"/>
-            <a:ext cx="3453225" cy="384175"/>
-          </a:xfrm>
-          <a:prstGeom prst="rect">
-            <a:avLst/>
-          </a:prstGeom>
-        </p:spPr>
-        <p:txBody>
-          <a:bodyPr>
-            <a:normAutofit fontScale="90000" lnSpcReduction="20000"/>
-          </a:bodyPr>
-          <a:lstStyle>
-            <a:lvl1pPr algn="l" rtl="0" eaLnBrk="1" fontAlgn="base" hangingPunct="1">
-              <a:spcBef>
-                <a:spcPct val="0"/>
-              </a:spcBef>
-              <a:spcAft>
-                <a:spcPct val="0"/>
-              </a:spcAft>
-              <a:defRPr sz="2800" b="1" kern="1200">
-                <a:solidFill>
-                  <a:schemeClr val="tx1"/>
-                </a:solidFill>
-                <a:latin typeface="楷体_GB2312" pitchFamily="49" charset="-122"/>
-                <a:ea typeface="楷体_GB2312" pitchFamily="49" charset="-122"/>
-                <a:cs typeface="+mj-cs"/>
-              </a:defRPr>
-            </a:lvl1pPr>
-            <a:lvl2pPr algn="l" rtl="0" eaLnBrk="1" fontAlgn="base" hangingPunct="1">
-              <a:spcBef>
-                <a:spcPct val="0"/>
-              </a:spcBef>
-              <a:spcAft>
-                <a:spcPct val="0"/>
-              </a:spcAft>
-              <a:defRPr sz="2800" b="1">
-                <a:solidFill>
-                  <a:schemeClr val="tx1"/>
-                </a:solidFill>
-                <a:latin typeface="楷体_GB2312" pitchFamily="49" charset="-122"/>
-                <a:ea typeface="楷体_GB2312" pitchFamily="49" charset="-122"/>
-              </a:defRPr>
-            </a:lvl2pPr>
-            <a:lvl3pPr algn="l" rtl="0" eaLnBrk="1" fontAlgn="base" hangingPunct="1">
-              <a:spcBef>
-                <a:spcPct val="0"/>
-              </a:spcBef>
-              <a:spcAft>
-                <a:spcPct val="0"/>
-              </a:spcAft>
-              <a:defRPr sz="2800" b="1">
-                <a:solidFill>
-                  <a:schemeClr val="tx1"/>
-                </a:solidFill>
-                <a:latin typeface="楷体_GB2312" pitchFamily="49" charset="-122"/>
-                <a:ea typeface="楷体_GB2312" pitchFamily="49" charset="-122"/>
-              </a:defRPr>
-            </a:lvl3pPr>
-            <a:lvl4pPr algn="l" rtl="0" eaLnBrk="1" fontAlgn="base" hangingPunct="1">
-              <a:spcBef>
-                <a:spcPct val="0"/>
-              </a:spcBef>
-              <a:spcAft>
-                <a:spcPct val="0"/>
-              </a:spcAft>
-              <a:defRPr sz="2800" b="1">
-                <a:solidFill>
-                  <a:schemeClr val="tx1"/>
-                </a:solidFill>
-                <a:latin typeface="楷体_GB2312" pitchFamily="49" charset="-122"/>
-                <a:ea typeface="楷体_GB2312" pitchFamily="49" charset="-122"/>
-              </a:defRPr>
-            </a:lvl4pPr>
-            <a:lvl5pPr algn="l" rtl="0" eaLnBrk="1" fontAlgn="base" hangingPunct="1">
-              <a:spcBef>
-                <a:spcPct val="0"/>
-              </a:spcBef>
-              <a:spcAft>
-                <a:spcPct val="0"/>
-              </a:spcAft>
-              <a:defRPr sz="2800" b="1">
-                <a:solidFill>
-                  <a:schemeClr val="tx1"/>
-                </a:solidFill>
-                <a:latin typeface="楷体_GB2312" pitchFamily="49" charset="-122"/>
-                <a:ea typeface="楷体_GB2312" pitchFamily="49" charset="-122"/>
-              </a:defRPr>
-            </a:lvl5pPr>
-            <a:lvl6pPr marL="457200" algn="l" rtl="0" eaLnBrk="1" fontAlgn="base" hangingPunct="1">
-              <a:spcBef>
-                <a:spcPct val="0"/>
-              </a:spcBef>
-              <a:spcAft>
-                <a:spcPct val="0"/>
-              </a:spcAft>
-              <a:defRPr sz="2800" b="1">
-                <a:solidFill>
-                  <a:schemeClr val="tx1"/>
-                </a:solidFill>
-                <a:latin typeface="楷体_GB2312" pitchFamily="49" charset="-122"/>
-                <a:ea typeface="楷体_GB2312" pitchFamily="49" charset="-122"/>
-              </a:defRPr>
-            </a:lvl6pPr>
-            <a:lvl7pPr marL="914400" algn="l" rtl="0" eaLnBrk="1" fontAlgn="base" hangingPunct="1">
-              <a:spcBef>
-                <a:spcPct val="0"/>
-              </a:spcBef>
-              <a:spcAft>
-                <a:spcPct val="0"/>
-              </a:spcAft>
-              <a:defRPr sz="2800" b="1">
-                <a:solidFill>
-                  <a:schemeClr val="tx1"/>
-                </a:solidFill>
-                <a:latin typeface="楷体_GB2312" pitchFamily="49" charset="-122"/>
-                <a:ea typeface="楷体_GB2312" pitchFamily="49" charset="-122"/>
-              </a:defRPr>
-            </a:lvl7pPr>
-            <a:lvl8pPr marL="1371600" algn="l" rtl="0" eaLnBrk="1" fontAlgn="base" hangingPunct="1">
-              <a:spcBef>
-                <a:spcPct val="0"/>
-              </a:spcBef>
-              <a:spcAft>
-                <a:spcPct val="0"/>
-              </a:spcAft>
-              <a:defRPr sz="2800" b="1">
-                <a:solidFill>
-                  <a:schemeClr val="tx1"/>
-                </a:solidFill>
-                <a:latin typeface="楷体_GB2312" pitchFamily="49" charset="-122"/>
-                <a:ea typeface="楷体_GB2312" pitchFamily="49" charset="-122"/>
-              </a:defRPr>
-            </a:lvl8pPr>
-            <a:lvl9pPr marL="1828800" algn="l" rtl="0" eaLnBrk="1" fontAlgn="base" hangingPunct="1">
-              <a:spcBef>
-                <a:spcPct val="0"/>
-              </a:spcBef>
-              <a:spcAft>
-                <a:spcPct val="0"/>
-              </a:spcAft>
-              <a:defRPr sz="2800" b="1">
-                <a:solidFill>
-                  <a:schemeClr val="tx1"/>
-                </a:solidFill>
-                <a:latin typeface="楷体_GB2312" pitchFamily="49" charset="-122"/>
-                <a:ea typeface="楷体_GB2312" pitchFamily="49" charset="-122"/>
-              </a:defRPr>
-            </a:lvl9pPr>
-          </a:lstStyle>
-          <a:p>
-            <a:pPr fontAlgn="auto">
-              <a:spcAft>
-                <a:spcPts val="0"/>
-              </a:spcAft>
-              <a:defRPr/>
-            </a:pPr>
-            <a:r>
-              <a:rPr lang="zh-CN" altLang="en-US" sz="2400" dirty="0" smtClean="0">
-                <a:latin typeface="微软雅黑" pitchFamily="34" charset="-122"/>
-                <a:ea typeface="微软雅黑" pitchFamily="34" charset="-122"/>
-              </a:rPr>
-              <a:t>典型产品讲解</a:t>
-            </a:r>
-            <a:endParaRPr lang="zh-CN" altLang="en-US" sz="2400" dirty="0">
-              <a:latin typeface="微软雅黑" pitchFamily="34" charset="-122"/>
-              <a:ea typeface="微软雅黑" pitchFamily="34" charset="-122"/>
-            </a:endParaRPr>
-          </a:p>
-        </p:txBody>
-      </p:sp>
-    </p:spTree>
-    <p:extLst>
-      <p:ext uri="{BB962C8B-B14F-4D97-AF65-F5344CB8AC3E}">
-        <p14:creationId xmlns:p14="http://schemas.microsoft.com/office/powerpoint/2010/main" val="3225181102"/>
-      </p:ext>
-    </p:extLst>
-  </p:cSld>
-  <p:clrMapOvr>
-    <a:masterClrMapping/>
-  </p:clrMapOvr>
-  <p:timing>
-    <p:tnLst>
-      <p:par>
-        <p:cTn id="1" dur="indefinite" restart="never" nodeType="tmRoot"/>
-      </p:par>
-    </p:tnLst>
-  </p:timing>
-</p:sld>
-</file>
-
-<file path=ppt/slides/slide27.xml><?xml version="1.0" encoding="utf-8"?>
-<p:sld xmlns:a="http://schemas.openxmlformats.org/drawingml/2006/main" xmlns:r="http://schemas.openxmlformats.org/officeDocument/2006/relationships" xmlns:p="http://schemas.openxmlformats.org/presentationml/2006/main">
-  <p:cSld>
-    <p:spTree>
-      <p:nvGrpSpPr>
-        <p:cNvPr id="1" name=""/>
-        <p:cNvGrpSpPr/>
-        <p:nvPr/>
-      </p:nvGrpSpPr>
-      <p:grpSpPr>
-        <a:xfrm>
-          <a:off x="0" y="0"/>
-          <a:ext cx="0" cy="0"/>
-          <a:chOff x="0" y="0"/>
-          <a:chExt cx="0" cy="0"/>
-        </a:xfrm>
-      </p:grpSpPr>
-      <p:sp>
-        <p:nvSpPr>
           <p:cNvPr id="23" name="标题 1"/>
           <p:cNvSpPr txBox="1">
             <a:spLocks/>
@@ -16425,7 +16249,7 @@
                 <a:tabLst/>
                 <a:defRPr/>
               </a:pPr>
-              <a:t>27</a:t>
+              <a:t>26</a:t>
             </a:fld>
             <a:endParaRPr kumimoji="0" lang="zh-CN" altLang="en-US" sz="1400" b="1" i="0" u="none" strike="noStrike" kern="1200" cap="none" spc="0" normalizeH="0" baseline="0" noProof="0" dirty="0" smtClean="0">
               <a:ln>
@@ -18778,6 +18602,1091 @@
     <p:extLst>
       <p:ext uri="{BB962C8B-B14F-4D97-AF65-F5344CB8AC3E}">
         <p14:creationId xmlns:p14="http://schemas.microsoft.com/office/powerpoint/2010/main" val="3209765392"/>
+      </p:ext>
+    </p:extLst>
+  </p:cSld>
+  <p:clrMapOvr>
+    <a:masterClrMapping/>
+  </p:clrMapOvr>
+  <p:timing>
+    <p:tnLst>
+      <p:par>
+        <p:cTn id="1" dur="indefinite" restart="never" nodeType="tmRoot"/>
+      </p:par>
+    </p:tnLst>
+  </p:timing>
+</p:sld>
+</file>
+
+<file path=ppt/slides/slide27.xml><?xml version="1.0" encoding="utf-8"?>
+<p:sld xmlns:a="http://schemas.openxmlformats.org/drawingml/2006/main" xmlns:r="http://schemas.openxmlformats.org/officeDocument/2006/relationships" xmlns:p="http://schemas.openxmlformats.org/presentationml/2006/main">
+  <p:cSld>
+    <p:spTree>
+      <p:nvGrpSpPr>
+        <p:cNvPr id="1" name=""/>
+        <p:cNvGrpSpPr/>
+        <p:nvPr/>
+      </p:nvGrpSpPr>
+      <p:grpSpPr>
+        <a:xfrm>
+          <a:off x="0" y="0"/>
+          <a:ext cx="0" cy="0"/>
+          <a:chOff x="0" y="0"/>
+          <a:chExt cx="0" cy="0"/>
+        </a:xfrm>
+      </p:grpSpPr>
+      <p:sp>
+        <p:nvSpPr>
+          <p:cNvPr id="2" name="标题 1"/>
+          <p:cNvSpPr txBox="1">
+            <a:spLocks/>
+          </p:cNvSpPr>
+          <p:nvPr/>
+        </p:nvSpPr>
+        <p:spPr>
+          <a:xfrm>
+            <a:off x="214282" y="214290"/>
+            <a:ext cx="3453225" cy="384175"/>
+          </a:xfrm>
+          <a:prstGeom prst="rect">
+            <a:avLst/>
+          </a:prstGeom>
+        </p:spPr>
+        <p:txBody>
+          <a:bodyPr>
+            <a:normAutofit fontScale="90000" lnSpcReduction="20000"/>
+          </a:bodyPr>
+          <a:lstStyle>
+            <a:lvl1pPr algn="l" rtl="0" eaLnBrk="1" fontAlgn="base" hangingPunct="1">
+              <a:spcBef>
+                <a:spcPct val="0"/>
+              </a:spcBef>
+              <a:spcAft>
+                <a:spcPct val="0"/>
+              </a:spcAft>
+              <a:defRPr sz="2800" b="1" kern="1200">
+                <a:solidFill>
+                  <a:schemeClr val="tx1"/>
+                </a:solidFill>
+                <a:latin typeface="楷体_GB2312" pitchFamily="49" charset="-122"/>
+                <a:ea typeface="楷体_GB2312" pitchFamily="49" charset="-122"/>
+                <a:cs typeface="+mj-cs"/>
+              </a:defRPr>
+            </a:lvl1pPr>
+            <a:lvl2pPr algn="l" rtl="0" eaLnBrk="1" fontAlgn="base" hangingPunct="1">
+              <a:spcBef>
+                <a:spcPct val="0"/>
+              </a:spcBef>
+              <a:spcAft>
+                <a:spcPct val="0"/>
+              </a:spcAft>
+              <a:defRPr sz="2800" b="1">
+                <a:solidFill>
+                  <a:schemeClr val="tx1"/>
+                </a:solidFill>
+                <a:latin typeface="楷体_GB2312" pitchFamily="49" charset="-122"/>
+                <a:ea typeface="楷体_GB2312" pitchFamily="49" charset="-122"/>
+              </a:defRPr>
+            </a:lvl2pPr>
+            <a:lvl3pPr algn="l" rtl="0" eaLnBrk="1" fontAlgn="base" hangingPunct="1">
+              <a:spcBef>
+                <a:spcPct val="0"/>
+              </a:spcBef>
+              <a:spcAft>
+                <a:spcPct val="0"/>
+              </a:spcAft>
+              <a:defRPr sz="2800" b="1">
+                <a:solidFill>
+                  <a:schemeClr val="tx1"/>
+                </a:solidFill>
+                <a:latin typeface="楷体_GB2312" pitchFamily="49" charset="-122"/>
+                <a:ea typeface="楷体_GB2312" pitchFamily="49" charset="-122"/>
+              </a:defRPr>
+            </a:lvl3pPr>
+            <a:lvl4pPr algn="l" rtl="0" eaLnBrk="1" fontAlgn="base" hangingPunct="1">
+              <a:spcBef>
+                <a:spcPct val="0"/>
+              </a:spcBef>
+              <a:spcAft>
+                <a:spcPct val="0"/>
+              </a:spcAft>
+              <a:defRPr sz="2800" b="1">
+                <a:solidFill>
+                  <a:schemeClr val="tx1"/>
+                </a:solidFill>
+                <a:latin typeface="楷体_GB2312" pitchFamily="49" charset="-122"/>
+                <a:ea typeface="楷体_GB2312" pitchFamily="49" charset="-122"/>
+              </a:defRPr>
+            </a:lvl4pPr>
+            <a:lvl5pPr algn="l" rtl="0" eaLnBrk="1" fontAlgn="base" hangingPunct="1">
+              <a:spcBef>
+                <a:spcPct val="0"/>
+              </a:spcBef>
+              <a:spcAft>
+                <a:spcPct val="0"/>
+              </a:spcAft>
+              <a:defRPr sz="2800" b="1">
+                <a:solidFill>
+                  <a:schemeClr val="tx1"/>
+                </a:solidFill>
+                <a:latin typeface="楷体_GB2312" pitchFamily="49" charset="-122"/>
+                <a:ea typeface="楷体_GB2312" pitchFamily="49" charset="-122"/>
+              </a:defRPr>
+            </a:lvl5pPr>
+            <a:lvl6pPr marL="457200" algn="l" rtl="0" eaLnBrk="1" fontAlgn="base" hangingPunct="1">
+              <a:spcBef>
+                <a:spcPct val="0"/>
+              </a:spcBef>
+              <a:spcAft>
+                <a:spcPct val="0"/>
+              </a:spcAft>
+              <a:defRPr sz="2800" b="1">
+                <a:solidFill>
+                  <a:schemeClr val="tx1"/>
+                </a:solidFill>
+                <a:latin typeface="楷体_GB2312" pitchFamily="49" charset="-122"/>
+                <a:ea typeface="楷体_GB2312" pitchFamily="49" charset="-122"/>
+              </a:defRPr>
+            </a:lvl6pPr>
+            <a:lvl7pPr marL="914400" algn="l" rtl="0" eaLnBrk="1" fontAlgn="base" hangingPunct="1">
+              <a:spcBef>
+                <a:spcPct val="0"/>
+              </a:spcBef>
+              <a:spcAft>
+                <a:spcPct val="0"/>
+              </a:spcAft>
+              <a:defRPr sz="2800" b="1">
+                <a:solidFill>
+                  <a:schemeClr val="tx1"/>
+                </a:solidFill>
+                <a:latin typeface="楷体_GB2312" pitchFamily="49" charset="-122"/>
+                <a:ea typeface="楷体_GB2312" pitchFamily="49" charset="-122"/>
+              </a:defRPr>
+            </a:lvl7pPr>
+            <a:lvl8pPr marL="1371600" algn="l" rtl="0" eaLnBrk="1" fontAlgn="base" hangingPunct="1">
+              <a:spcBef>
+                <a:spcPct val="0"/>
+              </a:spcBef>
+              <a:spcAft>
+                <a:spcPct val="0"/>
+              </a:spcAft>
+              <a:defRPr sz="2800" b="1">
+                <a:solidFill>
+                  <a:schemeClr val="tx1"/>
+                </a:solidFill>
+                <a:latin typeface="楷体_GB2312" pitchFamily="49" charset="-122"/>
+                <a:ea typeface="楷体_GB2312" pitchFamily="49" charset="-122"/>
+              </a:defRPr>
+            </a:lvl8pPr>
+            <a:lvl9pPr marL="1828800" algn="l" rtl="0" eaLnBrk="1" fontAlgn="base" hangingPunct="1">
+              <a:spcBef>
+                <a:spcPct val="0"/>
+              </a:spcBef>
+              <a:spcAft>
+                <a:spcPct val="0"/>
+              </a:spcAft>
+              <a:defRPr sz="2800" b="1">
+                <a:solidFill>
+                  <a:schemeClr val="tx1"/>
+                </a:solidFill>
+                <a:latin typeface="楷体_GB2312" pitchFamily="49" charset="-122"/>
+                <a:ea typeface="楷体_GB2312" pitchFamily="49" charset="-122"/>
+              </a:defRPr>
+            </a:lvl9pPr>
+          </a:lstStyle>
+          <a:p>
+            <a:pPr fontAlgn="auto">
+              <a:spcAft>
+                <a:spcPts val="0"/>
+              </a:spcAft>
+              <a:defRPr/>
+            </a:pPr>
+            <a:r>
+              <a:rPr lang="zh-CN" altLang="en-US" sz="2400" smtClean="0">
+                <a:latin typeface="微软雅黑" pitchFamily="34" charset="-122"/>
+                <a:ea typeface="微软雅黑" pitchFamily="34" charset="-122"/>
+              </a:rPr>
+              <a:t>心得体会分享</a:t>
+            </a:r>
+            <a:endParaRPr lang="zh-CN" altLang="en-US" sz="2400" dirty="0">
+              <a:latin typeface="微软雅黑" pitchFamily="34" charset="-122"/>
+              <a:ea typeface="微软雅黑" pitchFamily="34" charset="-122"/>
+            </a:endParaRPr>
+          </a:p>
+        </p:txBody>
+      </p:sp>
+      <p:sp>
+        <p:nvSpPr>
+          <p:cNvPr id="3" name="灯片编号占位符 2"/>
+          <p:cNvSpPr txBox="1">
+            <a:spLocks/>
+          </p:cNvSpPr>
+          <p:nvPr/>
+        </p:nvSpPr>
+        <p:spPr bwMode="auto">
+          <a:xfrm>
+            <a:off x="8459788" y="6597650"/>
+            <a:ext cx="595312" cy="144463"/>
+          </a:xfrm>
+          <a:prstGeom prst="rect">
+            <a:avLst/>
+          </a:prstGeom>
+          <a:noFill/>
+          <a:ln>
+            <a:miter lim="800000"/>
+            <a:headEnd/>
+            <a:tailEnd/>
+          </a:ln>
+        </p:spPr>
+        <p:txBody>
+          <a:bodyPr wrap="square" numCol="1" anchorCtr="0" compatLnSpc="1">
+            <a:prstTxWarp prst="textNoShape">
+              <a:avLst/>
+            </a:prstTxWarp>
+          </a:bodyPr>
+          <a:lstStyle>
+            <a:defPPr>
+              <a:defRPr lang="zh-CN"/>
+            </a:defPPr>
+            <a:lvl1pPr algn="l" rtl="0" fontAlgn="base">
+              <a:spcBef>
+                <a:spcPct val="0"/>
+              </a:spcBef>
+              <a:spcAft>
+                <a:spcPct val="0"/>
+              </a:spcAft>
+              <a:defRPr kern="1200">
+                <a:solidFill>
+                  <a:schemeClr val="tx1"/>
+                </a:solidFill>
+                <a:latin typeface="Arial" charset="0"/>
+                <a:ea typeface="宋体" charset="-122"/>
+                <a:cs typeface="+mn-cs"/>
+              </a:defRPr>
+            </a:lvl1pPr>
+            <a:lvl2pPr marL="457200" algn="l" rtl="0" fontAlgn="base">
+              <a:spcBef>
+                <a:spcPct val="0"/>
+              </a:spcBef>
+              <a:spcAft>
+                <a:spcPct val="0"/>
+              </a:spcAft>
+              <a:defRPr kern="1200">
+                <a:solidFill>
+                  <a:schemeClr val="tx1"/>
+                </a:solidFill>
+                <a:latin typeface="Arial" charset="0"/>
+                <a:ea typeface="宋体" charset="-122"/>
+                <a:cs typeface="+mn-cs"/>
+              </a:defRPr>
+            </a:lvl2pPr>
+            <a:lvl3pPr marL="914400" algn="l" rtl="0" fontAlgn="base">
+              <a:spcBef>
+                <a:spcPct val="0"/>
+              </a:spcBef>
+              <a:spcAft>
+                <a:spcPct val="0"/>
+              </a:spcAft>
+              <a:defRPr kern="1200">
+                <a:solidFill>
+                  <a:schemeClr val="tx1"/>
+                </a:solidFill>
+                <a:latin typeface="Arial" charset="0"/>
+                <a:ea typeface="宋体" charset="-122"/>
+                <a:cs typeface="+mn-cs"/>
+              </a:defRPr>
+            </a:lvl3pPr>
+            <a:lvl4pPr marL="1371600" algn="l" rtl="0" fontAlgn="base">
+              <a:spcBef>
+                <a:spcPct val="0"/>
+              </a:spcBef>
+              <a:spcAft>
+                <a:spcPct val="0"/>
+              </a:spcAft>
+              <a:defRPr kern="1200">
+                <a:solidFill>
+                  <a:schemeClr val="tx1"/>
+                </a:solidFill>
+                <a:latin typeface="Arial" charset="0"/>
+                <a:ea typeface="宋体" charset="-122"/>
+                <a:cs typeface="+mn-cs"/>
+              </a:defRPr>
+            </a:lvl4pPr>
+            <a:lvl5pPr marL="1828800" algn="l" rtl="0" fontAlgn="base">
+              <a:spcBef>
+                <a:spcPct val="0"/>
+              </a:spcBef>
+              <a:spcAft>
+                <a:spcPct val="0"/>
+              </a:spcAft>
+              <a:defRPr kern="1200">
+                <a:solidFill>
+                  <a:schemeClr val="tx1"/>
+                </a:solidFill>
+                <a:latin typeface="Arial" charset="0"/>
+                <a:ea typeface="宋体" charset="-122"/>
+                <a:cs typeface="+mn-cs"/>
+              </a:defRPr>
+            </a:lvl5pPr>
+            <a:lvl6pPr marL="2286000" algn="l" defTabSz="914400" rtl="0" eaLnBrk="1" latinLnBrk="0" hangingPunct="1">
+              <a:defRPr kern="1200">
+                <a:solidFill>
+                  <a:schemeClr val="tx1"/>
+                </a:solidFill>
+                <a:latin typeface="Arial" charset="0"/>
+                <a:ea typeface="宋体" charset="-122"/>
+                <a:cs typeface="+mn-cs"/>
+              </a:defRPr>
+            </a:lvl6pPr>
+            <a:lvl7pPr marL="2743200" algn="l" defTabSz="914400" rtl="0" eaLnBrk="1" latinLnBrk="0" hangingPunct="1">
+              <a:defRPr kern="1200">
+                <a:solidFill>
+                  <a:schemeClr val="tx1"/>
+                </a:solidFill>
+                <a:latin typeface="Arial" charset="0"/>
+                <a:ea typeface="宋体" charset="-122"/>
+                <a:cs typeface="+mn-cs"/>
+              </a:defRPr>
+            </a:lvl7pPr>
+            <a:lvl8pPr marL="3200400" algn="l" defTabSz="914400" rtl="0" eaLnBrk="1" latinLnBrk="0" hangingPunct="1">
+              <a:defRPr kern="1200">
+                <a:solidFill>
+                  <a:schemeClr val="tx1"/>
+                </a:solidFill>
+                <a:latin typeface="Arial" charset="0"/>
+                <a:ea typeface="宋体" charset="-122"/>
+                <a:cs typeface="+mn-cs"/>
+              </a:defRPr>
+            </a:lvl8pPr>
+            <a:lvl9pPr marL="3657600" algn="l" defTabSz="914400" rtl="0" eaLnBrk="1" latinLnBrk="0" hangingPunct="1">
+              <a:defRPr kern="1200">
+                <a:solidFill>
+                  <a:schemeClr val="tx1"/>
+                </a:solidFill>
+                <a:latin typeface="Arial" charset="0"/>
+                <a:ea typeface="宋体" charset="-122"/>
+                <a:cs typeface="+mn-cs"/>
+              </a:defRPr>
+            </a:lvl9pPr>
+          </a:lstStyle>
+          <a:p>
+            <a:fld id="{5B59D616-FE6A-4DB8-9F4D-77EC00044CC1}" type="slidenum">
+              <a:rPr lang="zh-CN" altLang="en-US" smtClean="0"/>
+              <a:pPr/>
+              <a:t>27</a:t>
+            </a:fld>
+            <a:endParaRPr lang="zh-CN" altLang="en-US" dirty="0" smtClean="0"/>
+          </a:p>
+        </p:txBody>
+      </p:sp>
+      <p:grpSp>
+        <p:nvGrpSpPr>
+          <p:cNvPr id="4" name="组合 9"/>
+          <p:cNvGrpSpPr>
+            <a:grpSpLocks/>
+          </p:cNvGrpSpPr>
+          <p:nvPr/>
+        </p:nvGrpSpPr>
+        <p:grpSpPr bwMode="auto">
+          <a:xfrm>
+            <a:off x="0" y="0"/>
+            <a:ext cx="0" cy="0"/>
+            <a:chOff x="0" y="0"/>
+            <a:chExt cx="35" cy="79"/>
+          </a:xfrm>
+        </p:grpSpPr>
+        <p:sp>
+          <p:nvSpPr>
+            <p:cNvPr id="5" name="Line 3"/>
+            <p:cNvSpPr>
+              <a:spLocks noChangeShapeType="1"/>
+            </p:cNvSpPr>
+            <p:nvPr/>
+          </p:nvSpPr>
+          <p:spPr bwMode="auto">
+            <a:xfrm>
+              <a:off x="0" y="0"/>
+              <a:ext cx="35" cy="79"/>
+            </a:xfrm>
+            <a:prstGeom prst="line">
+              <a:avLst/>
+            </a:prstGeom>
+            <a:noFill/>
+            <a:ln w="9525">
+              <a:solidFill>
+                <a:srgbClr val="000000"/>
+              </a:solidFill>
+              <a:round/>
+              <a:headEnd/>
+              <a:tailEnd/>
+            </a:ln>
+          </p:spPr>
+          <p:txBody>
+            <a:bodyPr/>
+            <a:lstStyle/>
+            <a:p>
+              <a:endParaRPr lang="zh-CN" altLang="en-US"/>
+            </a:p>
+          </p:txBody>
+        </p:sp>
+        <p:sp>
+          <p:nvSpPr>
+            <p:cNvPr id="6" name="Line 4"/>
+            <p:cNvSpPr>
+              <a:spLocks noChangeShapeType="1"/>
+            </p:cNvSpPr>
+            <p:nvPr/>
+          </p:nvSpPr>
+          <p:spPr bwMode="auto">
+            <a:xfrm>
+              <a:off x="35" y="79"/>
+              <a:ext cx="95" cy="0"/>
+            </a:xfrm>
+            <a:prstGeom prst="line">
+              <a:avLst/>
+            </a:prstGeom>
+            <a:noFill/>
+            <a:ln w="9525">
+              <a:solidFill>
+                <a:srgbClr val="000000"/>
+              </a:solidFill>
+              <a:round/>
+              <a:headEnd/>
+              <a:tailEnd/>
+            </a:ln>
+          </p:spPr>
+          <p:txBody>
+            <a:bodyPr/>
+            <a:lstStyle/>
+            <a:p>
+              <a:endParaRPr lang="zh-CN" altLang="en-US"/>
+            </a:p>
+          </p:txBody>
+        </p:sp>
+      </p:grpSp>
+      <p:grpSp>
+        <p:nvGrpSpPr>
+          <p:cNvPr id="7" name="组合 12"/>
+          <p:cNvGrpSpPr>
+            <a:grpSpLocks/>
+          </p:cNvGrpSpPr>
+          <p:nvPr/>
+        </p:nvGrpSpPr>
+        <p:grpSpPr bwMode="auto">
+          <a:xfrm>
+            <a:off x="0" y="0"/>
+            <a:ext cx="0" cy="0"/>
+            <a:chOff x="0" y="0"/>
+            <a:chExt cx="35" cy="79"/>
+          </a:xfrm>
+        </p:grpSpPr>
+        <p:sp>
+          <p:nvSpPr>
+            <p:cNvPr id="8" name="Line 13"/>
+            <p:cNvSpPr>
+              <a:spLocks noChangeShapeType="1"/>
+            </p:cNvSpPr>
+            <p:nvPr/>
+          </p:nvSpPr>
+          <p:spPr bwMode="auto">
+            <a:xfrm>
+              <a:off x="0" y="0"/>
+              <a:ext cx="35" cy="79"/>
+            </a:xfrm>
+            <a:prstGeom prst="line">
+              <a:avLst/>
+            </a:prstGeom>
+            <a:noFill/>
+            <a:ln w="9525">
+              <a:solidFill>
+                <a:srgbClr val="000000"/>
+              </a:solidFill>
+              <a:round/>
+              <a:headEnd/>
+              <a:tailEnd/>
+            </a:ln>
+          </p:spPr>
+          <p:txBody>
+            <a:bodyPr/>
+            <a:lstStyle/>
+            <a:p>
+              <a:endParaRPr lang="zh-CN" altLang="en-US"/>
+            </a:p>
+          </p:txBody>
+        </p:sp>
+        <p:sp>
+          <p:nvSpPr>
+            <p:cNvPr id="9" name="Line 14"/>
+            <p:cNvSpPr>
+              <a:spLocks noChangeShapeType="1"/>
+            </p:cNvSpPr>
+            <p:nvPr/>
+          </p:nvSpPr>
+          <p:spPr bwMode="auto">
+            <a:xfrm>
+              <a:off x="35" y="79"/>
+              <a:ext cx="95" cy="0"/>
+            </a:xfrm>
+            <a:prstGeom prst="line">
+              <a:avLst/>
+            </a:prstGeom>
+            <a:noFill/>
+            <a:ln w="9525">
+              <a:solidFill>
+                <a:srgbClr val="000000"/>
+              </a:solidFill>
+              <a:round/>
+              <a:headEnd/>
+              <a:tailEnd/>
+            </a:ln>
+          </p:spPr>
+          <p:txBody>
+            <a:bodyPr/>
+            <a:lstStyle/>
+            <a:p>
+              <a:endParaRPr lang="zh-CN" altLang="en-US"/>
+            </a:p>
+          </p:txBody>
+        </p:sp>
+      </p:grpSp>
+      <p:grpSp>
+        <p:nvGrpSpPr>
+          <p:cNvPr id="10" name="组合 16"/>
+          <p:cNvGrpSpPr>
+            <a:grpSpLocks/>
+          </p:cNvGrpSpPr>
+          <p:nvPr/>
+        </p:nvGrpSpPr>
+        <p:grpSpPr bwMode="auto">
+          <a:xfrm>
+            <a:off x="0" y="0"/>
+            <a:ext cx="0" cy="0"/>
+            <a:chOff x="0" y="0"/>
+            <a:chExt cx="35" cy="79"/>
+          </a:xfrm>
+        </p:grpSpPr>
+        <p:sp>
+          <p:nvSpPr>
+            <p:cNvPr id="11" name="Line 18"/>
+            <p:cNvSpPr>
+              <a:spLocks noChangeShapeType="1"/>
+            </p:cNvSpPr>
+            <p:nvPr/>
+          </p:nvSpPr>
+          <p:spPr bwMode="auto">
+            <a:xfrm>
+              <a:off x="0" y="0"/>
+              <a:ext cx="35" cy="79"/>
+            </a:xfrm>
+            <a:prstGeom prst="line">
+              <a:avLst/>
+            </a:prstGeom>
+            <a:noFill/>
+            <a:ln w="9525">
+              <a:solidFill>
+                <a:srgbClr val="000000"/>
+              </a:solidFill>
+              <a:round/>
+              <a:headEnd/>
+              <a:tailEnd/>
+            </a:ln>
+          </p:spPr>
+          <p:txBody>
+            <a:bodyPr/>
+            <a:lstStyle/>
+            <a:p>
+              <a:endParaRPr lang="zh-CN" altLang="en-US"/>
+            </a:p>
+          </p:txBody>
+        </p:sp>
+        <p:sp>
+          <p:nvSpPr>
+            <p:cNvPr id="12" name="Line 19"/>
+            <p:cNvSpPr>
+              <a:spLocks noChangeShapeType="1"/>
+            </p:cNvSpPr>
+            <p:nvPr/>
+          </p:nvSpPr>
+          <p:spPr bwMode="auto">
+            <a:xfrm>
+              <a:off x="35" y="79"/>
+              <a:ext cx="95" cy="0"/>
+            </a:xfrm>
+            <a:prstGeom prst="line">
+              <a:avLst/>
+            </a:prstGeom>
+            <a:noFill/>
+            <a:ln w="9525">
+              <a:solidFill>
+                <a:srgbClr val="000000"/>
+              </a:solidFill>
+              <a:round/>
+              <a:headEnd/>
+              <a:tailEnd/>
+            </a:ln>
+          </p:spPr>
+          <p:txBody>
+            <a:bodyPr/>
+            <a:lstStyle/>
+            <a:p>
+              <a:endParaRPr lang="zh-CN" altLang="en-US"/>
+            </a:p>
+          </p:txBody>
+        </p:sp>
+      </p:grpSp>
+      <p:grpSp>
+        <p:nvGrpSpPr>
+          <p:cNvPr id="13" name="组合 19"/>
+          <p:cNvGrpSpPr>
+            <a:grpSpLocks/>
+          </p:cNvGrpSpPr>
+          <p:nvPr/>
+        </p:nvGrpSpPr>
+        <p:grpSpPr bwMode="auto">
+          <a:xfrm>
+            <a:off x="0" y="0"/>
+            <a:ext cx="0" cy="0"/>
+            <a:chOff x="0" y="0"/>
+            <a:chExt cx="35" cy="79"/>
+          </a:xfrm>
+        </p:grpSpPr>
+        <p:sp>
+          <p:nvSpPr>
+            <p:cNvPr id="14" name="Line 23"/>
+            <p:cNvSpPr>
+              <a:spLocks noChangeShapeType="1"/>
+            </p:cNvSpPr>
+            <p:nvPr/>
+          </p:nvSpPr>
+          <p:spPr bwMode="auto">
+            <a:xfrm>
+              <a:off x="0" y="0"/>
+              <a:ext cx="35" cy="79"/>
+            </a:xfrm>
+            <a:prstGeom prst="line">
+              <a:avLst/>
+            </a:prstGeom>
+            <a:noFill/>
+            <a:ln w="9525">
+              <a:solidFill>
+                <a:srgbClr val="000000"/>
+              </a:solidFill>
+              <a:round/>
+              <a:headEnd/>
+              <a:tailEnd/>
+            </a:ln>
+          </p:spPr>
+          <p:txBody>
+            <a:bodyPr/>
+            <a:lstStyle/>
+            <a:p>
+              <a:endParaRPr lang="zh-CN" altLang="en-US"/>
+            </a:p>
+          </p:txBody>
+        </p:sp>
+        <p:sp>
+          <p:nvSpPr>
+            <p:cNvPr id="15" name="Line 24"/>
+            <p:cNvSpPr>
+              <a:spLocks noChangeShapeType="1"/>
+            </p:cNvSpPr>
+            <p:nvPr/>
+          </p:nvSpPr>
+          <p:spPr bwMode="auto">
+            <a:xfrm>
+              <a:off x="35" y="79"/>
+              <a:ext cx="95" cy="0"/>
+            </a:xfrm>
+            <a:prstGeom prst="line">
+              <a:avLst/>
+            </a:prstGeom>
+            <a:noFill/>
+            <a:ln w="9525">
+              <a:solidFill>
+                <a:srgbClr val="000000"/>
+              </a:solidFill>
+              <a:round/>
+              <a:headEnd/>
+              <a:tailEnd/>
+            </a:ln>
+          </p:spPr>
+          <p:txBody>
+            <a:bodyPr/>
+            <a:lstStyle/>
+            <a:p>
+              <a:endParaRPr lang="zh-CN" altLang="en-US"/>
+            </a:p>
+          </p:txBody>
+        </p:sp>
+      </p:grpSp>
+      <p:grpSp>
+        <p:nvGrpSpPr>
+          <p:cNvPr id="16" name="组合 23"/>
+          <p:cNvGrpSpPr>
+            <a:grpSpLocks/>
+          </p:cNvGrpSpPr>
+          <p:nvPr/>
+        </p:nvGrpSpPr>
+        <p:grpSpPr bwMode="auto">
+          <a:xfrm>
+            <a:off x="0" y="0"/>
+            <a:ext cx="0" cy="0"/>
+            <a:chOff x="0" y="0"/>
+            <a:chExt cx="35" cy="79"/>
+          </a:xfrm>
+        </p:grpSpPr>
+        <p:sp>
+          <p:nvSpPr>
+            <p:cNvPr id="17" name="Line 47"/>
+            <p:cNvSpPr>
+              <a:spLocks noChangeShapeType="1"/>
+            </p:cNvSpPr>
+            <p:nvPr/>
+          </p:nvSpPr>
+          <p:spPr bwMode="auto">
+            <a:xfrm>
+              <a:off x="0" y="0"/>
+              <a:ext cx="35" cy="79"/>
+            </a:xfrm>
+            <a:prstGeom prst="line">
+              <a:avLst/>
+            </a:prstGeom>
+            <a:noFill/>
+            <a:ln w="9525">
+              <a:solidFill>
+                <a:srgbClr val="000000"/>
+              </a:solidFill>
+              <a:round/>
+              <a:headEnd/>
+              <a:tailEnd/>
+            </a:ln>
+          </p:spPr>
+          <p:txBody>
+            <a:bodyPr/>
+            <a:lstStyle/>
+            <a:p>
+              <a:endParaRPr lang="zh-CN" altLang="en-US"/>
+            </a:p>
+          </p:txBody>
+        </p:sp>
+        <p:sp>
+          <p:nvSpPr>
+            <p:cNvPr id="18" name="Line 48"/>
+            <p:cNvSpPr>
+              <a:spLocks noChangeShapeType="1"/>
+            </p:cNvSpPr>
+            <p:nvPr/>
+          </p:nvSpPr>
+          <p:spPr bwMode="auto">
+            <a:xfrm>
+              <a:off x="35" y="79"/>
+              <a:ext cx="95" cy="0"/>
+            </a:xfrm>
+            <a:prstGeom prst="line">
+              <a:avLst/>
+            </a:prstGeom>
+            <a:noFill/>
+            <a:ln w="9525">
+              <a:solidFill>
+                <a:srgbClr val="000000"/>
+              </a:solidFill>
+              <a:round/>
+              <a:headEnd/>
+              <a:tailEnd/>
+            </a:ln>
+          </p:spPr>
+          <p:txBody>
+            <a:bodyPr/>
+            <a:lstStyle/>
+            <a:p>
+              <a:endParaRPr lang="zh-CN" altLang="en-US"/>
+            </a:p>
+          </p:txBody>
+        </p:sp>
+      </p:grpSp>
+      <p:grpSp>
+        <p:nvGrpSpPr>
+          <p:cNvPr id="19" name="组合 27"/>
+          <p:cNvGrpSpPr>
+            <a:grpSpLocks/>
+          </p:cNvGrpSpPr>
+          <p:nvPr/>
+        </p:nvGrpSpPr>
+        <p:grpSpPr bwMode="auto">
+          <a:xfrm>
+            <a:off x="0" y="0"/>
+            <a:ext cx="0" cy="0"/>
+            <a:chOff x="0" y="0"/>
+            <a:chExt cx="35" cy="79"/>
+          </a:xfrm>
+        </p:grpSpPr>
+        <p:sp>
+          <p:nvSpPr>
+            <p:cNvPr id="20" name="Line 52"/>
+            <p:cNvSpPr>
+              <a:spLocks noChangeShapeType="1"/>
+            </p:cNvSpPr>
+            <p:nvPr/>
+          </p:nvSpPr>
+          <p:spPr bwMode="auto">
+            <a:xfrm>
+              <a:off x="0" y="0"/>
+              <a:ext cx="35" cy="79"/>
+            </a:xfrm>
+            <a:prstGeom prst="line">
+              <a:avLst/>
+            </a:prstGeom>
+            <a:noFill/>
+            <a:ln w="9525">
+              <a:solidFill>
+                <a:srgbClr val="000000"/>
+              </a:solidFill>
+              <a:round/>
+              <a:headEnd/>
+              <a:tailEnd/>
+            </a:ln>
+          </p:spPr>
+          <p:txBody>
+            <a:bodyPr/>
+            <a:lstStyle/>
+            <a:p>
+              <a:endParaRPr lang="zh-CN" altLang="en-US"/>
+            </a:p>
+          </p:txBody>
+        </p:sp>
+        <p:sp>
+          <p:nvSpPr>
+            <p:cNvPr id="21" name="Line 53"/>
+            <p:cNvSpPr>
+              <a:spLocks noChangeShapeType="1"/>
+            </p:cNvSpPr>
+            <p:nvPr/>
+          </p:nvSpPr>
+          <p:spPr bwMode="auto">
+            <a:xfrm>
+              <a:off x="35" y="79"/>
+              <a:ext cx="95" cy="0"/>
+            </a:xfrm>
+            <a:prstGeom prst="line">
+              <a:avLst/>
+            </a:prstGeom>
+            <a:noFill/>
+            <a:ln w="9525">
+              <a:solidFill>
+                <a:srgbClr val="000000"/>
+              </a:solidFill>
+              <a:round/>
+              <a:headEnd/>
+              <a:tailEnd/>
+            </a:ln>
+          </p:spPr>
+          <p:txBody>
+            <a:bodyPr/>
+            <a:lstStyle/>
+            <a:p>
+              <a:endParaRPr lang="zh-CN" altLang="en-US"/>
+            </a:p>
+          </p:txBody>
+        </p:sp>
+      </p:grpSp>
+      <p:sp>
+        <p:nvSpPr>
+          <p:cNvPr id="22" name="标题 1"/>
+          <p:cNvSpPr txBox="1">
+            <a:spLocks/>
+          </p:cNvSpPr>
+          <p:nvPr/>
+        </p:nvSpPr>
+        <p:spPr>
+          <a:xfrm>
+            <a:off x="0" y="44450"/>
+            <a:ext cx="9144000" cy="431800"/>
+          </a:xfrm>
+          <a:prstGeom prst="rect">
+            <a:avLst/>
+          </a:prstGeom>
+        </p:spPr>
+        <p:txBody>
+          <a:bodyPr lIns="180000" rIns="180000" anchor="ctr"/>
+          <a:lstStyle/>
+          <a:p>
+            <a:pPr fontAlgn="auto">
+              <a:spcAft>
+                <a:spcPts val="0"/>
+              </a:spcAft>
+              <a:defRPr/>
+            </a:pPr>
+            <a:endParaRPr lang="zh-CN" altLang="en-US" b="1" spc="100" dirty="0">
+              <a:solidFill>
+                <a:schemeClr val="bg1"/>
+              </a:solidFill>
+              <a:latin typeface="华文细黑" pitchFamily="2" charset="-122"/>
+              <a:ea typeface="华文细黑" pitchFamily="2" charset="-122"/>
+            </a:endParaRPr>
+          </a:p>
+        </p:txBody>
+      </p:sp>
+      <p:sp>
+        <p:nvSpPr>
+          <p:cNvPr id="24" name="TextBox 23"/>
+          <p:cNvSpPr txBox="1"/>
+          <p:nvPr/>
+        </p:nvSpPr>
+        <p:spPr>
+          <a:xfrm>
+            <a:off x="323528" y="1196752"/>
+            <a:ext cx="8433916" cy="3231654"/>
+          </a:xfrm>
+          <a:prstGeom prst="rect">
+            <a:avLst/>
+          </a:prstGeom>
+          <a:noFill/>
+        </p:spPr>
+        <p:txBody>
+          <a:bodyPr wrap="square" rtlCol="0">
+            <a:spAutoFit/>
+          </a:bodyPr>
+          <a:lstStyle/>
+          <a:p>
+            <a:r>
+              <a:rPr lang="zh-CN" altLang="en-US" b="1" dirty="0" smtClean="0"/>
+              <a:t>公司</a:t>
+            </a:r>
+            <a:r>
+              <a:rPr lang="zh-CN" altLang="en-US" dirty="0" smtClean="0"/>
+              <a:t>：</a:t>
+            </a:r>
+            <a:endParaRPr lang="en-US" altLang="zh-CN" dirty="0" smtClean="0"/>
+          </a:p>
+          <a:p>
+            <a:pPr marL="285750" indent="-285750">
+              <a:buFont typeface="Arial" pitchFamily="34" charset="0"/>
+              <a:buChar char="•"/>
+            </a:pPr>
+            <a:r>
+              <a:rPr lang="zh-CN" altLang="en-US" sz="1400" dirty="0" smtClean="0"/>
+              <a:t>公司像一个非常温馨的大家庭，对员工的关怀细致到了衣食住行各个方面；</a:t>
+            </a:r>
+            <a:endParaRPr lang="en-US" altLang="zh-CN" sz="1400" dirty="0" smtClean="0"/>
+          </a:p>
+          <a:p>
+            <a:pPr marL="285750" indent="-285750">
+              <a:buFont typeface="Arial" pitchFamily="34" charset="0"/>
+              <a:buChar char="•"/>
+            </a:pPr>
+            <a:r>
+              <a:rPr lang="zh-CN" altLang="en-US" sz="1400" dirty="0" smtClean="0"/>
+              <a:t>公司无论在项目还是日常事务中都有完善的规章制度，并且有很强的的执行力；</a:t>
+            </a:r>
+            <a:endParaRPr lang="en-US" altLang="zh-CN" sz="1400" dirty="0" smtClean="0"/>
+          </a:p>
+          <a:p>
+            <a:pPr marL="285750" indent="-285750">
+              <a:buFont typeface="Arial" pitchFamily="34" charset="0"/>
+              <a:buChar char="•"/>
+            </a:pPr>
+            <a:r>
+              <a:rPr lang="zh-CN" altLang="en-US" sz="1400" dirty="0" smtClean="0"/>
+              <a:t>公司的日常活动很多，俱乐部也很多，丰富了大家的业余生活，增进同事间的友谊；</a:t>
+            </a:r>
+            <a:endParaRPr lang="en-US" altLang="zh-CN" sz="1400" dirty="0" smtClean="0"/>
+          </a:p>
+          <a:p>
+            <a:pPr marL="285750" indent="-285750">
+              <a:buFont typeface="Arial" pitchFamily="34" charset="0"/>
+              <a:buChar char="•"/>
+            </a:pPr>
+            <a:endParaRPr lang="en-US" altLang="zh-CN" sz="1400" dirty="0" smtClean="0"/>
+          </a:p>
+          <a:p>
+            <a:pPr marL="285750" indent="-285750">
+              <a:buFont typeface="Arial" pitchFamily="34" charset="0"/>
+              <a:buChar char="•"/>
+            </a:pPr>
+            <a:endParaRPr lang="en-US" altLang="zh-CN" sz="1400" dirty="0" smtClean="0"/>
+          </a:p>
+          <a:p>
+            <a:pPr marL="285750" indent="-285750">
+              <a:buFont typeface="Arial" pitchFamily="34" charset="0"/>
+              <a:buChar char="•"/>
+            </a:pPr>
+            <a:endParaRPr lang="en-US" altLang="zh-CN" sz="1400" dirty="0"/>
+          </a:p>
+          <a:p>
+            <a:pPr marL="285750" indent="-285750">
+              <a:buFont typeface="Arial" pitchFamily="34" charset="0"/>
+              <a:buChar char="•"/>
+            </a:pPr>
+            <a:endParaRPr lang="en-US" altLang="zh-CN" sz="1400" dirty="0" smtClean="0"/>
+          </a:p>
+          <a:p>
+            <a:pPr marL="285750" indent="-285750">
+              <a:buFont typeface="Arial" pitchFamily="34" charset="0"/>
+              <a:buChar char="•"/>
+            </a:pPr>
+            <a:endParaRPr lang="en-US" altLang="zh-CN" sz="1400" dirty="0"/>
+          </a:p>
+          <a:p>
+            <a:pPr marL="285750" indent="-285750">
+              <a:buFont typeface="Arial" pitchFamily="34" charset="0"/>
+              <a:buChar char="•"/>
+            </a:pPr>
+            <a:endParaRPr lang="en-US" altLang="zh-CN" sz="1400" dirty="0" smtClean="0"/>
+          </a:p>
+          <a:p>
+            <a:r>
+              <a:rPr lang="zh-CN" altLang="en-US" b="1" dirty="0" smtClean="0"/>
+              <a:t>团队：</a:t>
+            </a:r>
+            <a:endParaRPr lang="en-US" altLang="zh-CN" b="1" dirty="0" smtClean="0"/>
+          </a:p>
+          <a:p>
+            <a:pPr marL="285750" indent="-285750">
+              <a:buFont typeface="Arial" pitchFamily="34" charset="0"/>
+              <a:buChar char="•"/>
+            </a:pPr>
+            <a:r>
+              <a:rPr lang="zh-CN" altLang="en-US" sz="1400" dirty="0"/>
+              <a:t>开发</a:t>
+            </a:r>
+            <a:r>
+              <a:rPr lang="zh-CN" altLang="en-US" sz="1400" dirty="0" smtClean="0"/>
+              <a:t>室氛围很好，同事间相处比较和睦、轻松；</a:t>
+            </a:r>
+            <a:endParaRPr lang="en-US" altLang="zh-CN" sz="1400" dirty="0" smtClean="0"/>
+          </a:p>
+          <a:p>
+            <a:pPr marL="285750" indent="-285750">
+              <a:buFont typeface="Arial" pitchFamily="34" charset="0"/>
+              <a:buChar char="•"/>
+            </a:pPr>
+            <a:r>
+              <a:rPr lang="zh-CN" altLang="en-US" sz="1400" dirty="0"/>
+              <a:t>开发</a:t>
+            </a:r>
+            <a:r>
+              <a:rPr lang="zh-CN" altLang="en-US" sz="1400" dirty="0" smtClean="0"/>
+              <a:t>室有合理的分工，小组间协作能力强；</a:t>
+            </a:r>
+            <a:endParaRPr lang="en-US" altLang="zh-CN" sz="1400" dirty="0" smtClean="0"/>
+          </a:p>
+          <a:p>
+            <a:pPr marL="285750" indent="-285750">
+              <a:buFont typeface="Arial" pitchFamily="34" charset="0"/>
+              <a:buChar char="•"/>
+            </a:pPr>
+            <a:r>
+              <a:rPr lang="zh-CN" altLang="en-US" sz="1400" dirty="0" smtClean="0"/>
+              <a:t>同事乐于助人，工作上有任何问题都非常耐心的帮助解答；</a:t>
+            </a:r>
+            <a:endParaRPr lang="en-US" altLang="zh-CN" sz="1400" dirty="0"/>
+          </a:p>
+        </p:txBody>
+      </p:sp>
+    </p:spTree>
+    <p:extLst>
+      <p:ext uri="{BB962C8B-B14F-4D97-AF65-F5344CB8AC3E}">
+        <p14:creationId xmlns:p14="http://schemas.microsoft.com/office/powerpoint/2010/main" val="3425878927"/>
       </p:ext>
     </p:extLst>
   </p:cSld>
@@ -19704,14 +20613,14 @@
       </p:sp>
       <p:sp>
         <p:nvSpPr>
-          <p:cNvPr id="23" name="TextBox 23"/>
+          <p:cNvPr id="24" name="TextBox 23"/>
           <p:cNvSpPr txBox="1"/>
           <p:nvPr/>
         </p:nvSpPr>
         <p:spPr>
           <a:xfrm>
-            <a:off x="857224" y="1000108"/>
-            <a:ext cx="7286676" cy="1477328"/>
+            <a:off x="242540" y="1052736"/>
+            <a:ext cx="8505924" cy="1508105"/>
           </a:xfrm>
           <a:prstGeom prst="rect">
             <a:avLst/>
@@ -19724,102 +20633,114 @@
           </a:bodyPr>
           <a:lstStyle/>
           <a:p>
-            <a:pPr lvl="0" indent="-342900" defTabSz="457200">
-              <a:lnSpc>
-                <a:spcPct val="150000"/>
-              </a:lnSpc>
-              <a:buFont typeface="Wingdings" pitchFamily="2" charset="2"/>
-              <a:buChar char="Ø"/>
+            <a:r>
+              <a:rPr lang="zh-CN" altLang="en-US" b="1" dirty="0" smtClean="0"/>
+              <a:t>自身不足及改进：</a:t>
+            </a:r>
+            <a:endParaRPr lang="en-US" altLang="zh-CN" b="1" dirty="0" smtClean="0"/>
+          </a:p>
+          <a:p>
+            <a:endParaRPr lang="en-US" altLang="zh-CN" b="1" dirty="0"/>
+          </a:p>
+          <a:p>
+            <a:pPr marL="285750" indent="-285750">
+              <a:buFont typeface="Arial" pitchFamily="34" charset="0"/>
+              <a:buChar char="•"/>
             </a:pPr>
             <a:r>
-              <a:rPr kumimoji="1" lang="zh-CN" altLang="en-US" i="1" dirty="0" smtClean="0">
-                <a:solidFill>
-                  <a:srgbClr val="3366FF"/>
-                </a:solidFill>
-                <a:latin typeface="微软雅黑"/>
-                <a:ea typeface="微软雅黑"/>
-                <a:cs typeface="微软雅黑"/>
-              </a:rPr>
-              <a:t>通过试用期的学习，有何收获、感想</a:t>
+              <a:rPr lang="zh-CN" altLang="en-US" sz="1400" dirty="0" smtClean="0"/>
+              <a:t>目前对后端的开发知识尚有欠缺，今后不断学习，加强自己前后端的技术；</a:t>
+            </a:r>
+            <a:endParaRPr lang="en-US" altLang="zh-CN" sz="1400" dirty="0" smtClean="0"/>
+          </a:p>
+          <a:p>
+            <a:pPr marL="285750" indent="-285750">
+              <a:buFont typeface="Arial" pitchFamily="34" charset="0"/>
+              <a:buChar char="•"/>
+            </a:pPr>
+            <a:r>
+              <a:rPr lang="zh-CN" altLang="en-US" sz="1400" dirty="0" smtClean="0"/>
+              <a:t>目前业务知识的储备尚有欠缺，今后在工作之余，在公司提供的知识库多学习业务知识；</a:t>
+            </a:r>
+            <a:endParaRPr lang="en-US" altLang="zh-CN" sz="1400" dirty="0" smtClean="0"/>
+          </a:p>
+          <a:p>
+            <a:pPr marL="285750" indent="-285750">
+              <a:buFont typeface="Arial" pitchFamily="34" charset="0"/>
+              <a:buChar char="•"/>
+            </a:pPr>
+            <a:r>
+              <a:rPr lang="zh-CN" altLang="en-US" sz="1400" dirty="0" smtClean="0"/>
+              <a:t>自身的文档撰写能力不是很强，今后通过多阅读多写作来提高文档撰写能力；</a:t>
+            </a:r>
+            <a:endParaRPr lang="en-US" altLang="zh-CN" sz="1400" dirty="0" smtClean="0"/>
+          </a:p>
+          <a:p>
+            <a:pPr marL="285750" indent="-285750">
+              <a:buFont typeface="Arial" pitchFamily="34" charset="0"/>
+              <a:buChar char="•"/>
+            </a:pPr>
+            <a:r>
+              <a:rPr lang="zh-CN" altLang="en-US" sz="1400" dirty="0" smtClean="0"/>
+              <a:t>自身的沟通能力，语言表达能力也有待提高，以后通过多和同事交流，在各种会议上多发言来提高；</a:t>
+            </a:r>
+            <a:endParaRPr lang="zh-CN" altLang="en-US" sz="1400" dirty="0"/>
+          </a:p>
+        </p:txBody>
+      </p:sp>
+      <p:sp>
+        <p:nvSpPr>
+          <p:cNvPr id="25" name="TextBox 24"/>
+          <p:cNvSpPr txBox="1"/>
+          <p:nvPr/>
+        </p:nvSpPr>
+        <p:spPr>
+          <a:xfrm>
+            <a:off x="242540" y="3284984"/>
+            <a:ext cx="8505924" cy="584775"/>
+          </a:xfrm>
+          <a:prstGeom prst="rect">
+            <a:avLst/>
+          </a:prstGeom>
+          <a:noFill/>
+        </p:spPr>
+        <p:txBody>
+          <a:bodyPr wrap="square" rtlCol="0">
+            <a:spAutoFit/>
+          </a:bodyPr>
+          <a:lstStyle/>
+          <a:p>
+            <a:r>
+              <a:rPr lang="zh-CN" altLang="en-US" b="1" dirty="0" smtClean="0"/>
+              <a:t>建设性意见及建议：</a:t>
+            </a:r>
+            <a:endParaRPr lang="en-US" altLang="zh-CN" b="1" dirty="0" smtClean="0"/>
+          </a:p>
+          <a:p>
+            <a:pPr marL="285750" indent="-285750">
+              <a:buFont typeface="Arial" pitchFamily="34" charset="0"/>
+              <a:buChar char="•"/>
+            </a:pPr>
+            <a:r>
+              <a:rPr lang="zh-CN" altLang="en-US" sz="1400" dirty="0" smtClean="0"/>
+              <a:t>覆盖面更广的技术交流及培训，因为经常听见同事说讨厌写前端，讨厌写</a:t>
             </a:r>
             <a:r>
-              <a:rPr kumimoji="1" lang="en-US" altLang="zh-CN" i="1" dirty="0" smtClean="0">
-                <a:solidFill>
-                  <a:srgbClr val="3366FF"/>
-                </a:solidFill>
-                <a:latin typeface="微软雅黑"/>
-                <a:ea typeface="微软雅黑"/>
-                <a:cs typeface="微软雅黑"/>
-              </a:rPr>
-              <a:t>……</a:t>
+              <a:rPr lang="en-US" altLang="zh-CN" sz="1400" dirty="0" err="1" smtClean="0"/>
+              <a:t>js</a:t>
             </a:r>
-          </a:p>
-          <a:p>
-            <a:pPr lvl="0" indent="-342900" defTabSz="457200">
-              <a:lnSpc>
-                <a:spcPct val="150000"/>
-              </a:lnSpc>
-              <a:buFont typeface="+mj-lt"/>
-              <a:buAutoNum type="arabicPeriod"/>
-            </a:pPr>
             <a:r>
-              <a:rPr kumimoji="1" lang="en-US" altLang="zh-CN" sz="1400" i="1" dirty="0" smtClean="0">
-                <a:solidFill>
-                  <a:srgbClr val="3366FF"/>
-                </a:solidFill>
-                <a:latin typeface="微软雅黑"/>
-                <a:ea typeface="微软雅黑"/>
-                <a:cs typeface="微软雅黑"/>
-              </a:rPr>
-              <a:t>……</a:t>
+              <a:rPr lang="zh-CN" altLang="en-US" sz="1400" dirty="0" smtClean="0"/>
+              <a:t>；</a:t>
             </a:r>
-          </a:p>
-          <a:p>
-            <a:pPr lvl="0" indent="-342900" defTabSz="457200">
-              <a:lnSpc>
-                <a:spcPct val="150000"/>
-              </a:lnSpc>
-              <a:buFont typeface="+mj-lt"/>
-              <a:buAutoNum type="arabicPeriod"/>
-            </a:pPr>
-            <a:r>
-              <a:rPr kumimoji="1" lang="en-US" altLang="zh-CN" sz="1400" i="1" dirty="0" smtClean="0">
-                <a:solidFill>
-                  <a:srgbClr val="3366FF"/>
-                </a:solidFill>
-                <a:latin typeface="微软雅黑"/>
-                <a:ea typeface="微软雅黑"/>
-                <a:cs typeface="微软雅黑"/>
-              </a:rPr>
-              <a:t>……</a:t>
-            </a:r>
-          </a:p>
-          <a:p>
-            <a:pPr lvl="0" indent="-342900" defTabSz="457200">
-              <a:lnSpc>
-                <a:spcPct val="150000"/>
-              </a:lnSpc>
-              <a:buFont typeface="+mj-lt"/>
-              <a:buAutoNum type="arabicPeriod"/>
-            </a:pPr>
-            <a:r>
-              <a:rPr kumimoji="1" lang="en-US" altLang="zh-CN" sz="1400" i="1" dirty="0" smtClean="0">
-                <a:solidFill>
-                  <a:srgbClr val="3366FF"/>
-                </a:solidFill>
-                <a:latin typeface="微软雅黑"/>
-                <a:ea typeface="微软雅黑"/>
-                <a:cs typeface="微软雅黑"/>
-              </a:rPr>
-              <a:t>……</a:t>
-            </a:r>
+            <a:endParaRPr lang="zh-CN" altLang="en-US" sz="1400" dirty="0"/>
           </a:p>
         </p:txBody>
       </p:sp>
     </p:spTree>
     <p:extLst>
       <p:ext uri="{BB962C8B-B14F-4D97-AF65-F5344CB8AC3E}">
-        <p14:creationId xmlns:p14="http://schemas.microsoft.com/office/powerpoint/2010/main" val="3425878927"/>
+        <p14:creationId xmlns:p14="http://schemas.microsoft.com/office/powerpoint/2010/main" val="682242847"/>
       </p:ext>
     </p:extLst>
   </p:cSld>
@@ -19855,7 +20776,7 @@
       </p:grpSpPr>
       <p:sp>
         <p:nvSpPr>
-          <p:cNvPr id="2" name="标题 1"/>
+          <p:cNvPr id="23" name="标题 1"/>
           <p:cNvSpPr txBox="1">
             <a:spLocks/>
           </p:cNvSpPr>
@@ -19871,146 +20792,27 @@
           </a:prstGeom>
         </p:spPr>
         <p:txBody>
-          <a:bodyPr>
-            <a:normAutofit fontScale="90000" lnSpcReduction="20000"/>
+          <a:bodyPr vert="horz" lIns="180000" tIns="45720" rIns="180000" bIns="45720" rtlCol="0" anchor="ctr">
+            <a:noAutofit/>
           </a:bodyPr>
           <a:lstStyle>
-            <a:lvl1pPr algn="l" rtl="0" eaLnBrk="1" fontAlgn="base" hangingPunct="1">
+            <a:lvl1pPr algn="l" defTabSz="685800" rtl="0" eaLnBrk="1" latinLnBrk="0" hangingPunct="1">
+              <a:lnSpc>
+                <a:spcPct val="90000"/>
+              </a:lnSpc>
               <a:spcBef>
                 <a:spcPct val="0"/>
               </a:spcBef>
-              <a:spcAft>
-                <a:spcPct val="0"/>
-              </a:spcAft>
-              <a:defRPr sz="2800" b="1" kern="1200">
+              <a:buNone/>
+              <a:defRPr sz="3300" kern="1200">
                 <a:solidFill>
                   <a:schemeClr val="tx1"/>
                 </a:solidFill>
-                <a:latin typeface="楷体_GB2312" pitchFamily="49" charset="-122"/>
-                <a:ea typeface="楷体_GB2312" pitchFamily="49" charset="-122"/>
+                <a:latin typeface="+mj-lt"/>
+                <a:ea typeface="+mj-ea"/>
                 <a:cs typeface="+mj-cs"/>
               </a:defRPr>
             </a:lvl1pPr>
-            <a:lvl2pPr algn="l" rtl="0" eaLnBrk="1" fontAlgn="base" hangingPunct="1">
-              <a:spcBef>
-                <a:spcPct val="0"/>
-              </a:spcBef>
-              <a:spcAft>
-                <a:spcPct val="0"/>
-              </a:spcAft>
-              <a:defRPr sz="2800" b="1">
-                <a:solidFill>
-                  <a:schemeClr val="tx1"/>
-                </a:solidFill>
-                <a:latin typeface="楷体_GB2312" pitchFamily="49" charset="-122"/>
-                <a:ea typeface="楷体_GB2312" pitchFamily="49" charset="-122"/>
-              </a:defRPr>
-            </a:lvl2pPr>
-            <a:lvl3pPr algn="l" rtl="0" eaLnBrk="1" fontAlgn="base" hangingPunct="1">
-              <a:spcBef>
-                <a:spcPct val="0"/>
-              </a:spcBef>
-              <a:spcAft>
-                <a:spcPct val="0"/>
-              </a:spcAft>
-              <a:defRPr sz="2800" b="1">
-                <a:solidFill>
-                  <a:schemeClr val="tx1"/>
-                </a:solidFill>
-                <a:latin typeface="楷体_GB2312" pitchFamily="49" charset="-122"/>
-                <a:ea typeface="楷体_GB2312" pitchFamily="49" charset="-122"/>
-              </a:defRPr>
-            </a:lvl3pPr>
-            <a:lvl4pPr algn="l" rtl="0" eaLnBrk="1" fontAlgn="base" hangingPunct="1">
-              <a:spcBef>
-                <a:spcPct val="0"/>
-              </a:spcBef>
-              <a:spcAft>
-                <a:spcPct val="0"/>
-              </a:spcAft>
-              <a:defRPr sz="2800" b="1">
-                <a:solidFill>
-                  <a:schemeClr val="tx1"/>
-                </a:solidFill>
-                <a:latin typeface="楷体_GB2312" pitchFamily="49" charset="-122"/>
-                <a:ea typeface="楷体_GB2312" pitchFamily="49" charset="-122"/>
-              </a:defRPr>
-            </a:lvl4pPr>
-            <a:lvl5pPr algn="l" rtl="0" eaLnBrk="1" fontAlgn="base" hangingPunct="1">
-              <a:spcBef>
-                <a:spcPct val="0"/>
-              </a:spcBef>
-              <a:spcAft>
-                <a:spcPct val="0"/>
-              </a:spcAft>
-              <a:defRPr sz="2800" b="1">
-                <a:solidFill>
-                  <a:schemeClr val="tx1"/>
-                </a:solidFill>
-                <a:latin typeface="楷体_GB2312" pitchFamily="49" charset="-122"/>
-                <a:ea typeface="楷体_GB2312" pitchFamily="49" charset="-122"/>
-              </a:defRPr>
-            </a:lvl5pPr>
-            <a:lvl6pPr marL="457200" algn="l" rtl="0" eaLnBrk="1" fontAlgn="base" hangingPunct="1">
-              <a:spcBef>
-                <a:spcPct val="0"/>
-              </a:spcBef>
-              <a:spcAft>
-                <a:spcPct val="0"/>
-              </a:spcAft>
-              <a:defRPr sz="2800" b="1">
-                <a:solidFill>
-                  <a:schemeClr val="tx1"/>
-                </a:solidFill>
-                <a:latin typeface="楷体_GB2312" pitchFamily="49" charset="-122"/>
-                <a:ea typeface="楷体_GB2312" pitchFamily="49" charset="-122"/>
-              </a:defRPr>
-            </a:lvl6pPr>
-            <a:lvl7pPr marL="914400" algn="l" rtl="0" eaLnBrk="1" fontAlgn="base" hangingPunct="1">
-              <a:spcBef>
-                <a:spcPct val="0"/>
-              </a:spcBef>
-              <a:spcAft>
-                <a:spcPct val="0"/>
-              </a:spcAft>
-              <a:defRPr sz="2800" b="1">
-                <a:solidFill>
-                  <a:schemeClr val="tx1"/>
-                </a:solidFill>
-                <a:latin typeface="楷体_GB2312" pitchFamily="49" charset="-122"/>
-                <a:ea typeface="楷体_GB2312" pitchFamily="49" charset="-122"/>
-              </a:defRPr>
-            </a:lvl7pPr>
-            <a:lvl8pPr marL="1371600" algn="l" rtl="0" eaLnBrk="1" fontAlgn="base" hangingPunct="1">
-              <a:spcBef>
-                <a:spcPct val="0"/>
-              </a:spcBef>
-              <a:spcAft>
-                <a:spcPct val="0"/>
-              </a:spcAft>
-              <a:defRPr sz="2800" b="1">
-                <a:solidFill>
-                  <a:schemeClr val="tx1"/>
-                </a:solidFill>
-                <a:latin typeface="楷体_GB2312" pitchFamily="49" charset="-122"/>
-                <a:ea typeface="楷体_GB2312" pitchFamily="49" charset="-122"/>
-              </a:defRPr>
-            </a:lvl8pPr>
-            <a:lvl9pPr marL="1828800" algn="l" rtl="0" eaLnBrk="1" fontAlgn="base" hangingPunct="1">
-              <a:spcBef>
-                <a:spcPct val="0"/>
-              </a:spcBef>
-              <a:spcAft>
-                <a:spcPct val="0"/>
-              </a:spcAft>
-              <a:defRPr sz="2800" b="1">
-                <a:solidFill>
-                  <a:schemeClr val="tx1"/>
-                </a:solidFill>
-                <a:latin typeface="楷体_GB2312" pitchFamily="49" charset="-122"/>
-                <a:ea typeface="楷体_GB2312" pitchFamily="49" charset="-122"/>
-              </a:defRPr>
-            </a:lvl9pPr>
           </a:lstStyle>
           <a:p>
             <a:pPr fontAlgn="auto">
@@ -20024,7 +20826,7 @@
                 <a:latin typeface="微软雅黑" pitchFamily="34" charset="-122"/>
                 <a:ea typeface="微软雅黑" pitchFamily="34" charset="-122"/>
               </a:rPr>
-              <a:t>心得体会分享</a:t>
+              <a:t>目录</a:t>
             </a:r>
             <a:endParaRPr lang="zh-CN" altLang="en-US" sz="2400" dirty="0">
               <a:latin typeface="微软雅黑" pitchFamily="34" charset="-122"/>
@@ -20035,7 +20837,7 @@
       </p:sp>
       <p:sp>
         <p:nvSpPr>
-          <p:cNvPr id="3" name="灯片编号占位符 2"/>
+          <p:cNvPr id="24" name="灯片编号占位符 2"/>
           <p:cNvSpPr txBox="1">
             <a:spLocks/>
           </p:cNvSpPr>
@@ -20057,7 +20859,7 @@
           </a:ln>
         </p:spPr>
         <p:txBody>
-          <a:bodyPr wrap="square" numCol="1" anchorCtr="0" compatLnSpc="1">
+          <a:bodyPr vert="horz" wrap="square" lIns="91440" tIns="45720" rIns="91440" bIns="45720" numCol="1" rtlCol="0" anchor="ctr" anchorCtr="0" compatLnSpc="1">
             <a:prstTxWarp prst="textNoShape">
               <a:avLst/>
             </a:prstTxWarp>
@@ -20066,140 +20868,175 @@
             <a:defPPr>
               <a:defRPr lang="zh-CN"/>
             </a:defPPr>
-            <a:lvl1pPr algn="l" rtl="0" fontAlgn="base">
-              <a:spcBef>
-                <a:spcPct val="0"/>
-              </a:spcBef>
-              <a:spcAft>
-                <a:spcPct val="0"/>
-              </a:spcAft>
-              <a:defRPr kern="1200">
-                <a:solidFill>
-                  <a:schemeClr val="tx1"/>
-                </a:solidFill>
-                <a:latin typeface="Arial" charset="0"/>
-                <a:ea typeface="宋体" charset="-122"/>
+            <a:lvl1pPr marL="0" algn="r" defTabSz="914400" rtl="0" eaLnBrk="1" latinLnBrk="0" hangingPunct="1">
+              <a:defRPr sz="1400" b="1" kern="1200">
+                <a:solidFill>
+                  <a:schemeClr val="tx1">
+                    <a:tint val="75000"/>
+                  </a:schemeClr>
+                </a:solidFill>
+                <a:latin typeface="微软雅黑" pitchFamily="34" charset="-122"/>
+                <a:ea typeface="微软雅黑" pitchFamily="34" charset="-122"/>
                 <a:cs typeface="+mn-cs"/>
               </a:defRPr>
             </a:lvl1pPr>
-            <a:lvl2pPr marL="457200" algn="l" rtl="0" fontAlgn="base">
-              <a:spcBef>
-                <a:spcPct val="0"/>
-              </a:spcBef>
-              <a:spcAft>
-                <a:spcPct val="0"/>
-              </a:spcAft>
-              <a:defRPr kern="1200">
+            <a:lvl2pPr marL="457200" algn="l" defTabSz="914400" rtl="0" eaLnBrk="1" latinLnBrk="0" hangingPunct="1">
+              <a:defRPr sz="1800" kern="1200">
                 <a:solidFill>
                   <a:schemeClr val="tx1"/>
                 </a:solidFill>
-                <a:latin typeface="Arial" charset="0"/>
-                <a:ea typeface="宋体" charset="-122"/>
+                <a:latin typeface="+mn-lt"/>
+                <a:ea typeface="+mn-ea"/>
                 <a:cs typeface="+mn-cs"/>
               </a:defRPr>
             </a:lvl2pPr>
-            <a:lvl3pPr marL="914400" algn="l" rtl="0" fontAlgn="base">
-              <a:spcBef>
-                <a:spcPct val="0"/>
-              </a:spcBef>
-              <a:spcAft>
-                <a:spcPct val="0"/>
-              </a:spcAft>
-              <a:defRPr kern="1200">
+            <a:lvl3pPr marL="914400" algn="l" defTabSz="914400" rtl="0" eaLnBrk="1" latinLnBrk="0" hangingPunct="1">
+              <a:defRPr sz="1800" kern="1200">
                 <a:solidFill>
                   <a:schemeClr val="tx1"/>
                 </a:solidFill>
-                <a:latin typeface="Arial" charset="0"/>
-                <a:ea typeface="宋体" charset="-122"/>
+                <a:latin typeface="+mn-lt"/>
+                <a:ea typeface="+mn-ea"/>
                 <a:cs typeface="+mn-cs"/>
               </a:defRPr>
             </a:lvl3pPr>
-            <a:lvl4pPr marL="1371600" algn="l" rtl="0" fontAlgn="base">
-              <a:spcBef>
-                <a:spcPct val="0"/>
-              </a:spcBef>
-              <a:spcAft>
-                <a:spcPct val="0"/>
-              </a:spcAft>
-              <a:defRPr kern="1200">
+            <a:lvl4pPr marL="1371600" algn="l" defTabSz="914400" rtl="0" eaLnBrk="1" latinLnBrk="0" hangingPunct="1">
+              <a:defRPr sz="1800" kern="1200">
                 <a:solidFill>
                   <a:schemeClr val="tx1"/>
                 </a:solidFill>
-                <a:latin typeface="Arial" charset="0"/>
-                <a:ea typeface="宋体" charset="-122"/>
+                <a:latin typeface="+mn-lt"/>
+                <a:ea typeface="+mn-ea"/>
                 <a:cs typeface="+mn-cs"/>
               </a:defRPr>
             </a:lvl4pPr>
-            <a:lvl5pPr marL="1828800" algn="l" rtl="0" fontAlgn="base">
-              <a:spcBef>
-                <a:spcPct val="0"/>
-              </a:spcBef>
-              <a:spcAft>
-                <a:spcPct val="0"/>
-              </a:spcAft>
-              <a:defRPr kern="1200">
+            <a:lvl5pPr marL="1828800" algn="l" defTabSz="914400" rtl="0" eaLnBrk="1" latinLnBrk="0" hangingPunct="1">
+              <a:defRPr sz="1800" kern="1200">
                 <a:solidFill>
                   <a:schemeClr val="tx1"/>
                 </a:solidFill>
-                <a:latin typeface="Arial" charset="0"/>
-                <a:ea typeface="宋体" charset="-122"/>
+                <a:latin typeface="+mn-lt"/>
+                <a:ea typeface="+mn-ea"/>
                 <a:cs typeface="+mn-cs"/>
               </a:defRPr>
             </a:lvl5pPr>
             <a:lvl6pPr marL="2286000" algn="l" defTabSz="914400" rtl="0" eaLnBrk="1" latinLnBrk="0" hangingPunct="1">
-              <a:defRPr kern="1200">
+              <a:defRPr sz="1800" kern="1200">
                 <a:solidFill>
                   <a:schemeClr val="tx1"/>
                 </a:solidFill>
-                <a:latin typeface="Arial" charset="0"/>
-                <a:ea typeface="宋体" charset="-122"/>
+                <a:latin typeface="+mn-lt"/>
+                <a:ea typeface="+mn-ea"/>
                 <a:cs typeface="+mn-cs"/>
               </a:defRPr>
             </a:lvl6pPr>
             <a:lvl7pPr marL="2743200" algn="l" defTabSz="914400" rtl="0" eaLnBrk="1" latinLnBrk="0" hangingPunct="1">
-              <a:defRPr kern="1200">
+              <a:defRPr sz="1800" kern="1200">
                 <a:solidFill>
                   <a:schemeClr val="tx1"/>
                 </a:solidFill>
-                <a:latin typeface="Arial" charset="0"/>
-                <a:ea typeface="宋体" charset="-122"/>
+                <a:latin typeface="+mn-lt"/>
+                <a:ea typeface="+mn-ea"/>
                 <a:cs typeface="+mn-cs"/>
               </a:defRPr>
             </a:lvl7pPr>
             <a:lvl8pPr marL="3200400" algn="l" defTabSz="914400" rtl="0" eaLnBrk="1" latinLnBrk="0" hangingPunct="1">
-              <a:defRPr kern="1200">
+              <a:defRPr sz="1800" kern="1200">
                 <a:solidFill>
                   <a:schemeClr val="tx1"/>
                 </a:solidFill>
-                <a:latin typeface="Arial" charset="0"/>
-                <a:ea typeface="宋体" charset="-122"/>
+                <a:latin typeface="+mn-lt"/>
+                <a:ea typeface="+mn-ea"/>
                 <a:cs typeface="+mn-cs"/>
               </a:defRPr>
             </a:lvl8pPr>
             <a:lvl9pPr marL="3657600" algn="l" defTabSz="914400" rtl="0" eaLnBrk="1" latinLnBrk="0" hangingPunct="1">
-              <a:defRPr kern="1200">
+              <a:defRPr sz="1800" kern="1200">
                 <a:solidFill>
                   <a:schemeClr val="tx1"/>
                 </a:solidFill>
-                <a:latin typeface="Arial" charset="0"/>
-                <a:ea typeface="宋体" charset="-122"/>
+                <a:latin typeface="+mn-lt"/>
+                <a:ea typeface="+mn-ea"/>
                 <a:cs typeface="+mn-cs"/>
               </a:defRPr>
             </a:lvl9pPr>
           </a:lstStyle>
           <a:p>
+            <a:pPr marL="0" marR="0" lvl="0" indent="0" algn="r" defTabSz="914400" rtl="0" eaLnBrk="1" fontAlgn="base" latinLnBrk="0" hangingPunct="1">
+              <a:lnSpc>
+                <a:spcPct val="100000"/>
+              </a:lnSpc>
+              <a:spcBef>
+                <a:spcPct val="0"/>
+              </a:spcBef>
+              <a:spcAft>
+                <a:spcPct val="0"/>
+              </a:spcAft>
+              <a:buClrTx/>
+              <a:buSzTx/>
+              <a:buFontTx/>
+              <a:buNone/>
+              <a:tabLst/>
+              <a:defRPr/>
+            </a:pPr>
             <a:fld id="{5B59D616-FE6A-4DB8-9F4D-77EC00044CC1}" type="slidenum">
-              <a:rPr lang="zh-CN" altLang="en-US" smtClean="0"/>
-              <a:pPr/>
+              <a:rPr kumimoji="0" lang="zh-CN" altLang="en-US" sz="1400" b="1" i="0" u="none" strike="noStrike" kern="1200" cap="none" spc="0" normalizeH="0" baseline="0" noProof="0" smtClean="0">
+                <a:ln>
+                  <a:noFill/>
+                </a:ln>
+                <a:solidFill>
+                  <a:prstClr val="black">
+                    <a:tint val="75000"/>
+                  </a:prstClr>
+                </a:solidFill>
+                <a:effectLst/>
+                <a:uLnTx/>
+                <a:uFillTx/>
+                <a:latin typeface="微软雅黑" pitchFamily="34" charset="-122"/>
+                <a:ea typeface="微软雅黑" pitchFamily="34" charset="-122"/>
+                <a:cs typeface="+mn-cs"/>
+              </a:rPr>
+              <a:pPr marL="0" marR="0" lvl="0" indent="0" algn="r" defTabSz="914400" rtl="0" eaLnBrk="1" fontAlgn="base" latinLnBrk="0" hangingPunct="1">
+                <a:lnSpc>
+                  <a:spcPct val="100000"/>
+                </a:lnSpc>
+                <a:spcBef>
+                  <a:spcPct val="0"/>
+                </a:spcBef>
+                <a:spcAft>
+                  <a:spcPct val="0"/>
+                </a:spcAft>
+                <a:buClrTx/>
+                <a:buSzTx/>
+                <a:buFontTx/>
+                <a:buNone/>
+                <a:tabLst/>
+                <a:defRPr/>
+              </a:pPr>
               <a:t>29</a:t>
             </a:fld>
-            <a:endParaRPr lang="zh-CN" altLang="en-US" dirty="0" smtClean="0"/>
+            <a:endParaRPr kumimoji="0" lang="zh-CN" altLang="en-US" sz="1400" b="1" i="0" u="none" strike="noStrike" kern="1200" cap="none" spc="0" normalizeH="0" baseline="0" noProof="0" dirty="0" smtClean="0">
+              <a:ln>
+                <a:noFill/>
+              </a:ln>
+              <a:solidFill>
+                <a:prstClr val="black">
+                  <a:tint val="75000"/>
+                </a:prstClr>
+              </a:solidFill>
+              <a:effectLst/>
+              <a:uLnTx/>
+              <a:uFillTx/>
+              <a:latin typeface="微软雅黑" pitchFamily="34" charset="-122"/>
+              <a:ea typeface="微软雅黑" pitchFamily="34" charset="-122"/>
+              <a:cs typeface="+mn-cs"/>
+            </a:endParaRPr>
           </a:p>
         </p:txBody>
       </p:sp>
       <p:grpSp>
         <p:nvGrpSpPr>
-          <p:cNvPr id="4" name="组合 9"/>
+          <p:cNvPr id="25" name="组合 9"/>
           <p:cNvGrpSpPr>
             <a:grpSpLocks/>
           </p:cNvGrpSpPr>
@@ -20215,7 +21052,7 @@
         </p:grpSpPr>
         <p:sp>
           <p:nvSpPr>
-            <p:cNvPr id="5" name="Line 3"/>
+            <p:cNvPr id="26" name="Line 3"/>
             <p:cNvSpPr>
               <a:spLocks noChangeShapeType="1"/>
             </p:cNvSpPr>
@@ -20243,13 +21080,27 @@
             <a:bodyPr/>
             <a:lstStyle/>
             <a:p>
-              <a:endParaRPr lang="zh-CN" altLang="en-US"/>
+              <a:pPr fontAlgn="auto">
+                <a:spcBef>
+                  <a:spcPts val="0"/>
+                </a:spcBef>
+                <a:spcAft>
+                  <a:spcPts val="0"/>
+                </a:spcAft>
+              </a:pPr>
+              <a:endParaRPr lang="zh-CN" altLang="en-US">
+                <a:solidFill>
+                  <a:prstClr val="black"/>
+                </a:solidFill>
+                <a:latin typeface="微软雅黑" pitchFamily="34" charset="-122"/>
+                <a:ea typeface="微软雅黑" pitchFamily="34" charset="-122"/>
+              </a:endParaRPr>
             </a:p>
           </p:txBody>
         </p:sp>
         <p:sp>
           <p:nvSpPr>
-            <p:cNvPr id="6" name="Line 4"/>
+            <p:cNvPr id="27" name="Line 4"/>
             <p:cNvSpPr>
               <a:spLocks noChangeShapeType="1"/>
             </p:cNvSpPr>
@@ -20277,14 +21128,28 @@
             <a:bodyPr/>
             <a:lstStyle/>
             <a:p>
-              <a:endParaRPr lang="zh-CN" altLang="en-US"/>
+              <a:pPr fontAlgn="auto">
+                <a:spcBef>
+                  <a:spcPts val="0"/>
+                </a:spcBef>
+                <a:spcAft>
+                  <a:spcPts val="0"/>
+                </a:spcAft>
+              </a:pPr>
+              <a:endParaRPr lang="zh-CN" altLang="en-US">
+                <a:solidFill>
+                  <a:prstClr val="black"/>
+                </a:solidFill>
+                <a:latin typeface="微软雅黑" pitchFamily="34" charset="-122"/>
+                <a:ea typeface="微软雅黑" pitchFamily="34" charset="-122"/>
+              </a:endParaRPr>
             </a:p>
           </p:txBody>
         </p:sp>
       </p:grpSp>
       <p:grpSp>
         <p:nvGrpSpPr>
-          <p:cNvPr id="7" name="组合 12"/>
+          <p:cNvPr id="28" name="组合 12"/>
           <p:cNvGrpSpPr>
             <a:grpSpLocks/>
           </p:cNvGrpSpPr>
@@ -20300,7 +21165,7 @@
         </p:grpSpPr>
         <p:sp>
           <p:nvSpPr>
-            <p:cNvPr id="8" name="Line 13"/>
+            <p:cNvPr id="29" name="Line 13"/>
             <p:cNvSpPr>
               <a:spLocks noChangeShapeType="1"/>
             </p:cNvSpPr>
@@ -20328,13 +21193,27 @@
             <a:bodyPr/>
             <a:lstStyle/>
             <a:p>
-              <a:endParaRPr lang="zh-CN" altLang="en-US"/>
+              <a:pPr fontAlgn="auto">
+                <a:spcBef>
+                  <a:spcPts val="0"/>
+                </a:spcBef>
+                <a:spcAft>
+                  <a:spcPts val="0"/>
+                </a:spcAft>
+              </a:pPr>
+              <a:endParaRPr lang="zh-CN" altLang="en-US">
+                <a:solidFill>
+                  <a:prstClr val="black"/>
+                </a:solidFill>
+                <a:latin typeface="微软雅黑" pitchFamily="34" charset="-122"/>
+                <a:ea typeface="微软雅黑" pitchFamily="34" charset="-122"/>
+              </a:endParaRPr>
             </a:p>
           </p:txBody>
         </p:sp>
         <p:sp>
           <p:nvSpPr>
-            <p:cNvPr id="9" name="Line 14"/>
+            <p:cNvPr id="30" name="Line 14"/>
             <p:cNvSpPr>
               <a:spLocks noChangeShapeType="1"/>
             </p:cNvSpPr>
@@ -20362,14 +21241,28 @@
             <a:bodyPr/>
             <a:lstStyle/>
             <a:p>
-              <a:endParaRPr lang="zh-CN" altLang="en-US"/>
+              <a:pPr fontAlgn="auto">
+                <a:spcBef>
+                  <a:spcPts val="0"/>
+                </a:spcBef>
+                <a:spcAft>
+                  <a:spcPts val="0"/>
+                </a:spcAft>
+              </a:pPr>
+              <a:endParaRPr lang="zh-CN" altLang="en-US">
+                <a:solidFill>
+                  <a:prstClr val="black"/>
+                </a:solidFill>
+                <a:latin typeface="微软雅黑" pitchFamily="34" charset="-122"/>
+                <a:ea typeface="微软雅黑" pitchFamily="34" charset="-122"/>
+              </a:endParaRPr>
             </a:p>
           </p:txBody>
         </p:sp>
       </p:grpSp>
       <p:grpSp>
         <p:nvGrpSpPr>
-          <p:cNvPr id="10" name="组合 16"/>
+          <p:cNvPr id="31" name="组合 16"/>
           <p:cNvGrpSpPr>
             <a:grpSpLocks/>
           </p:cNvGrpSpPr>
@@ -20385,7 +21278,7 @@
         </p:grpSpPr>
         <p:sp>
           <p:nvSpPr>
-            <p:cNvPr id="11" name="Line 18"/>
+            <p:cNvPr id="32" name="Line 18"/>
             <p:cNvSpPr>
               <a:spLocks noChangeShapeType="1"/>
             </p:cNvSpPr>
@@ -20413,13 +21306,27 @@
             <a:bodyPr/>
             <a:lstStyle/>
             <a:p>
-              <a:endParaRPr lang="zh-CN" altLang="en-US"/>
+              <a:pPr fontAlgn="auto">
+                <a:spcBef>
+                  <a:spcPts val="0"/>
+                </a:spcBef>
+                <a:spcAft>
+                  <a:spcPts val="0"/>
+                </a:spcAft>
+              </a:pPr>
+              <a:endParaRPr lang="zh-CN" altLang="en-US">
+                <a:solidFill>
+                  <a:prstClr val="black"/>
+                </a:solidFill>
+                <a:latin typeface="微软雅黑" pitchFamily="34" charset="-122"/>
+                <a:ea typeface="微软雅黑" pitchFamily="34" charset="-122"/>
+              </a:endParaRPr>
             </a:p>
           </p:txBody>
         </p:sp>
         <p:sp>
           <p:nvSpPr>
-            <p:cNvPr id="12" name="Line 19"/>
+            <p:cNvPr id="33" name="Line 19"/>
             <p:cNvSpPr>
               <a:spLocks noChangeShapeType="1"/>
             </p:cNvSpPr>
@@ -20447,14 +21354,28 @@
             <a:bodyPr/>
             <a:lstStyle/>
             <a:p>
-              <a:endParaRPr lang="zh-CN" altLang="en-US"/>
+              <a:pPr fontAlgn="auto">
+                <a:spcBef>
+                  <a:spcPts val="0"/>
+                </a:spcBef>
+                <a:spcAft>
+                  <a:spcPts val="0"/>
+                </a:spcAft>
+              </a:pPr>
+              <a:endParaRPr lang="zh-CN" altLang="en-US">
+                <a:solidFill>
+                  <a:prstClr val="black"/>
+                </a:solidFill>
+                <a:latin typeface="微软雅黑" pitchFamily="34" charset="-122"/>
+                <a:ea typeface="微软雅黑" pitchFamily="34" charset="-122"/>
+              </a:endParaRPr>
             </a:p>
           </p:txBody>
         </p:sp>
       </p:grpSp>
       <p:grpSp>
         <p:nvGrpSpPr>
-          <p:cNvPr id="13" name="组合 19"/>
+          <p:cNvPr id="34" name="组合 19"/>
           <p:cNvGrpSpPr>
             <a:grpSpLocks/>
           </p:cNvGrpSpPr>
@@ -20470,7 +21391,7 @@
         </p:grpSpPr>
         <p:sp>
           <p:nvSpPr>
-            <p:cNvPr id="14" name="Line 23"/>
+            <p:cNvPr id="35" name="Line 23"/>
             <p:cNvSpPr>
               <a:spLocks noChangeShapeType="1"/>
             </p:cNvSpPr>
@@ -20498,13 +21419,27 @@
             <a:bodyPr/>
             <a:lstStyle/>
             <a:p>
-              <a:endParaRPr lang="zh-CN" altLang="en-US"/>
+              <a:pPr fontAlgn="auto">
+                <a:spcBef>
+                  <a:spcPts val="0"/>
+                </a:spcBef>
+                <a:spcAft>
+                  <a:spcPts val="0"/>
+                </a:spcAft>
+              </a:pPr>
+              <a:endParaRPr lang="zh-CN" altLang="en-US">
+                <a:solidFill>
+                  <a:prstClr val="black"/>
+                </a:solidFill>
+                <a:latin typeface="微软雅黑" pitchFamily="34" charset="-122"/>
+                <a:ea typeface="微软雅黑" pitchFamily="34" charset="-122"/>
+              </a:endParaRPr>
             </a:p>
           </p:txBody>
         </p:sp>
         <p:sp>
           <p:nvSpPr>
-            <p:cNvPr id="15" name="Line 24"/>
+            <p:cNvPr id="36" name="Line 24"/>
             <p:cNvSpPr>
               <a:spLocks noChangeShapeType="1"/>
             </p:cNvSpPr>
@@ -20532,14 +21467,28 @@
             <a:bodyPr/>
             <a:lstStyle/>
             <a:p>
-              <a:endParaRPr lang="zh-CN" altLang="en-US"/>
+              <a:pPr fontAlgn="auto">
+                <a:spcBef>
+                  <a:spcPts val="0"/>
+                </a:spcBef>
+                <a:spcAft>
+                  <a:spcPts val="0"/>
+                </a:spcAft>
+              </a:pPr>
+              <a:endParaRPr lang="zh-CN" altLang="en-US">
+                <a:solidFill>
+                  <a:prstClr val="black"/>
+                </a:solidFill>
+                <a:latin typeface="微软雅黑" pitchFamily="34" charset="-122"/>
+                <a:ea typeface="微软雅黑" pitchFamily="34" charset="-122"/>
+              </a:endParaRPr>
             </a:p>
           </p:txBody>
         </p:sp>
       </p:grpSp>
       <p:grpSp>
         <p:nvGrpSpPr>
-          <p:cNvPr id="16" name="组合 23"/>
+          <p:cNvPr id="37" name="组合 23"/>
           <p:cNvGrpSpPr>
             <a:grpSpLocks/>
           </p:cNvGrpSpPr>
@@ -20555,7 +21504,7 @@
         </p:grpSpPr>
         <p:sp>
           <p:nvSpPr>
-            <p:cNvPr id="17" name="Line 47"/>
+            <p:cNvPr id="38" name="Line 47"/>
             <p:cNvSpPr>
               <a:spLocks noChangeShapeType="1"/>
             </p:cNvSpPr>
@@ -20583,13 +21532,27 @@
             <a:bodyPr/>
             <a:lstStyle/>
             <a:p>
-              <a:endParaRPr lang="zh-CN" altLang="en-US"/>
+              <a:pPr fontAlgn="auto">
+                <a:spcBef>
+                  <a:spcPts val="0"/>
+                </a:spcBef>
+                <a:spcAft>
+                  <a:spcPts val="0"/>
+                </a:spcAft>
+              </a:pPr>
+              <a:endParaRPr lang="zh-CN" altLang="en-US">
+                <a:solidFill>
+                  <a:prstClr val="black"/>
+                </a:solidFill>
+                <a:latin typeface="微软雅黑" pitchFamily="34" charset="-122"/>
+                <a:ea typeface="微软雅黑" pitchFamily="34" charset="-122"/>
+              </a:endParaRPr>
             </a:p>
           </p:txBody>
         </p:sp>
         <p:sp>
           <p:nvSpPr>
-            <p:cNvPr id="18" name="Line 48"/>
+            <p:cNvPr id="39" name="Line 48"/>
             <p:cNvSpPr>
               <a:spLocks noChangeShapeType="1"/>
             </p:cNvSpPr>
@@ -20617,14 +21580,28 @@
             <a:bodyPr/>
             <a:lstStyle/>
             <a:p>
-              <a:endParaRPr lang="zh-CN" altLang="en-US"/>
+              <a:pPr fontAlgn="auto">
+                <a:spcBef>
+                  <a:spcPts val="0"/>
+                </a:spcBef>
+                <a:spcAft>
+                  <a:spcPts val="0"/>
+                </a:spcAft>
+              </a:pPr>
+              <a:endParaRPr lang="zh-CN" altLang="en-US">
+                <a:solidFill>
+                  <a:prstClr val="black"/>
+                </a:solidFill>
+                <a:latin typeface="微软雅黑" pitchFamily="34" charset="-122"/>
+                <a:ea typeface="微软雅黑" pitchFamily="34" charset="-122"/>
+              </a:endParaRPr>
             </a:p>
           </p:txBody>
         </p:sp>
       </p:grpSp>
       <p:grpSp>
         <p:nvGrpSpPr>
-          <p:cNvPr id="19" name="组合 27"/>
+          <p:cNvPr id="40" name="组合 27"/>
           <p:cNvGrpSpPr>
             <a:grpSpLocks/>
           </p:cNvGrpSpPr>
@@ -20640,7 +21617,7 @@
         </p:grpSpPr>
         <p:sp>
           <p:nvSpPr>
-            <p:cNvPr id="20" name="Line 52"/>
+            <p:cNvPr id="41" name="Line 52"/>
             <p:cNvSpPr>
               <a:spLocks noChangeShapeType="1"/>
             </p:cNvSpPr>
@@ -20668,13 +21645,27 @@
             <a:bodyPr/>
             <a:lstStyle/>
             <a:p>
-              <a:endParaRPr lang="zh-CN" altLang="en-US"/>
+              <a:pPr fontAlgn="auto">
+                <a:spcBef>
+                  <a:spcPts val="0"/>
+                </a:spcBef>
+                <a:spcAft>
+                  <a:spcPts val="0"/>
+                </a:spcAft>
+              </a:pPr>
+              <a:endParaRPr lang="zh-CN" altLang="en-US">
+                <a:solidFill>
+                  <a:prstClr val="black"/>
+                </a:solidFill>
+                <a:latin typeface="微软雅黑" pitchFamily="34" charset="-122"/>
+                <a:ea typeface="微软雅黑" pitchFamily="34" charset="-122"/>
+              </a:endParaRPr>
             </a:p>
           </p:txBody>
         </p:sp>
         <p:sp>
           <p:nvSpPr>
-            <p:cNvPr id="21" name="Line 53"/>
+            <p:cNvPr id="42" name="Line 53"/>
             <p:cNvSpPr>
               <a:spLocks noChangeShapeType="1"/>
             </p:cNvSpPr>
@@ -20702,223 +21693,1679 @@
             <a:bodyPr/>
             <a:lstStyle/>
             <a:p>
-              <a:endParaRPr lang="zh-CN" altLang="en-US"/>
+              <a:pPr fontAlgn="auto">
+                <a:spcBef>
+                  <a:spcPts val="0"/>
+                </a:spcBef>
+                <a:spcAft>
+                  <a:spcPts val="0"/>
+                </a:spcAft>
+              </a:pPr>
+              <a:endParaRPr lang="zh-CN" altLang="en-US">
+                <a:solidFill>
+                  <a:prstClr val="black"/>
+                </a:solidFill>
+                <a:latin typeface="微软雅黑" pitchFamily="34" charset="-122"/>
+                <a:ea typeface="微软雅黑" pitchFamily="34" charset="-122"/>
+              </a:endParaRPr>
             </a:p>
           </p:txBody>
         </p:sp>
       </p:grpSp>
-      <p:sp>
-        <p:nvSpPr>
-          <p:cNvPr id="22" name="标题 1"/>
-          <p:cNvSpPr txBox="1">
-            <a:spLocks/>
-          </p:cNvSpPr>
-          <p:nvPr/>
-        </p:nvSpPr>
-        <p:spPr>
-          <a:xfrm>
-            <a:off x="0" y="44450"/>
-            <a:ext cx="9144000" cy="431800"/>
-          </a:xfrm>
-          <a:prstGeom prst="rect">
-            <a:avLst/>
-          </a:prstGeom>
-        </p:spPr>
-        <p:txBody>
-          <a:bodyPr lIns="180000" rIns="180000" anchor="ctr"/>
-          <a:lstStyle/>
-          <a:p>
-            <a:pPr fontAlgn="auto">
-              <a:spcAft>
-                <a:spcPts val="0"/>
-              </a:spcAft>
-              <a:defRPr/>
-            </a:pPr>
-            <a:endParaRPr lang="zh-CN" altLang="en-US" b="1" spc="100" dirty="0">
-              <a:solidFill>
-                <a:schemeClr val="bg1"/>
-              </a:solidFill>
-              <a:latin typeface="华文细黑" pitchFamily="2" charset="-122"/>
-              <a:ea typeface="华文细黑" pitchFamily="2" charset="-122"/>
-            </a:endParaRPr>
-          </a:p>
-        </p:txBody>
-      </p:sp>
-      <p:sp>
-        <p:nvSpPr>
-          <p:cNvPr id="23" name="TextBox 23"/>
-          <p:cNvSpPr txBox="1"/>
-          <p:nvPr/>
-        </p:nvSpPr>
-        <p:spPr>
-          <a:xfrm>
-            <a:off x="857224" y="1000108"/>
-            <a:ext cx="7715304" cy="3139321"/>
-          </a:xfrm>
-          <a:prstGeom prst="rect">
-            <a:avLst/>
-          </a:prstGeom>
-          <a:noFill/>
-        </p:spPr>
-        <p:txBody>
-          <a:bodyPr wrap="square" rtlCol="0">
-            <a:spAutoFit/>
-          </a:bodyPr>
-          <a:lstStyle/>
-          <a:p>
-            <a:pPr lvl="0" indent="-342900" defTabSz="457200">
-              <a:lnSpc>
-                <a:spcPct val="150000"/>
-              </a:lnSpc>
-              <a:buFont typeface="Wingdings" pitchFamily="2" charset="2"/>
-              <a:buChar char="Ø"/>
-            </a:pPr>
-            <a:r>
-              <a:rPr kumimoji="1" lang="zh-CN" altLang="en-US" i="1" dirty="0" smtClean="0">
-                <a:solidFill>
-                  <a:srgbClr val="3366FF"/>
-                </a:solidFill>
-                <a:latin typeface="微软雅黑"/>
-                <a:ea typeface="微软雅黑"/>
-                <a:cs typeface="微软雅黑"/>
-              </a:rPr>
-              <a:t>通过试用期的学习，发现自己有哪些不足，对自身的改进建议和想法；</a:t>
-            </a:r>
-            <a:endParaRPr kumimoji="1" lang="en-US" altLang="zh-CN" i="1" dirty="0" smtClean="0">
-              <a:solidFill>
-                <a:srgbClr val="3366FF"/>
-              </a:solidFill>
-              <a:latin typeface="微软雅黑"/>
-              <a:ea typeface="微软雅黑"/>
-              <a:cs typeface="微软雅黑"/>
-            </a:endParaRPr>
-          </a:p>
-          <a:p>
-            <a:pPr lvl="0" indent="-342900" defTabSz="457200">
-              <a:lnSpc>
-                <a:spcPct val="150000"/>
-              </a:lnSpc>
-              <a:buFont typeface="Wingdings" pitchFamily="2" charset="2"/>
-              <a:buChar char="Ø"/>
-            </a:pPr>
-            <a:r>
-              <a:rPr kumimoji="1" lang="zh-CN" altLang="en-US" i="1" dirty="0" smtClean="0">
-                <a:solidFill>
-                  <a:srgbClr val="3366FF"/>
-                </a:solidFill>
-                <a:latin typeface="微软雅黑"/>
-                <a:ea typeface="微软雅黑"/>
-                <a:cs typeface="微软雅黑"/>
-              </a:rPr>
-              <a:t>对照目标岗位职责及能力要求，结合自身当前各类能力水平，找出改进点，不断缩小自身与目标岗位间的差距；</a:t>
-            </a:r>
-            <a:endParaRPr kumimoji="1" lang="en-US" altLang="zh-CN" i="1" dirty="0" smtClean="0">
-              <a:solidFill>
-                <a:srgbClr val="3366FF"/>
-              </a:solidFill>
-              <a:latin typeface="微软雅黑"/>
-              <a:ea typeface="微软雅黑"/>
-              <a:cs typeface="微软雅黑"/>
-            </a:endParaRPr>
-          </a:p>
-          <a:p>
-            <a:pPr indent="-342900" defTabSz="457200">
-              <a:lnSpc>
-                <a:spcPct val="150000"/>
-              </a:lnSpc>
-              <a:buFont typeface="Wingdings" pitchFamily="2" charset="2"/>
-              <a:buChar char="Ø"/>
-              <a:defRPr/>
-            </a:pPr>
-            <a:r>
-              <a:rPr kumimoji="1" lang="zh-CN" altLang="en-US" i="1" dirty="0" smtClean="0">
-                <a:solidFill>
-                  <a:srgbClr val="3366FF"/>
-                </a:solidFill>
-                <a:latin typeface="微软雅黑"/>
-                <a:ea typeface="微软雅黑"/>
-                <a:cs typeface="微软雅黑"/>
-              </a:rPr>
-              <a:t>如果对组织有建设性的建议和意见（如流程规范、工具管理、或其他有效解决方案等）也可以在此章节进行简单描述。</a:t>
-            </a:r>
-            <a:endParaRPr kumimoji="1" lang="en-US" altLang="zh-CN" i="1" dirty="0" smtClean="0">
-              <a:solidFill>
-                <a:srgbClr val="3366FF"/>
-              </a:solidFill>
-              <a:latin typeface="微软雅黑"/>
-              <a:ea typeface="微软雅黑"/>
-              <a:cs typeface="微软雅黑"/>
-            </a:endParaRPr>
-          </a:p>
-          <a:p>
-            <a:pPr indent="-342900" defTabSz="457200">
-              <a:lnSpc>
-                <a:spcPct val="150000"/>
-              </a:lnSpc>
-              <a:buFont typeface="+mj-lt"/>
-              <a:buAutoNum type="arabicPeriod"/>
-              <a:defRPr/>
-            </a:pPr>
-            <a:r>
-              <a:rPr kumimoji="1" lang="en-US" altLang="zh-CN" sz="1400" i="1" dirty="0" smtClean="0">
-                <a:solidFill>
-                  <a:srgbClr val="3366FF"/>
-                </a:solidFill>
-                <a:latin typeface="微软雅黑"/>
-                <a:ea typeface="微软雅黑"/>
-                <a:cs typeface="微软雅黑"/>
-              </a:rPr>
-              <a:t>……</a:t>
-            </a:r>
-          </a:p>
-          <a:p>
-            <a:pPr indent="-342900" defTabSz="457200">
-              <a:lnSpc>
-                <a:spcPct val="150000"/>
-              </a:lnSpc>
-              <a:buFont typeface="+mj-lt"/>
-              <a:buAutoNum type="arabicPeriod"/>
-              <a:defRPr/>
-            </a:pPr>
-            <a:r>
-              <a:rPr kumimoji="1" lang="en-US" altLang="zh-CN" sz="1400" i="1" dirty="0" smtClean="0">
-                <a:solidFill>
-                  <a:srgbClr val="3366FF"/>
-                </a:solidFill>
-                <a:latin typeface="微软雅黑"/>
-                <a:ea typeface="微软雅黑"/>
-                <a:cs typeface="微软雅黑"/>
-              </a:rPr>
-              <a:t>……</a:t>
-            </a:r>
-          </a:p>
-          <a:p>
-            <a:pPr indent="-342900" defTabSz="457200">
-              <a:lnSpc>
-                <a:spcPct val="150000"/>
-              </a:lnSpc>
-              <a:buFont typeface="+mj-lt"/>
-              <a:buAutoNum type="arabicPeriod"/>
-              <a:defRPr/>
-            </a:pPr>
-            <a:r>
-              <a:rPr kumimoji="1" lang="en-US" altLang="zh-CN" sz="1400" i="1" dirty="0" smtClean="0">
-                <a:solidFill>
-                  <a:srgbClr val="3366FF"/>
-                </a:solidFill>
-                <a:latin typeface="微软雅黑"/>
-                <a:ea typeface="微软雅黑"/>
-                <a:cs typeface="微软雅黑"/>
-              </a:rPr>
-              <a:t>……</a:t>
-            </a:r>
-          </a:p>
-        </p:txBody>
-      </p:sp>
+      <p:graphicFrame>
+        <p:nvGraphicFramePr>
+          <p:cNvPr id="43" name="表格 42"/>
+          <p:cNvGraphicFramePr>
+            <a:graphicFrameLocks noGrp="1"/>
+          </p:cNvGraphicFramePr>
+          <p:nvPr>
+            <p:extLst>
+              <p:ext uri="{D42A27DB-BD31-4B8C-83A1-F6EECF244321}">
+                <p14:modId xmlns:p14="http://schemas.microsoft.com/office/powerpoint/2010/main" val="1034336780"/>
+              </p:ext>
+            </p:extLst>
+          </p:nvPr>
+        </p:nvGraphicFramePr>
+        <p:xfrm>
+          <a:off x="1214414" y="1428738"/>
+          <a:ext cx="6715172" cy="4143402"/>
+        </p:xfrm>
+        <a:graphic>
+          <a:graphicData uri="http://schemas.openxmlformats.org/drawingml/2006/table">
+            <a:tbl>
+              <a:tblPr firstRow="1" bandRow="1"/>
+              <a:tblGrid>
+                <a:gridCol w="603296"/>
+                <a:gridCol w="6111876"/>
+              </a:tblGrid>
+              <a:tr h="690567">
+                <a:tc>
+                  <a:txBody>
+                    <a:bodyPr/>
+                    <a:lstStyle>
+                      <a:lvl1pPr marL="0" algn="l" defTabSz="914400" rtl="0" eaLnBrk="1" latinLnBrk="0" hangingPunct="1">
+                        <a:defRPr sz="1800" kern="1200">
+                          <a:solidFill>
+                            <a:schemeClr val="tx1"/>
+                          </a:solidFill>
+                          <a:latin typeface="Calibri"/>
+                        </a:defRPr>
+                      </a:lvl1pPr>
+                      <a:lvl2pPr marL="457200" algn="l" defTabSz="914400" rtl="0" eaLnBrk="1" latinLnBrk="0" hangingPunct="1">
+                        <a:defRPr sz="1800" kern="1200">
+                          <a:solidFill>
+                            <a:schemeClr val="tx1"/>
+                          </a:solidFill>
+                          <a:latin typeface="Calibri"/>
+                        </a:defRPr>
+                      </a:lvl2pPr>
+                      <a:lvl3pPr marL="914400" algn="l" defTabSz="914400" rtl="0" eaLnBrk="1" latinLnBrk="0" hangingPunct="1">
+                        <a:defRPr sz="1800" kern="1200">
+                          <a:solidFill>
+                            <a:schemeClr val="tx1"/>
+                          </a:solidFill>
+                          <a:latin typeface="Calibri"/>
+                        </a:defRPr>
+                      </a:lvl3pPr>
+                      <a:lvl4pPr marL="1371600" algn="l" defTabSz="914400" rtl="0" eaLnBrk="1" latinLnBrk="0" hangingPunct="1">
+                        <a:defRPr sz="1800" kern="1200">
+                          <a:solidFill>
+                            <a:schemeClr val="tx1"/>
+                          </a:solidFill>
+                          <a:latin typeface="Calibri"/>
+                        </a:defRPr>
+                      </a:lvl4pPr>
+                      <a:lvl5pPr marL="1828800" algn="l" defTabSz="914400" rtl="0" eaLnBrk="1" latinLnBrk="0" hangingPunct="1">
+                        <a:defRPr sz="1800" kern="1200">
+                          <a:solidFill>
+                            <a:schemeClr val="tx1"/>
+                          </a:solidFill>
+                          <a:latin typeface="Calibri"/>
+                        </a:defRPr>
+                      </a:lvl5pPr>
+                      <a:lvl6pPr marL="2286000" algn="l" defTabSz="914400" rtl="0" eaLnBrk="1" latinLnBrk="0" hangingPunct="1">
+                        <a:defRPr sz="1800" kern="1200">
+                          <a:solidFill>
+                            <a:schemeClr val="tx1"/>
+                          </a:solidFill>
+                          <a:latin typeface="Calibri"/>
+                        </a:defRPr>
+                      </a:lvl6pPr>
+                      <a:lvl7pPr marL="2743200" algn="l" defTabSz="914400" rtl="0" eaLnBrk="1" latinLnBrk="0" hangingPunct="1">
+                        <a:defRPr sz="1800" kern="1200">
+                          <a:solidFill>
+                            <a:schemeClr val="tx1"/>
+                          </a:solidFill>
+                          <a:latin typeface="Calibri"/>
+                        </a:defRPr>
+                      </a:lvl7pPr>
+                      <a:lvl8pPr marL="3200400" algn="l" defTabSz="914400" rtl="0" eaLnBrk="1" latinLnBrk="0" hangingPunct="1">
+                        <a:defRPr sz="1800" kern="1200">
+                          <a:solidFill>
+                            <a:schemeClr val="tx1"/>
+                          </a:solidFill>
+                          <a:latin typeface="Calibri"/>
+                        </a:defRPr>
+                      </a:lvl8pPr>
+                      <a:lvl9pPr marL="3657600" algn="l" defTabSz="914400" rtl="0" eaLnBrk="1" latinLnBrk="0" hangingPunct="1">
+                        <a:defRPr sz="1800" kern="1200">
+                          <a:solidFill>
+                            <a:schemeClr val="tx1"/>
+                          </a:solidFill>
+                          <a:latin typeface="Calibri"/>
+                        </a:defRPr>
+                      </a:lvl9pPr>
+                    </a:lstStyle>
+                    <a:p>
+                      <a:pPr algn="ctr"/>
+                      <a:r>
+                        <a:rPr lang="en-US" altLang="zh-CN" sz="2400" dirty="0" smtClean="0">
+                          <a:solidFill>
+                            <a:schemeClr val="bg1"/>
+                          </a:solidFill>
+                          <a:latin typeface="Bernard MT Condensed" pitchFamily="18" charset="0"/>
+                        </a:rPr>
+                        <a:t>1</a:t>
+                      </a:r>
+                      <a:endParaRPr lang="zh-CN" altLang="en-US" sz="2400" dirty="0">
+                        <a:solidFill>
+                          <a:schemeClr val="bg1"/>
+                        </a:solidFill>
+                        <a:latin typeface="Bernard MT Condensed" pitchFamily="18" charset="0"/>
+                      </a:endParaRPr>
+                    </a:p>
+                  </a:txBody>
+                  <a:tcPr>
+                    <a:lnL>
+                      <a:noFill/>
+                    </a:lnL>
+                    <a:lnR>
+                      <a:noFill/>
+                    </a:lnR>
+                    <a:lnT>
+                      <a:noFill/>
+                    </a:lnT>
+                    <a:lnB w="76200" cap="flat" cmpd="sng" algn="ctr">
+                      <a:solidFill>
+                        <a:sysClr val="window" lastClr="FFFFFF"/>
+                      </a:solidFill>
+                      <a:prstDash val="solid"/>
+                      <a:round/>
+                      <a:headEnd type="none" w="med" len="med"/>
+                      <a:tailEnd type="none" w="med" len="med"/>
+                    </a:lnB>
+                    <a:lnTlToBr w="12700" cmpd="sng">
+                      <a:noFill/>
+                      <a:prstDash val="solid"/>
+                    </a:lnTlToBr>
+                    <a:lnBlToTr w="12700" cmpd="sng">
+                      <a:noFill/>
+                      <a:prstDash val="solid"/>
+                    </a:lnBlToTr>
+                    <a:solidFill>
+                      <a:srgbClr val="C00000"/>
+                    </a:solidFill>
+                  </a:tcPr>
+                </a:tc>
+                <a:tc>
+                  <a:txBody>
+                    <a:bodyPr/>
+                    <a:lstStyle>
+                      <a:lvl1pPr marL="0" algn="l" defTabSz="914400" rtl="0" eaLnBrk="1" latinLnBrk="0" hangingPunct="1">
+                        <a:defRPr sz="1800" kern="1200">
+                          <a:solidFill>
+                            <a:schemeClr val="tx1"/>
+                          </a:solidFill>
+                          <a:latin typeface="Calibri"/>
+                        </a:defRPr>
+                      </a:lvl1pPr>
+                      <a:lvl2pPr marL="457200" algn="l" defTabSz="914400" rtl="0" eaLnBrk="1" latinLnBrk="0" hangingPunct="1">
+                        <a:defRPr sz="1800" kern="1200">
+                          <a:solidFill>
+                            <a:schemeClr val="tx1"/>
+                          </a:solidFill>
+                          <a:latin typeface="Calibri"/>
+                        </a:defRPr>
+                      </a:lvl2pPr>
+                      <a:lvl3pPr marL="914400" algn="l" defTabSz="914400" rtl="0" eaLnBrk="1" latinLnBrk="0" hangingPunct="1">
+                        <a:defRPr sz="1800" kern="1200">
+                          <a:solidFill>
+                            <a:schemeClr val="tx1"/>
+                          </a:solidFill>
+                          <a:latin typeface="Calibri"/>
+                        </a:defRPr>
+                      </a:lvl3pPr>
+                      <a:lvl4pPr marL="1371600" algn="l" defTabSz="914400" rtl="0" eaLnBrk="1" latinLnBrk="0" hangingPunct="1">
+                        <a:defRPr sz="1800" kern="1200">
+                          <a:solidFill>
+                            <a:schemeClr val="tx1"/>
+                          </a:solidFill>
+                          <a:latin typeface="Calibri"/>
+                        </a:defRPr>
+                      </a:lvl4pPr>
+                      <a:lvl5pPr marL="1828800" algn="l" defTabSz="914400" rtl="0" eaLnBrk="1" latinLnBrk="0" hangingPunct="1">
+                        <a:defRPr sz="1800" kern="1200">
+                          <a:solidFill>
+                            <a:schemeClr val="tx1"/>
+                          </a:solidFill>
+                          <a:latin typeface="Calibri"/>
+                        </a:defRPr>
+                      </a:lvl5pPr>
+                      <a:lvl6pPr marL="2286000" algn="l" defTabSz="914400" rtl="0" eaLnBrk="1" latinLnBrk="0" hangingPunct="1">
+                        <a:defRPr sz="1800" kern="1200">
+                          <a:solidFill>
+                            <a:schemeClr val="tx1"/>
+                          </a:solidFill>
+                          <a:latin typeface="Calibri"/>
+                        </a:defRPr>
+                      </a:lvl6pPr>
+                      <a:lvl7pPr marL="2743200" algn="l" defTabSz="914400" rtl="0" eaLnBrk="1" latinLnBrk="0" hangingPunct="1">
+                        <a:defRPr sz="1800" kern="1200">
+                          <a:solidFill>
+                            <a:schemeClr val="tx1"/>
+                          </a:solidFill>
+                          <a:latin typeface="Calibri"/>
+                        </a:defRPr>
+                      </a:lvl7pPr>
+                      <a:lvl8pPr marL="3200400" algn="l" defTabSz="914400" rtl="0" eaLnBrk="1" latinLnBrk="0" hangingPunct="1">
+                        <a:defRPr sz="1800" kern="1200">
+                          <a:solidFill>
+                            <a:schemeClr val="tx1"/>
+                          </a:solidFill>
+                          <a:latin typeface="Calibri"/>
+                        </a:defRPr>
+                      </a:lvl8pPr>
+                      <a:lvl9pPr marL="3657600" algn="l" defTabSz="914400" rtl="0" eaLnBrk="1" latinLnBrk="0" hangingPunct="1">
+                        <a:defRPr sz="1800" kern="1200">
+                          <a:solidFill>
+                            <a:schemeClr val="tx1"/>
+                          </a:solidFill>
+                          <a:latin typeface="Calibri"/>
+                        </a:defRPr>
+                      </a:lvl9pPr>
+                    </a:lstStyle>
+                    <a:p>
+                      <a:pPr algn="l" eaLnBrk="0" hangingPunct="0"/>
+                      <a:r>
+                        <a:rPr lang="zh-CN" altLang="en-US" sz="2400" dirty="0" smtClean="0">
+                          <a:solidFill>
+                            <a:schemeClr val="tx1"/>
+                          </a:solidFill>
+                          <a:latin typeface="微软雅黑" pitchFamily="34" charset="-122"/>
+                          <a:ea typeface="微软雅黑" pitchFamily="34" charset="-122"/>
+                        </a:rPr>
+                        <a:t>个人信息简介</a:t>
+                      </a:r>
+                      <a:endParaRPr lang="en-US" altLang="zh-CN" sz="2400" dirty="0">
+                        <a:solidFill>
+                          <a:schemeClr val="tx1"/>
+                        </a:solidFill>
+                        <a:latin typeface="微软雅黑" pitchFamily="34" charset="-122"/>
+                        <a:ea typeface="微软雅黑" pitchFamily="34" charset="-122"/>
+                      </a:endParaRPr>
+                    </a:p>
+                  </a:txBody>
+                  <a:tcPr anchor="ctr">
+                    <a:lnL>
+                      <a:noFill/>
+                    </a:lnL>
+                    <a:lnR>
+                      <a:noFill/>
+                    </a:lnR>
+                    <a:lnT>
+                      <a:noFill/>
+                    </a:lnT>
+                    <a:lnB w="76200" cap="flat" cmpd="sng" algn="ctr">
+                      <a:solidFill>
+                        <a:sysClr val="window" lastClr="FFFFFF"/>
+                      </a:solidFill>
+                      <a:prstDash val="solid"/>
+                      <a:round/>
+                      <a:headEnd type="none" w="med" len="med"/>
+                      <a:tailEnd type="none" w="med" len="med"/>
+                    </a:lnB>
+                    <a:lnTlToBr w="12700" cmpd="sng">
+                      <a:noFill/>
+                      <a:prstDash val="solid"/>
+                    </a:lnTlToBr>
+                    <a:lnBlToTr w="12700" cmpd="sng">
+                      <a:noFill/>
+                      <a:prstDash val="solid"/>
+                    </a:lnBlToTr>
+                    <a:solidFill>
+                      <a:srgbClr val="E7E6E6">
+                        <a:lumMod val="90000"/>
+                      </a:srgbClr>
+                    </a:solidFill>
+                  </a:tcPr>
+                </a:tc>
+              </a:tr>
+              <a:tr h="690567">
+                <a:tc>
+                  <a:txBody>
+                    <a:bodyPr/>
+                    <a:lstStyle>
+                      <a:lvl1pPr marL="0" algn="l" defTabSz="914400" rtl="0" eaLnBrk="1" latinLnBrk="0" hangingPunct="1">
+                        <a:defRPr sz="1800" kern="1200">
+                          <a:solidFill>
+                            <a:schemeClr val="tx1"/>
+                          </a:solidFill>
+                          <a:latin typeface="Calibri"/>
+                        </a:defRPr>
+                      </a:lvl1pPr>
+                      <a:lvl2pPr marL="457200" algn="l" defTabSz="914400" rtl="0" eaLnBrk="1" latinLnBrk="0" hangingPunct="1">
+                        <a:defRPr sz="1800" kern="1200">
+                          <a:solidFill>
+                            <a:schemeClr val="tx1"/>
+                          </a:solidFill>
+                          <a:latin typeface="Calibri"/>
+                        </a:defRPr>
+                      </a:lvl2pPr>
+                      <a:lvl3pPr marL="914400" algn="l" defTabSz="914400" rtl="0" eaLnBrk="1" latinLnBrk="0" hangingPunct="1">
+                        <a:defRPr sz="1800" kern="1200">
+                          <a:solidFill>
+                            <a:schemeClr val="tx1"/>
+                          </a:solidFill>
+                          <a:latin typeface="Calibri"/>
+                        </a:defRPr>
+                      </a:lvl3pPr>
+                      <a:lvl4pPr marL="1371600" algn="l" defTabSz="914400" rtl="0" eaLnBrk="1" latinLnBrk="0" hangingPunct="1">
+                        <a:defRPr sz="1800" kern="1200">
+                          <a:solidFill>
+                            <a:schemeClr val="tx1"/>
+                          </a:solidFill>
+                          <a:latin typeface="Calibri"/>
+                        </a:defRPr>
+                      </a:lvl4pPr>
+                      <a:lvl5pPr marL="1828800" algn="l" defTabSz="914400" rtl="0" eaLnBrk="1" latinLnBrk="0" hangingPunct="1">
+                        <a:defRPr sz="1800" kern="1200">
+                          <a:solidFill>
+                            <a:schemeClr val="tx1"/>
+                          </a:solidFill>
+                          <a:latin typeface="Calibri"/>
+                        </a:defRPr>
+                      </a:lvl5pPr>
+                      <a:lvl6pPr marL="2286000" algn="l" defTabSz="914400" rtl="0" eaLnBrk="1" latinLnBrk="0" hangingPunct="1">
+                        <a:defRPr sz="1800" kern="1200">
+                          <a:solidFill>
+                            <a:schemeClr val="tx1"/>
+                          </a:solidFill>
+                          <a:latin typeface="Calibri"/>
+                        </a:defRPr>
+                      </a:lvl6pPr>
+                      <a:lvl7pPr marL="2743200" algn="l" defTabSz="914400" rtl="0" eaLnBrk="1" latinLnBrk="0" hangingPunct="1">
+                        <a:defRPr sz="1800" kern="1200">
+                          <a:solidFill>
+                            <a:schemeClr val="tx1"/>
+                          </a:solidFill>
+                          <a:latin typeface="Calibri"/>
+                        </a:defRPr>
+                      </a:lvl7pPr>
+                      <a:lvl8pPr marL="3200400" algn="l" defTabSz="914400" rtl="0" eaLnBrk="1" latinLnBrk="0" hangingPunct="1">
+                        <a:defRPr sz="1800" kern="1200">
+                          <a:solidFill>
+                            <a:schemeClr val="tx1"/>
+                          </a:solidFill>
+                          <a:latin typeface="Calibri"/>
+                        </a:defRPr>
+                      </a:lvl8pPr>
+                      <a:lvl9pPr marL="3657600" algn="l" defTabSz="914400" rtl="0" eaLnBrk="1" latinLnBrk="0" hangingPunct="1">
+                        <a:defRPr sz="1800" kern="1200">
+                          <a:solidFill>
+                            <a:schemeClr val="tx1"/>
+                          </a:solidFill>
+                          <a:latin typeface="Calibri"/>
+                        </a:defRPr>
+                      </a:lvl9pPr>
+                    </a:lstStyle>
+                    <a:p>
+                      <a:pPr algn="ctr"/>
+                      <a:r>
+                        <a:rPr lang="en-US" altLang="zh-CN" sz="2400" dirty="0" smtClean="0">
+                          <a:solidFill>
+                            <a:schemeClr val="bg1"/>
+                          </a:solidFill>
+                          <a:latin typeface="Bernard MT Condensed" pitchFamily="18" charset="0"/>
+                        </a:rPr>
+                        <a:t>2</a:t>
+                      </a:r>
+                      <a:endParaRPr lang="zh-CN" altLang="en-US" sz="2400" dirty="0">
+                        <a:solidFill>
+                          <a:schemeClr val="bg1"/>
+                        </a:solidFill>
+                        <a:latin typeface="Bernard MT Condensed" pitchFamily="18" charset="0"/>
+                      </a:endParaRPr>
+                    </a:p>
+                  </a:txBody>
+                  <a:tcPr>
+                    <a:lnL>
+                      <a:noFill/>
+                    </a:lnL>
+                    <a:lnR>
+                      <a:noFill/>
+                    </a:lnR>
+                    <a:lnT w="76200" cap="flat" cmpd="sng" algn="ctr">
+                      <a:solidFill>
+                        <a:sysClr val="window" lastClr="FFFFFF"/>
+                      </a:solidFill>
+                      <a:prstDash val="solid"/>
+                      <a:round/>
+                      <a:headEnd type="none" w="med" len="med"/>
+                      <a:tailEnd type="none" w="med" len="med"/>
+                    </a:lnT>
+                    <a:lnB w="76200" cap="flat" cmpd="sng" algn="ctr">
+                      <a:solidFill>
+                        <a:sysClr val="window" lastClr="FFFFFF"/>
+                      </a:solidFill>
+                      <a:prstDash val="solid"/>
+                      <a:round/>
+                      <a:headEnd type="none" w="med" len="med"/>
+                      <a:tailEnd type="none" w="med" len="med"/>
+                    </a:lnB>
+                    <a:lnTlToBr w="12700" cmpd="sng">
+                      <a:noFill/>
+                      <a:prstDash val="solid"/>
+                    </a:lnTlToBr>
+                    <a:lnBlToTr w="12700" cmpd="sng">
+                      <a:noFill/>
+                      <a:prstDash val="solid"/>
+                    </a:lnBlToTr>
+                    <a:solidFill>
+                      <a:srgbClr val="C00000"/>
+                    </a:solidFill>
+                  </a:tcPr>
+                </a:tc>
+                <a:tc>
+                  <a:txBody>
+                    <a:bodyPr/>
+                    <a:lstStyle>
+                      <a:lvl1pPr marL="0" algn="l" defTabSz="914400" rtl="0" eaLnBrk="1" latinLnBrk="0" hangingPunct="1">
+                        <a:defRPr sz="1800" kern="1200">
+                          <a:solidFill>
+                            <a:schemeClr val="tx1"/>
+                          </a:solidFill>
+                          <a:latin typeface="Calibri"/>
+                        </a:defRPr>
+                      </a:lvl1pPr>
+                      <a:lvl2pPr marL="457200" algn="l" defTabSz="914400" rtl="0" eaLnBrk="1" latinLnBrk="0" hangingPunct="1">
+                        <a:defRPr sz="1800" kern="1200">
+                          <a:solidFill>
+                            <a:schemeClr val="tx1"/>
+                          </a:solidFill>
+                          <a:latin typeface="Calibri"/>
+                        </a:defRPr>
+                      </a:lvl2pPr>
+                      <a:lvl3pPr marL="914400" algn="l" defTabSz="914400" rtl="0" eaLnBrk="1" latinLnBrk="0" hangingPunct="1">
+                        <a:defRPr sz="1800" kern="1200">
+                          <a:solidFill>
+                            <a:schemeClr val="tx1"/>
+                          </a:solidFill>
+                          <a:latin typeface="Calibri"/>
+                        </a:defRPr>
+                      </a:lvl3pPr>
+                      <a:lvl4pPr marL="1371600" algn="l" defTabSz="914400" rtl="0" eaLnBrk="1" latinLnBrk="0" hangingPunct="1">
+                        <a:defRPr sz="1800" kern="1200">
+                          <a:solidFill>
+                            <a:schemeClr val="tx1"/>
+                          </a:solidFill>
+                          <a:latin typeface="Calibri"/>
+                        </a:defRPr>
+                      </a:lvl4pPr>
+                      <a:lvl5pPr marL="1828800" algn="l" defTabSz="914400" rtl="0" eaLnBrk="1" latinLnBrk="0" hangingPunct="1">
+                        <a:defRPr sz="1800" kern="1200">
+                          <a:solidFill>
+                            <a:schemeClr val="tx1"/>
+                          </a:solidFill>
+                          <a:latin typeface="Calibri"/>
+                        </a:defRPr>
+                      </a:lvl5pPr>
+                      <a:lvl6pPr marL="2286000" algn="l" defTabSz="914400" rtl="0" eaLnBrk="1" latinLnBrk="0" hangingPunct="1">
+                        <a:defRPr sz="1800" kern="1200">
+                          <a:solidFill>
+                            <a:schemeClr val="tx1"/>
+                          </a:solidFill>
+                          <a:latin typeface="Calibri"/>
+                        </a:defRPr>
+                      </a:lvl6pPr>
+                      <a:lvl7pPr marL="2743200" algn="l" defTabSz="914400" rtl="0" eaLnBrk="1" latinLnBrk="0" hangingPunct="1">
+                        <a:defRPr sz="1800" kern="1200">
+                          <a:solidFill>
+                            <a:schemeClr val="tx1"/>
+                          </a:solidFill>
+                          <a:latin typeface="Calibri"/>
+                        </a:defRPr>
+                      </a:lvl7pPr>
+                      <a:lvl8pPr marL="3200400" algn="l" defTabSz="914400" rtl="0" eaLnBrk="1" latinLnBrk="0" hangingPunct="1">
+                        <a:defRPr sz="1800" kern="1200">
+                          <a:solidFill>
+                            <a:schemeClr val="tx1"/>
+                          </a:solidFill>
+                          <a:latin typeface="Calibri"/>
+                        </a:defRPr>
+                      </a:lvl8pPr>
+                      <a:lvl9pPr marL="3657600" algn="l" defTabSz="914400" rtl="0" eaLnBrk="1" latinLnBrk="0" hangingPunct="1">
+                        <a:defRPr sz="1800" kern="1200">
+                          <a:solidFill>
+                            <a:schemeClr val="tx1"/>
+                          </a:solidFill>
+                          <a:latin typeface="Calibri"/>
+                        </a:defRPr>
+                      </a:lvl9pPr>
+                    </a:lstStyle>
+                    <a:p>
+                      <a:pPr algn="l" eaLnBrk="0" hangingPunct="0"/>
+                      <a:r>
+                        <a:rPr lang="zh-CN" altLang="en-US" sz="2400" dirty="0" smtClean="0">
+                          <a:solidFill>
+                            <a:schemeClr val="tx1"/>
+                          </a:solidFill>
+                          <a:latin typeface="微软雅黑" pitchFamily="34" charset="-122"/>
+                          <a:ea typeface="微软雅黑" pitchFamily="34" charset="-122"/>
+                        </a:rPr>
+                        <a:t>岗位职责理解</a:t>
+                      </a:r>
+                      <a:endParaRPr lang="en-US" altLang="zh-CN" sz="2400" dirty="0">
+                        <a:solidFill>
+                          <a:schemeClr val="tx1"/>
+                        </a:solidFill>
+                        <a:latin typeface="微软雅黑" pitchFamily="34" charset="-122"/>
+                        <a:ea typeface="微软雅黑" pitchFamily="34" charset="-122"/>
+                      </a:endParaRPr>
+                    </a:p>
+                  </a:txBody>
+                  <a:tcPr anchor="ctr">
+                    <a:lnL>
+                      <a:noFill/>
+                    </a:lnL>
+                    <a:lnR>
+                      <a:noFill/>
+                    </a:lnR>
+                    <a:lnT w="76200" cap="flat" cmpd="sng" algn="ctr">
+                      <a:solidFill>
+                        <a:sysClr val="window" lastClr="FFFFFF"/>
+                      </a:solidFill>
+                      <a:prstDash val="solid"/>
+                      <a:round/>
+                      <a:headEnd type="none" w="med" len="med"/>
+                      <a:tailEnd type="none" w="med" len="med"/>
+                    </a:lnT>
+                    <a:lnB w="76200" cap="flat" cmpd="sng" algn="ctr">
+                      <a:solidFill>
+                        <a:sysClr val="window" lastClr="FFFFFF"/>
+                      </a:solidFill>
+                      <a:prstDash val="solid"/>
+                      <a:round/>
+                      <a:headEnd type="none" w="med" len="med"/>
+                      <a:tailEnd type="none" w="med" len="med"/>
+                    </a:lnB>
+                    <a:lnTlToBr w="12700" cmpd="sng">
+                      <a:noFill/>
+                      <a:prstDash val="solid"/>
+                    </a:lnTlToBr>
+                    <a:lnBlToTr w="12700" cmpd="sng">
+                      <a:noFill/>
+                      <a:prstDash val="solid"/>
+                    </a:lnBlToTr>
+                    <a:solidFill>
+                      <a:srgbClr val="E7E6E6">
+                        <a:lumMod val="90000"/>
+                      </a:srgbClr>
+                    </a:solidFill>
+                  </a:tcPr>
+                </a:tc>
+              </a:tr>
+              <a:tr h="690567">
+                <a:tc>
+                  <a:txBody>
+                    <a:bodyPr/>
+                    <a:lstStyle>
+                      <a:lvl1pPr marL="0" algn="l" defTabSz="914400" rtl="0" eaLnBrk="1" latinLnBrk="0" hangingPunct="1">
+                        <a:defRPr sz="1800" kern="1200">
+                          <a:solidFill>
+                            <a:schemeClr val="tx1"/>
+                          </a:solidFill>
+                          <a:latin typeface="Calibri"/>
+                        </a:defRPr>
+                      </a:lvl1pPr>
+                      <a:lvl2pPr marL="457200" algn="l" defTabSz="914400" rtl="0" eaLnBrk="1" latinLnBrk="0" hangingPunct="1">
+                        <a:defRPr sz="1800" kern="1200">
+                          <a:solidFill>
+                            <a:schemeClr val="tx1"/>
+                          </a:solidFill>
+                          <a:latin typeface="Calibri"/>
+                        </a:defRPr>
+                      </a:lvl2pPr>
+                      <a:lvl3pPr marL="914400" algn="l" defTabSz="914400" rtl="0" eaLnBrk="1" latinLnBrk="0" hangingPunct="1">
+                        <a:defRPr sz="1800" kern="1200">
+                          <a:solidFill>
+                            <a:schemeClr val="tx1"/>
+                          </a:solidFill>
+                          <a:latin typeface="Calibri"/>
+                        </a:defRPr>
+                      </a:lvl3pPr>
+                      <a:lvl4pPr marL="1371600" algn="l" defTabSz="914400" rtl="0" eaLnBrk="1" latinLnBrk="0" hangingPunct="1">
+                        <a:defRPr sz="1800" kern="1200">
+                          <a:solidFill>
+                            <a:schemeClr val="tx1"/>
+                          </a:solidFill>
+                          <a:latin typeface="Calibri"/>
+                        </a:defRPr>
+                      </a:lvl4pPr>
+                      <a:lvl5pPr marL="1828800" algn="l" defTabSz="914400" rtl="0" eaLnBrk="1" latinLnBrk="0" hangingPunct="1">
+                        <a:defRPr sz="1800" kern="1200">
+                          <a:solidFill>
+                            <a:schemeClr val="tx1"/>
+                          </a:solidFill>
+                          <a:latin typeface="Calibri"/>
+                        </a:defRPr>
+                      </a:lvl5pPr>
+                      <a:lvl6pPr marL="2286000" algn="l" defTabSz="914400" rtl="0" eaLnBrk="1" latinLnBrk="0" hangingPunct="1">
+                        <a:defRPr sz="1800" kern="1200">
+                          <a:solidFill>
+                            <a:schemeClr val="tx1"/>
+                          </a:solidFill>
+                          <a:latin typeface="Calibri"/>
+                        </a:defRPr>
+                      </a:lvl6pPr>
+                      <a:lvl7pPr marL="2743200" algn="l" defTabSz="914400" rtl="0" eaLnBrk="1" latinLnBrk="0" hangingPunct="1">
+                        <a:defRPr sz="1800" kern="1200">
+                          <a:solidFill>
+                            <a:schemeClr val="tx1"/>
+                          </a:solidFill>
+                          <a:latin typeface="Calibri"/>
+                        </a:defRPr>
+                      </a:lvl7pPr>
+                      <a:lvl8pPr marL="3200400" algn="l" defTabSz="914400" rtl="0" eaLnBrk="1" latinLnBrk="0" hangingPunct="1">
+                        <a:defRPr sz="1800" kern="1200">
+                          <a:solidFill>
+                            <a:schemeClr val="tx1"/>
+                          </a:solidFill>
+                          <a:latin typeface="Calibri"/>
+                        </a:defRPr>
+                      </a:lvl8pPr>
+                      <a:lvl9pPr marL="3657600" algn="l" defTabSz="914400" rtl="0" eaLnBrk="1" latinLnBrk="0" hangingPunct="1">
+                        <a:defRPr sz="1800" kern="1200">
+                          <a:solidFill>
+                            <a:schemeClr val="tx1"/>
+                          </a:solidFill>
+                          <a:latin typeface="Calibri"/>
+                        </a:defRPr>
+                      </a:lvl9pPr>
+                    </a:lstStyle>
+                    <a:p>
+                      <a:pPr algn="ctr"/>
+                      <a:r>
+                        <a:rPr lang="en-US" altLang="zh-CN" sz="2400" dirty="0" smtClean="0">
+                          <a:solidFill>
+                            <a:schemeClr val="bg1"/>
+                          </a:solidFill>
+                          <a:latin typeface="Bernard MT Condensed" pitchFamily="18" charset="0"/>
+                        </a:rPr>
+                        <a:t>3</a:t>
+                      </a:r>
+                      <a:endParaRPr lang="zh-CN" altLang="en-US" sz="2400" dirty="0">
+                        <a:solidFill>
+                          <a:schemeClr val="bg1"/>
+                        </a:solidFill>
+                        <a:latin typeface="Bernard MT Condensed" pitchFamily="18" charset="0"/>
+                      </a:endParaRPr>
+                    </a:p>
+                  </a:txBody>
+                  <a:tcPr>
+                    <a:lnL>
+                      <a:noFill/>
+                    </a:lnL>
+                    <a:lnR>
+                      <a:noFill/>
+                    </a:lnR>
+                    <a:lnT w="76200" cap="flat" cmpd="sng" algn="ctr">
+                      <a:solidFill>
+                        <a:sysClr val="window" lastClr="FFFFFF"/>
+                      </a:solidFill>
+                      <a:prstDash val="solid"/>
+                      <a:round/>
+                      <a:headEnd type="none" w="med" len="med"/>
+                      <a:tailEnd type="none" w="med" len="med"/>
+                    </a:lnT>
+                    <a:lnB w="76200" cap="flat" cmpd="sng" algn="ctr">
+                      <a:solidFill>
+                        <a:sysClr val="window" lastClr="FFFFFF"/>
+                      </a:solidFill>
+                      <a:prstDash val="solid"/>
+                      <a:round/>
+                      <a:headEnd type="none" w="med" len="med"/>
+                      <a:tailEnd type="none" w="med" len="med"/>
+                    </a:lnB>
+                    <a:lnTlToBr w="12700" cmpd="sng">
+                      <a:noFill/>
+                      <a:prstDash val="solid"/>
+                    </a:lnTlToBr>
+                    <a:lnBlToTr w="12700" cmpd="sng">
+                      <a:noFill/>
+                      <a:prstDash val="solid"/>
+                    </a:lnBlToTr>
+                    <a:solidFill>
+                      <a:srgbClr val="C00000"/>
+                    </a:solidFill>
+                  </a:tcPr>
+                </a:tc>
+                <a:tc>
+                  <a:txBody>
+                    <a:bodyPr/>
+                    <a:lstStyle>
+                      <a:lvl1pPr marL="0" algn="l" defTabSz="914400" rtl="0" eaLnBrk="1" latinLnBrk="0" hangingPunct="1">
+                        <a:defRPr sz="1800" kern="1200">
+                          <a:solidFill>
+                            <a:schemeClr val="tx1"/>
+                          </a:solidFill>
+                          <a:latin typeface="Calibri"/>
+                        </a:defRPr>
+                      </a:lvl1pPr>
+                      <a:lvl2pPr marL="457200" algn="l" defTabSz="914400" rtl="0" eaLnBrk="1" latinLnBrk="0" hangingPunct="1">
+                        <a:defRPr sz="1800" kern="1200">
+                          <a:solidFill>
+                            <a:schemeClr val="tx1"/>
+                          </a:solidFill>
+                          <a:latin typeface="Calibri"/>
+                        </a:defRPr>
+                      </a:lvl2pPr>
+                      <a:lvl3pPr marL="914400" algn="l" defTabSz="914400" rtl="0" eaLnBrk="1" latinLnBrk="0" hangingPunct="1">
+                        <a:defRPr sz="1800" kern="1200">
+                          <a:solidFill>
+                            <a:schemeClr val="tx1"/>
+                          </a:solidFill>
+                          <a:latin typeface="Calibri"/>
+                        </a:defRPr>
+                      </a:lvl3pPr>
+                      <a:lvl4pPr marL="1371600" algn="l" defTabSz="914400" rtl="0" eaLnBrk="1" latinLnBrk="0" hangingPunct="1">
+                        <a:defRPr sz="1800" kern="1200">
+                          <a:solidFill>
+                            <a:schemeClr val="tx1"/>
+                          </a:solidFill>
+                          <a:latin typeface="Calibri"/>
+                        </a:defRPr>
+                      </a:lvl4pPr>
+                      <a:lvl5pPr marL="1828800" algn="l" defTabSz="914400" rtl="0" eaLnBrk="1" latinLnBrk="0" hangingPunct="1">
+                        <a:defRPr sz="1800" kern="1200">
+                          <a:solidFill>
+                            <a:schemeClr val="tx1"/>
+                          </a:solidFill>
+                          <a:latin typeface="Calibri"/>
+                        </a:defRPr>
+                      </a:lvl5pPr>
+                      <a:lvl6pPr marL="2286000" algn="l" defTabSz="914400" rtl="0" eaLnBrk="1" latinLnBrk="0" hangingPunct="1">
+                        <a:defRPr sz="1800" kern="1200">
+                          <a:solidFill>
+                            <a:schemeClr val="tx1"/>
+                          </a:solidFill>
+                          <a:latin typeface="Calibri"/>
+                        </a:defRPr>
+                      </a:lvl6pPr>
+                      <a:lvl7pPr marL="2743200" algn="l" defTabSz="914400" rtl="0" eaLnBrk="1" latinLnBrk="0" hangingPunct="1">
+                        <a:defRPr sz="1800" kern="1200">
+                          <a:solidFill>
+                            <a:schemeClr val="tx1"/>
+                          </a:solidFill>
+                          <a:latin typeface="Calibri"/>
+                        </a:defRPr>
+                      </a:lvl7pPr>
+                      <a:lvl8pPr marL="3200400" algn="l" defTabSz="914400" rtl="0" eaLnBrk="1" latinLnBrk="0" hangingPunct="1">
+                        <a:defRPr sz="1800" kern="1200">
+                          <a:solidFill>
+                            <a:schemeClr val="tx1"/>
+                          </a:solidFill>
+                          <a:latin typeface="Calibri"/>
+                        </a:defRPr>
+                      </a:lvl8pPr>
+                      <a:lvl9pPr marL="3657600" algn="l" defTabSz="914400" rtl="0" eaLnBrk="1" latinLnBrk="0" hangingPunct="1">
+                        <a:defRPr sz="1800" kern="1200">
+                          <a:solidFill>
+                            <a:schemeClr val="tx1"/>
+                          </a:solidFill>
+                          <a:latin typeface="Calibri"/>
+                        </a:defRPr>
+                      </a:lvl9pPr>
+                    </a:lstStyle>
+                    <a:p>
+                      <a:pPr algn="l" eaLnBrk="0" hangingPunct="0"/>
+                      <a:r>
+                        <a:rPr lang="zh-CN" altLang="en-US" sz="2400" dirty="0" smtClean="0">
+                          <a:solidFill>
+                            <a:schemeClr val="tx1"/>
+                          </a:solidFill>
+                          <a:latin typeface="微软雅黑" pitchFamily="34" charset="-122"/>
+                          <a:ea typeface="微软雅黑" pitchFamily="34" charset="-122"/>
+                        </a:rPr>
+                        <a:t>主要工作情况</a:t>
+                      </a:r>
+                      <a:endParaRPr lang="en-US" altLang="zh-CN" sz="2400" dirty="0">
+                        <a:solidFill>
+                          <a:schemeClr val="tx1"/>
+                        </a:solidFill>
+                        <a:latin typeface="微软雅黑" pitchFamily="34" charset="-122"/>
+                        <a:ea typeface="微软雅黑" pitchFamily="34" charset="-122"/>
+                      </a:endParaRPr>
+                    </a:p>
+                  </a:txBody>
+                  <a:tcPr anchor="ctr">
+                    <a:lnL>
+                      <a:noFill/>
+                    </a:lnL>
+                    <a:lnR>
+                      <a:noFill/>
+                    </a:lnR>
+                    <a:lnT w="76200" cap="flat" cmpd="sng" algn="ctr">
+                      <a:solidFill>
+                        <a:sysClr val="window" lastClr="FFFFFF"/>
+                      </a:solidFill>
+                      <a:prstDash val="solid"/>
+                      <a:round/>
+                      <a:headEnd type="none" w="med" len="med"/>
+                      <a:tailEnd type="none" w="med" len="med"/>
+                    </a:lnT>
+                    <a:lnB w="76200" cap="flat" cmpd="sng" algn="ctr">
+                      <a:solidFill>
+                        <a:sysClr val="window" lastClr="FFFFFF"/>
+                      </a:solidFill>
+                      <a:prstDash val="solid"/>
+                      <a:round/>
+                      <a:headEnd type="none" w="med" len="med"/>
+                      <a:tailEnd type="none" w="med" len="med"/>
+                    </a:lnB>
+                    <a:lnTlToBr w="12700" cmpd="sng">
+                      <a:noFill/>
+                      <a:prstDash val="solid"/>
+                    </a:lnTlToBr>
+                    <a:lnBlToTr w="12700" cmpd="sng">
+                      <a:noFill/>
+                      <a:prstDash val="solid"/>
+                    </a:lnBlToTr>
+                    <a:solidFill>
+                      <a:srgbClr val="E7E6E6">
+                        <a:lumMod val="90000"/>
+                      </a:srgbClr>
+                    </a:solidFill>
+                  </a:tcPr>
+                </a:tc>
+              </a:tr>
+              <a:tr h="690567">
+                <a:tc>
+                  <a:txBody>
+                    <a:bodyPr/>
+                    <a:lstStyle>
+                      <a:lvl1pPr marL="0" algn="l" defTabSz="914400" rtl="0" eaLnBrk="1" latinLnBrk="0" hangingPunct="1">
+                        <a:defRPr sz="1800" kern="1200">
+                          <a:solidFill>
+                            <a:schemeClr val="tx1"/>
+                          </a:solidFill>
+                          <a:latin typeface="Calibri"/>
+                        </a:defRPr>
+                      </a:lvl1pPr>
+                      <a:lvl2pPr marL="457200" algn="l" defTabSz="914400" rtl="0" eaLnBrk="1" latinLnBrk="0" hangingPunct="1">
+                        <a:defRPr sz="1800" kern="1200">
+                          <a:solidFill>
+                            <a:schemeClr val="tx1"/>
+                          </a:solidFill>
+                          <a:latin typeface="Calibri"/>
+                        </a:defRPr>
+                      </a:lvl2pPr>
+                      <a:lvl3pPr marL="914400" algn="l" defTabSz="914400" rtl="0" eaLnBrk="1" latinLnBrk="0" hangingPunct="1">
+                        <a:defRPr sz="1800" kern="1200">
+                          <a:solidFill>
+                            <a:schemeClr val="tx1"/>
+                          </a:solidFill>
+                          <a:latin typeface="Calibri"/>
+                        </a:defRPr>
+                      </a:lvl3pPr>
+                      <a:lvl4pPr marL="1371600" algn="l" defTabSz="914400" rtl="0" eaLnBrk="1" latinLnBrk="0" hangingPunct="1">
+                        <a:defRPr sz="1800" kern="1200">
+                          <a:solidFill>
+                            <a:schemeClr val="tx1"/>
+                          </a:solidFill>
+                          <a:latin typeface="Calibri"/>
+                        </a:defRPr>
+                      </a:lvl4pPr>
+                      <a:lvl5pPr marL="1828800" algn="l" defTabSz="914400" rtl="0" eaLnBrk="1" latinLnBrk="0" hangingPunct="1">
+                        <a:defRPr sz="1800" kern="1200">
+                          <a:solidFill>
+                            <a:schemeClr val="tx1"/>
+                          </a:solidFill>
+                          <a:latin typeface="Calibri"/>
+                        </a:defRPr>
+                      </a:lvl5pPr>
+                      <a:lvl6pPr marL="2286000" algn="l" defTabSz="914400" rtl="0" eaLnBrk="1" latinLnBrk="0" hangingPunct="1">
+                        <a:defRPr sz="1800" kern="1200">
+                          <a:solidFill>
+                            <a:schemeClr val="tx1"/>
+                          </a:solidFill>
+                          <a:latin typeface="Calibri"/>
+                        </a:defRPr>
+                      </a:lvl6pPr>
+                      <a:lvl7pPr marL="2743200" algn="l" defTabSz="914400" rtl="0" eaLnBrk="1" latinLnBrk="0" hangingPunct="1">
+                        <a:defRPr sz="1800" kern="1200">
+                          <a:solidFill>
+                            <a:schemeClr val="tx1"/>
+                          </a:solidFill>
+                          <a:latin typeface="Calibri"/>
+                        </a:defRPr>
+                      </a:lvl7pPr>
+                      <a:lvl8pPr marL="3200400" algn="l" defTabSz="914400" rtl="0" eaLnBrk="1" latinLnBrk="0" hangingPunct="1">
+                        <a:defRPr sz="1800" kern="1200">
+                          <a:solidFill>
+                            <a:schemeClr val="tx1"/>
+                          </a:solidFill>
+                          <a:latin typeface="Calibri"/>
+                        </a:defRPr>
+                      </a:lvl8pPr>
+                      <a:lvl9pPr marL="3657600" algn="l" defTabSz="914400" rtl="0" eaLnBrk="1" latinLnBrk="0" hangingPunct="1">
+                        <a:defRPr sz="1800" kern="1200">
+                          <a:solidFill>
+                            <a:schemeClr val="tx1"/>
+                          </a:solidFill>
+                          <a:latin typeface="Calibri"/>
+                        </a:defRPr>
+                      </a:lvl9pPr>
+                    </a:lstStyle>
+                    <a:p>
+                      <a:pPr algn="ctr"/>
+                      <a:r>
+                        <a:rPr lang="en-US" altLang="zh-CN" sz="2400" dirty="0" smtClean="0">
+                          <a:solidFill>
+                            <a:schemeClr val="bg1"/>
+                          </a:solidFill>
+                          <a:latin typeface="Bernard MT Condensed" pitchFamily="18" charset="0"/>
+                        </a:rPr>
+                        <a:t>4</a:t>
+                      </a:r>
+                      <a:endParaRPr lang="zh-CN" altLang="en-US" sz="2400" dirty="0">
+                        <a:solidFill>
+                          <a:schemeClr val="bg1"/>
+                        </a:solidFill>
+                        <a:latin typeface="Bernard MT Condensed" pitchFamily="18" charset="0"/>
+                      </a:endParaRPr>
+                    </a:p>
+                  </a:txBody>
+                  <a:tcPr>
+                    <a:lnL>
+                      <a:noFill/>
+                    </a:lnL>
+                    <a:lnR>
+                      <a:noFill/>
+                    </a:lnR>
+                    <a:lnT w="76200" cap="flat" cmpd="sng" algn="ctr">
+                      <a:solidFill>
+                        <a:sysClr val="window" lastClr="FFFFFF"/>
+                      </a:solidFill>
+                      <a:prstDash val="solid"/>
+                      <a:round/>
+                      <a:headEnd type="none" w="med" len="med"/>
+                      <a:tailEnd type="none" w="med" len="med"/>
+                    </a:lnT>
+                    <a:lnB w="76200" cap="flat" cmpd="sng" algn="ctr">
+                      <a:solidFill>
+                        <a:sysClr val="window" lastClr="FFFFFF"/>
+                      </a:solidFill>
+                      <a:prstDash val="solid"/>
+                      <a:round/>
+                      <a:headEnd type="none" w="med" len="med"/>
+                      <a:tailEnd type="none" w="med" len="med"/>
+                    </a:lnB>
+                    <a:lnTlToBr w="12700" cmpd="sng">
+                      <a:noFill/>
+                      <a:prstDash val="solid"/>
+                    </a:lnTlToBr>
+                    <a:lnBlToTr w="12700" cmpd="sng">
+                      <a:noFill/>
+                      <a:prstDash val="solid"/>
+                    </a:lnBlToTr>
+                    <a:solidFill>
+                      <a:srgbClr val="C00000"/>
+                    </a:solidFill>
+                  </a:tcPr>
+                </a:tc>
+                <a:tc>
+                  <a:txBody>
+                    <a:bodyPr/>
+                    <a:lstStyle>
+                      <a:lvl1pPr marL="0" algn="l" defTabSz="914400" rtl="0" eaLnBrk="1" latinLnBrk="0" hangingPunct="1">
+                        <a:defRPr sz="1800" kern="1200">
+                          <a:solidFill>
+                            <a:schemeClr val="tx1"/>
+                          </a:solidFill>
+                          <a:latin typeface="Calibri"/>
+                        </a:defRPr>
+                      </a:lvl1pPr>
+                      <a:lvl2pPr marL="457200" algn="l" defTabSz="914400" rtl="0" eaLnBrk="1" latinLnBrk="0" hangingPunct="1">
+                        <a:defRPr sz="1800" kern="1200">
+                          <a:solidFill>
+                            <a:schemeClr val="tx1"/>
+                          </a:solidFill>
+                          <a:latin typeface="Calibri"/>
+                        </a:defRPr>
+                      </a:lvl2pPr>
+                      <a:lvl3pPr marL="914400" algn="l" defTabSz="914400" rtl="0" eaLnBrk="1" latinLnBrk="0" hangingPunct="1">
+                        <a:defRPr sz="1800" kern="1200">
+                          <a:solidFill>
+                            <a:schemeClr val="tx1"/>
+                          </a:solidFill>
+                          <a:latin typeface="Calibri"/>
+                        </a:defRPr>
+                      </a:lvl3pPr>
+                      <a:lvl4pPr marL="1371600" algn="l" defTabSz="914400" rtl="0" eaLnBrk="1" latinLnBrk="0" hangingPunct="1">
+                        <a:defRPr sz="1800" kern="1200">
+                          <a:solidFill>
+                            <a:schemeClr val="tx1"/>
+                          </a:solidFill>
+                          <a:latin typeface="Calibri"/>
+                        </a:defRPr>
+                      </a:lvl4pPr>
+                      <a:lvl5pPr marL="1828800" algn="l" defTabSz="914400" rtl="0" eaLnBrk="1" latinLnBrk="0" hangingPunct="1">
+                        <a:defRPr sz="1800" kern="1200">
+                          <a:solidFill>
+                            <a:schemeClr val="tx1"/>
+                          </a:solidFill>
+                          <a:latin typeface="Calibri"/>
+                        </a:defRPr>
+                      </a:lvl5pPr>
+                      <a:lvl6pPr marL="2286000" algn="l" defTabSz="914400" rtl="0" eaLnBrk="1" latinLnBrk="0" hangingPunct="1">
+                        <a:defRPr sz="1800" kern="1200">
+                          <a:solidFill>
+                            <a:schemeClr val="tx1"/>
+                          </a:solidFill>
+                          <a:latin typeface="Calibri"/>
+                        </a:defRPr>
+                      </a:lvl6pPr>
+                      <a:lvl7pPr marL="2743200" algn="l" defTabSz="914400" rtl="0" eaLnBrk="1" latinLnBrk="0" hangingPunct="1">
+                        <a:defRPr sz="1800" kern="1200">
+                          <a:solidFill>
+                            <a:schemeClr val="tx1"/>
+                          </a:solidFill>
+                          <a:latin typeface="Calibri"/>
+                        </a:defRPr>
+                      </a:lvl7pPr>
+                      <a:lvl8pPr marL="3200400" algn="l" defTabSz="914400" rtl="0" eaLnBrk="1" latinLnBrk="0" hangingPunct="1">
+                        <a:defRPr sz="1800" kern="1200">
+                          <a:solidFill>
+                            <a:schemeClr val="tx1"/>
+                          </a:solidFill>
+                          <a:latin typeface="Calibri"/>
+                        </a:defRPr>
+                      </a:lvl8pPr>
+                      <a:lvl9pPr marL="3657600" algn="l" defTabSz="914400" rtl="0" eaLnBrk="1" latinLnBrk="0" hangingPunct="1">
+                        <a:defRPr sz="1800" kern="1200">
+                          <a:solidFill>
+                            <a:schemeClr val="tx1"/>
+                          </a:solidFill>
+                          <a:latin typeface="Calibri"/>
+                        </a:defRPr>
+                      </a:lvl9pPr>
+                    </a:lstStyle>
+                    <a:p>
+                      <a:pPr algn="l" eaLnBrk="0" hangingPunct="0"/>
+                      <a:r>
+                        <a:rPr lang="zh-CN" altLang="en-US" sz="2400" dirty="0" smtClean="0">
+                          <a:solidFill>
+                            <a:schemeClr val="tx1"/>
+                          </a:solidFill>
+                          <a:latin typeface="微软雅黑" pitchFamily="34" charset="-122"/>
+                          <a:ea typeface="微软雅黑" pitchFamily="34" charset="-122"/>
+                        </a:rPr>
+                        <a:t>典型产品讲解</a:t>
+                      </a:r>
+                      <a:endParaRPr lang="en-US" altLang="zh-CN" sz="2400" dirty="0">
+                        <a:solidFill>
+                          <a:schemeClr val="tx1"/>
+                        </a:solidFill>
+                        <a:latin typeface="微软雅黑" pitchFamily="34" charset="-122"/>
+                        <a:ea typeface="微软雅黑" pitchFamily="34" charset="-122"/>
+                      </a:endParaRPr>
+                    </a:p>
+                  </a:txBody>
+                  <a:tcPr anchor="ctr">
+                    <a:lnL>
+                      <a:noFill/>
+                    </a:lnL>
+                    <a:lnR>
+                      <a:noFill/>
+                    </a:lnR>
+                    <a:lnT w="76200" cap="flat" cmpd="sng" algn="ctr">
+                      <a:solidFill>
+                        <a:sysClr val="window" lastClr="FFFFFF"/>
+                      </a:solidFill>
+                      <a:prstDash val="solid"/>
+                      <a:round/>
+                      <a:headEnd type="none" w="med" len="med"/>
+                      <a:tailEnd type="none" w="med" len="med"/>
+                    </a:lnT>
+                    <a:lnB w="76200" cap="flat" cmpd="sng" algn="ctr">
+                      <a:solidFill>
+                        <a:sysClr val="window" lastClr="FFFFFF"/>
+                      </a:solidFill>
+                      <a:prstDash val="solid"/>
+                      <a:round/>
+                      <a:headEnd type="none" w="med" len="med"/>
+                      <a:tailEnd type="none" w="med" len="med"/>
+                    </a:lnB>
+                    <a:lnTlToBr w="12700" cmpd="sng">
+                      <a:noFill/>
+                      <a:prstDash val="solid"/>
+                    </a:lnTlToBr>
+                    <a:lnBlToTr w="12700" cmpd="sng">
+                      <a:noFill/>
+                      <a:prstDash val="solid"/>
+                    </a:lnBlToTr>
+                    <a:solidFill>
+                      <a:srgbClr val="E7E6E6">
+                        <a:lumMod val="90000"/>
+                      </a:srgbClr>
+                    </a:solidFill>
+                  </a:tcPr>
+                </a:tc>
+              </a:tr>
+              <a:tr h="690567">
+                <a:tc>
+                  <a:txBody>
+                    <a:bodyPr/>
+                    <a:lstStyle>
+                      <a:lvl1pPr marL="0" algn="l" defTabSz="914400" rtl="0" eaLnBrk="1" latinLnBrk="0" hangingPunct="1">
+                        <a:defRPr sz="1800" kern="1200">
+                          <a:solidFill>
+                            <a:schemeClr val="tx1"/>
+                          </a:solidFill>
+                          <a:latin typeface="Calibri"/>
+                        </a:defRPr>
+                      </a:lvl1pPr>
+                      <a:lvl2pPr marL="457200" algn="l" defTabSz="914400" rtl="0" eaLnBrk="1" latinLnBrk="0" hangingPunct="1">
+                        <a:defRPr sz="1800" kern="1200">
+                          <a:solidFill>
+                            <a:schemeClr val="tx1"/>
+                          </a:solidFill>
+                          <a:latin typeface="Calibri"/>
+                        </a:defRPr>
+                      </a:lvl2pPr>
+                      <a:lvl3pPr marL="914400" algn="l" defTabSz="914400" rtl="0" eaLnBrk="1" latinLnBrk="0" hangingPunct="1">
+                        <a:defRPr sz="1800" kern="1200">
+                          <a:solidFill>
+                            <a:schemeClr val="tx1"/>
+                          </a:solidFill>
+                          <a:latin typeface="Calibri"/>
+                        </a:defRPr>
+                      </a:lvl3pPr>
+                      <a:lvl4pPr marL="1371600" algn="l" defTabSz="914400" rtl="0" eaLnBrk="1" latinLnBrk="0" hangingPunct="1">
+                        <a:defRPr sz="1800" kern="1200">
+                          <a:solidFill>
+                            <a:schemeClr val="tx1"/>
+                          </a:solidFill>
+                          <a:latin typeface="Calibri"/>
+                        </a:defRPr>
+                      </a:lvl4pPr>
+                      <a:lvl5pPr marL="1828800" algn="l" defTabSz="914400" rtl="0" eaLnBrk="1" latinLnBrk="0" hangingPunct="1">
+                        <a:defRPr sz="1800" kern="1200">
+                          <a:solidFill>
+                            <a:schemeClr val="tx1"/>
+                          </a:solidFill>
+                          <a:latin typeface="Calibri"/>
+                        </a:defRPr>
+                      </a:lvl5pPr>
+                      <a:lvl6pPr marL="2286000" algn="l" defTabSz="914400" rtl="0" eaLnBrk="1" latinLnBrk="0" hangingPunct="1">
+                        <a:defRPr sz="1800" kern="1200">
+                          <a:solidFill>
+                            <a:schemeClr val="tx1"/>
+                          </a:solidFill>
+                          <a:latin typeface="Calibri"/>
+                        </a:defRPr>
+                      </a:lvl6pPr>
+                      <a:lvl7pPr marL="2743200" algn="l" defTabSz="914400" rtl="0" eaLnBrk="1" latinLnBrk="0" hangingPunct="1">
+                        <a:defRPr sz="1800" kern="1200">
+                          <a:solidFill>
+                            <a:schemeClr val="tx1"/>
+                          </a:solidFill>
+                          <a:latin typeface="Calibri"/>
+                        </a:defRPr>
+                      </a:lvl7pPr>
+                      <a:lvl8pPr marL="3200400" algn="l" defTabSz="914400" rtl="0" eaLnBrk="1" latinLnBrk="0" hangingPunct="1">
+                        <a:defRPr sz="1800" kern="1200">
+                          <a:solidFill>
+                            <a:schemeClr val="tx1"/>
+                          </a:solidFill>
+                          <a:latin typeface="Calibri"/>
+                        </a:defRPr>
+                      </a:lvl8pPr>
+                      <a:lvl9pPr marL="3657600" algn="l" defTabSz="914400" rtl="0" eaLnBrk="1" latinLnBrk="0" hangingPunct="1">
+                        <a:defRPr sz="1800" kern="1200">
+                          <a:solidFill>
+                            <a:schemeClr val="tx1"/>
+                          </a:solidFill>
+                          <a:latin typeface="Calibri"/>
+                        </a:defRPr>
+                      </a:lvl9pPr>
+                    </a:lstStyle>
+                    <a:p>
+                      <a:pPr algn="ctr"/>
+                      <a:r>
+                        <a:rPr lang="en-US" altLang="zh-CN" sz="2400" dirty="0" smtClean="0">
+                          <a:solidFill>
+                            <a:schemeClr val="bg1"/>
+                          </a:solidFill>
+                          <a:latin typeface="Bernard MT Condensed" pitchFamily="18" charset="0"/>
+                        </a:rPr>
+                        <a:t>5</a:t>
+                      </a:r>
+                      <a:endParaRPr lang="zh-CN" altLang="en-US" sz="2400" dirty="0">
+                        <a:solidFill>
+                          <a:schemeClr val="bg1"/>
+                        </a:solidFill>
+                        <a:latin typeface="Bernard MT Condensed" pitchFamily="18" charset="0"/>
+                      </a:endParaRPr>
+                    </a:p>
+                  </a:txBody>
+                  <a:tcPr>
+                    <a:lnL>
+                      <a:noFill/>
+                    </a:lnL>
+                    <a:lnR>
+                      <a:noFill/>
+                    </a:lnR>
+                    <a:lnT w="76200" cap="flat" cmpd="sng" algn="ctr">
+                      <a:solidFill>
+                        <a:sysClr val="window" lastClr="FFFFFF"/>
+                      </a:solidFill>
+                      <a:prstDash val="solid"/>
+                      <a:round/>
+                      <a:headEnd type="none" w="med" len="med"/>
+                      <a:tailEnd type="none" w="med" len="med"/>
+                    </a:lnT>
+                    <a:lnB w="76200" cap="flat" cmpd="sng" algn="ctr">
+                      <a:solidFill>
+                        <a:sysClr val="window" lastClr="FFFFFF"/>
+                      </a:solidFill>
+                      <a:prstDash val="solid"/>
+                      <a:round/>
+                      <a:headEnd type="none" w="med" len="med"/>
+                      <a:tailEnd type="none" w="med" len="med"/>
+                    </a:lnB>
+                    <a:lnTlToBr w="12700" cmpd="sng">
+                      <a:noFill/>
+                      <a:prstDash val="solid"/>
+                    </a:lnTlToBr>
+                    <a:lnBlToTr w="12700" cmpd="sng">
+                      <a:noFill/>
+                      <a:prstDash val="solid"/>
+                    </a:lnBlToTr>
+                    <a:solidFill>
+                      <a:srgbClr val="C00000"/>
+                    </a:solidFill>
+                  </a:tcPr>
+                </a:tc>
+                <a:tc>
+                  <a:txBody>
+                    <a:bodyPr/>
+                    <a:lstStyle>
+                      <a:lvl1pPr marL="0" algn="l" defTabSz="914400" rtl="0" eaLnBrk="1" latinLnBrk="0" hangingPunct="1">
+                        <a:defRPr sz="1800" kern="1200">
+                          <a:solidFill>
+                            <a:schemeClr val="tx1"/>
+                          </a:solidFill>
+                          <a:latin typeface="Calibri"/>
+                        </a:defRPr>
+                      </a:lvl1pPr>
+                      <a:lvl2pPr marL="457200" algn="l" defTabSz="914400" rtl="0" eaLnBrk="1" latinLnBrk="0" hangingPunct="1">
+                        <a:defRPr sz="1800" kern="1200">
+                          <a:solidFill>
+                            <a:schemeClr val="tx1"/>
+                          </a:solidFill>
+                          <a:latin typeface="Calibri"/>
+                        </a:defRPr>
+                      </a:lvl2pPr>
+                      <a:lvl3pPr marL="914400" algn="l" defTabSz="914400" rtl="0" eaLnBrk="1" latinLnBrk="0" hangingPunct="1">
+                        <a:defRPr sz="1800" kern="1200">
+                          <a:solidFill>
+                            <a:schemeClr val="tx1"/>
+                          </a:solidFill>
+                          <a:latin typeface="Calibri"/>
+                        </a:defRPr>
+                      </a:lvl3pPr>
+                      <a:lvl4pPr marL="1371600" algn="l" defTabSz="914400" rtl="0" eaLnBrk="1" latinLnBrk="0" hangingPunct="1">
+                        <a:defRPr sz="1800" kern="1200">
+                          <a:solidFill>
+                            <a:schemeClr val="tx1"/>
+                          </a:solidFill>
+                          <a:latin typeface="Calibri"/>
+                        </a:defRPr>
+                      </a:lvl4pPr>
+                      <a:lvl5pPr marL="1828800" algn="l" defTabSz="914400" rtl="0" eaLnBrk="1" latinLnBrk="0" hangingPunct="1">
+                        <a:defRPr sz="1800" kern="1200">
+                          <a:solidFill>
+                            <a:schemeClr val="tx1"/>
+                          </a:solidFill>
+                          <a:latin typeface="Calibri"/>
+                        </a:defRPr>
+                      </a:lvl5pPr>
+                      <a:lvl6pPr marL="2286000" algn="l" defTabSz="914400" rtl="0" eaLnBrk="1" latinLnBrk="0" hangingPunct="1">
+                        <a:defRPr sz="1800" kern="1200">
+                          <a:solidFill>
+                            <a:schemeClr val="tx1"/>
+                          </a:solidFill>
+                          <a:latin typeface="Calibri"/>
+                        </a:defRPr>
+                      </a:lvl6pPr>
+                      <a:lvl7pPr marL="2743200" algn="l" defTabSz="914400" rtl="0" eaLnBrk="1" latinLnBrk="0" hangingPunct="1">
+                        <a:defRPr sz="1800" kern="1200">
+                          <a:solidFill>
+                            <a:schemeClr val="tx1"/>
+                          </a:solidFill>
+                          <a:latin typeface="Calibri"/>
+                        </a:defRPr>
+                      </a:lvl7pPr>
+                      <a:lvl8pPr marL="3200400" algn="l" defTabSz="914400" rtl="0" eaLnBrk="1" latinLnBrk="0" hangingPunct="1">
+                        <a:defRPr sz="1800" kern="1200">
+                          <a:solidFill>
+                            <a:schemeClr val="tx1"/>
+                          </a:solidFill>
+                          <a:latin typeface="Calibri"/>
+                        </a:defRPr>
+                      </a:lvl8pPr>
+                      <a:lvl9pPr marL="3657600" algn="l" defTabSz="914400" rtl="0" eaLnBrk="1" latinLnBrk="0" hangingPunct="1">
+                        <a:defRPr sz="1800" kern="1200">
+                          <a:solidFill>
+                            <a:schemeClr val="tx1"/>
+                          </a:solidFill>
+                          <a:latin typeface="Calibri"/>
+                        </a:defRPr>
+                      </a:lvl9pPr>
+                    </a:lstStyle>
+                    <a:p>
+                      <a:pPr algn="l" eaLnBrk="0" hangingPunct="0"/>
+                      <a:r>
+                        <a:rPr lang="zh-CN" altLang="en-US" sz="2400" dirty="0" smtClean="0">
+                          <a:solidFill>
+                            <a:schemeClr val="tx1"/>
+                          </a:solidFill>
+                          <a:latin typeface="微软雅黑" pitchFamily="34" charset="-122"/>
+                          <a:ea typeface="微软雅黑" pitchFamily="34" charset="-122"/>
+                        </a:rPr>
+                        <a:t>心得体会分享</a:t>
+                      </a:r>
+                      <a:endParaRPr lang="en-US" altLang="zh-CN" sz="2400" dirty="0">
+                        <a:solidFill>
+                          <a:schemeClr val="tx1"/>
+                        </a:solidFill>
+                        <a:latin typeface="微软雅黑" pitchFamily="34" charset="-122"/>
+                        <a:ea typeface="微软雅黑" pitchFamily="34" charset="-122"/>
+                      </a:endParaRPr>
+                    </a:p>
+                  </a:txBody>
+                  <a:tcPr anchor="ctr">
+                    <a:lnL>
+                      <a:noFill/>
+                    </a:lnL>
+                    <a:lnR>
+                      <a:noFill/>
+                    </a:lnR>
+                    <a:lnT w="76200" cap="flat" cmpd="sng" algn="ctr">
+                      <a:solidFill>
+                        <a:sysClr val="window" lastClr="FFFFFF"/>
+                      </a:solidFill>
+                      <a:prstDash val="solid"/>
+                      <a:round/>
+                      <a:headEnd type="none" w="med" len="med"/>
+                      <a:tailEnd type="none" w="med" len="med"/>
+                    </a:lnT>
+                    <a:lnB w="76200" cap="flat" cmpd="sng" algn="ctr">
+                      <a:solidFill>
+                        <a:sysClr val="window" lastClr="FFFFFF"/>
+                      </a:solidFill>
+                      <a:prstDash val="solid"/>
+                      <a:round/>
+                      <a:headEnd type="none" w="med" len="med"/>
+                      <a:tailEnd type="none" w="med" len="med"/>
+                    </a:lnB>
+                    <a:lnTlToBr w="12700" cmpd="sng">
+                      <a:noFill/>
+                      <a:prstDash val="solid"/>
+                    </a:lnTlToBr>
+                    <a:lnBlToTr w="12700" cmpd="sng">
+                      <a:noFill/>
+                      <a:prstDash val="solid"/>
+                    </a:lnBlToTr>
+                    <a:solidFill>
+                      <a:srgbClr val="E7E6E6">
+                        <a:lumMod val="90000"/>
+                      </a:srgbClr>
+                    </a:solidFill>
+                  </a:tcPr>
+                </a:tc>
+              </a:tr>
+              <a:tr h="690567">
+                <a:tc>
+                  <a:txBody>
+                    <a:bodyPr/>
+                    <a:lstStyle>
+                      <a:lvl1pPr marL="0" algn="l" defTabSz="914400" rtl="0" eaLnBrk="1" latinLnBrk="0" hangingPunct="1">
+                        <a:defRPr sz="1800" kern="1200">
+                          <a:solidFill>
+                            <a:schemeClr val="tx1"/>
+                          </a:solidFill>
+                          <a:latin typeface="Calibri"/>
+                        </a:defRPr>
+                      </a:lvl1pPr>
+                      <a:lvl2pPr marL="457200" algn="l" defTabSz="914400" rtl="0" eaLnBrk="1" latinLnBrk="0" hangingPunct="1">
+                        <a:defRPr sz="1800" kern="1200">
+                          <a:solidFill>
+                            <a:schemeClr val="tx1"/>
+                          </a:solidFill>
+                          <a:latin typeface="Calibri"/>
+                        </a:defRPr>
+                      </a:lvl2pPr>
+                      <a:lvl3pPr marL="914400" algn="l" defTabSz="914400" rtl="0" eaLnBrk="1" latinLnBrk="0" hangingPunct="1">
+                        <a:defRPr sz="1800" kern="1200">
+                          <a:solidFill>
+                            <a:schemeClr val="tx1"/>
+                          </a:solidFill>
+                          <a:latin typeface="Calibri"/>
+                        </a:defRPr>
+                      </a:lvl3pPr>
+                      <a:lvl4pPr marL="1371600" algn="l" defTabSz="914400" rtl="0" eaLnBrk="1" latinLnBrk="0" hangingPunct="1">
+                        <a:defRPr sz="1800" kern="1200">
+                          <a:solidFill>
+                            <a:schemeClr val="tx1"/>
+                          </a:solidFill>
+                          <a:latin typeface="Calibri"/>
+                        </a:defRPr>
+                      </a:lvl4pPr>
+                      <a:lvl5pPr marL="1828800" algn="l" defTabSz="914400" rtl="0" eaLnBrk="1" latinLnBrk="0" hangingPunct="1">
+                        <a:defRPr sz="1800" kern="1200">
+                          <a:solidFill>
+                            <a:schemeClr val="tx1"/>
+                          </a:solidFill>
+                          <a:latin typeface="Calibri"/>
+                        </a:defRPr>
+                      </a:lvl5pPr>
+                      <a:lvl6pPr marL="2286000" algn="l" defTabSz="914400" rtl="0" eaLnBrk="1" latinLnBrk="0" hangingPunct="1">
+                        <a:defRPr sz="1800" kern="1200">
+                          <a:solidFill>
+                            <a:schemeClr val="tx1"/>
+                          </a:solidFill>
+                          <a:latin typeface="Calibri"/>
+                        </a:defRPr>
+                      </a:lvl6pPr>
+                      <a:lvl7pPr marL="2743200" algn="l" defTabSz="914400" rtl="0" eaLnBrk="1" latinLnBrk="0" hangingPunct="1">
+                        <a:defRPr sz="1800" kern="1200">
+                          <a:solidFill>
+                            <a:schemeClr val="tx1"/>
+                          </a:solidFill>
+                          <a:latin typeface="Calibri"/>
+                        </a:defRPr>
+                      </a:lvl7pPr>
+                      <a:lvl8pPr marL="3200400" algn="l" defTabSz="914400" rtl="0" eaLnBrk="1" latinLnBrk="0" hangingPunct="1">
+                        <a:defRPr sz="1800" kern="1200">
+                          <a:solidFill>
+                            <a:schemeClr val="tx1"/>
+                          </a:solidFill>
+                          <a:latin typeface="Calibri"/>
+                        </a:defRPr>
+                      </a:lvl8pPr>
+                      <a:lvl9pPr marL="3657600" algn="l" defTabSz="914400" rtl="0" eaLnBrk="1" latinLnBrk="0" hangingPunct="1">
+                        <a:defRPr sz="1800" kern="1200">
+                          <a:solidFill>
+                            <a:schemeClr val="tx1"/>
+                          </a:solidFill>
+                          <a:latin typeface="Calibri"/>
+                        </a:defRPr>
+                      </a:lvl9pPr>
+                    </a:lstStyle>
+                    <a:p>
+                      <a:pPr algn="ctr"/>
+                      <a:r>
+                        <a:rPr lang="en-US" altLang="zh-CN" sz="2400" dirty="0" smtClean="0">
+                          <a:solidFill>
+                            <a:schemeClr val="bg1"/>
+                          </a:solidFill>
+                          <a:latin typeface="Bernard MT Condensed" pitchFamily="18" charset="0"/>
+                        </a:rPr>
+                        <a:t>6</a:t>
+                      </a:r>
+                      <a:endParaRPr lang="zh-CN" altLang="en-US" sz="2400" dirty="0">
+                        <a:solidFill>
+                          <a:schemeClr val="bg1"/>
+                        </a:solidFill>
+                        <a:latin typeface="Bernard MT Condensed" pitchFamily="18" charset="0"/>
+                      </a:endParaRPr>
+                    </a:p>
+                  </a:txBody>
+                  <a:tcPr>
+                    <a:lnL>
+                      <a:noFill/>
+                    </a:lnL>
+                    <a:lnR>
+                      <a:noFill/>
+                    </a:lnR>
+                    <a:lnT w="76200" cap="flat" cmpd="sng" algn="ctr">
+                      <a:solidFill>
+                        <a:sysClr val="window" lastClr="FFFFFF"/>
+                      </a:solidFill>
+                      <a:prstDash val="solid"/>
+                      <a:round/>
+                      <a:headEnd type="none" w="med" len="med"/>
+                      <a:tailEnd type="none" w="med" len="med"/>
+                    </a:lnT>
+                    <a:lnB>
+                      <a:noFill/>
+                    </a:lnB>
+                    <a:lnTlToBr w="12700" cmpd="sng">
+                      <a:noFill/>
+                      <a:prstDash val="solid"/>
+                    </a:lnTlToBr>
+                    <a:lnBlToTr w="12700" cmpd="sng">
+                      <a:noFill/>
+                      <a:prstDash val="solid"/>
+                    </a:lnBlToTr>
+                    <a:solidFill>
+                      <a:srgbClr val="C00000"/>
+                    </a:solidFill>
+                  </a:tcPr>
+                </a:tc>
+                <a:tc>
+                  <a:txBody>
+                    <a:bodyPr/>
+                    <a:lstStyle>
+                      <a:lvl1pPr marL="0" algn="l" defTabSz="914400" rtl="0" eaLnBrk="1" latinLnBrk="0" hangingPunct="1">
+                        <a:defRPr sz="1800" kern="1200">
+                          <a:solidFill>
+                            <a:schemeClr val="tx1"/>
+                          </a:solidFill>
+                          <a:latin typeface="Calibri"/>
+                        </a:defRPr>
+                      </a:lvl1pPr>
+                      <a:lvl2pPr marL="457200" algn="l" defTabSz="914400" rtl="0" eaLnBrk="1" latinLnBrk="0" hangingPunct="1">
+                        <a:defRPr sz="1800" kern="1200">
+                          <a:solidFill>
+                            <a:schemeClr val="tx1"/>
+                          </a:solidFill>
+                          <a:latin typeface="Calibri"/>
+                        </a:defRPr>
+                      </a:lvl2pPr>
+                      <a:lvl3pPr marL="914400" algn="l" defTabSz="914400" rtl="0" eaLnBrk="1" latinLnBrk="0" hangingPunct="1">
+                        <a:defRPr sz="1800" kern="1200">
+                          <a:solidFill>
+                            <a:schemeClr val="tx1"/>
+                          </a:solidFill>
+                          <a:latin typeface="Calibri"/>
+                        </a:defRPr>
+                      </a:lvl3pPr>
+                      <a:lvl4pPr marL="1371600" algn="l" defTabSz="914400" rtl="0" eaLnBrk="1" latinLnBrk="0" hangingPunct="1">
+                        <a:defRPr sz="1800" kern="1200">
+                          <a:solidFill>
+                            <a:schemeClr val="tx1"/>
+                          </a:solidFill>
+                          <a:latin typeface="Calibri"/>
+                        </a:defRPr>
+                      </a:lvl4pPr>
+                      <a:lvl5pPr marL="1828800" algn="l" defTabSz="914400" rtl="0" eaLnBrk="1" latinLnBrk="0" hangingPunct="1">
+                        <a:defRPr sz="1800" kern="1200">
+                          <a:solidFill>
+                            <a:schemeClr val="tx1"/>
+                          </a:solidFill>
+                          <a:latin typeface="Calibri"/>
+                        </a:defRPr>
+                      </a:lvl5pPr>
+                      <a:lvl6pPr marL="2286000" algn="l" defTabSz="914400" rtl="0" eaLnBrk="1" latinLnBrk="0" hangingPunct="1">
+                        <a:defRPr sz="1800" kern="1200">
+                          <a:solidFill>
+                            <a:schemeClr val="tx1"/>
+                          </a:solidFill>
+                          <a:latin typeface="Calibri"/>
+                        </a:defRPr>
+                      </a:lvl6pPr>
+                      <a:lvl7pPr marL="2743200" algn="l" defTabSz="914400" rtl="0" eaLnBrk="1" latinLnBrk="0" hangingPunct="1">
+                        <a:defRPr sz="1800" kern="1200">
+                          <a:solidFill>
+                            <a:schemeClr val="tx1"/>
+                          </a:solidFill>
+                          <a:latin typeface="Calibri"/>
+                        </a:defRPr>
+                      </a:lvl7pPr>
+                      <a:lvl8pPr marL="3200400" algn="l" defTabSz="914400" rtl="0" eaLnBrk="1" latinLnBrk="0" hangingPunct="1">
+                        <a:defRPr sz="1800" kern="1200">
+                          <a:solidFill>
+                            <a:schemeClr val="tx1"/>
+                          </a:solidFill>
+                          <a:latin typeface="Calibri"/>
+                        </a:defRPr>
+                      </a:lvl8pPr>
+                      <a:lvl9pPr marL="3657600" algn="l" defTabSz="914400" rtl="0" eaLnBrk="1" latinLnBrk="0" hangingPunct="1">
+                        <a:defRPr sz="1800" kern="1200">
+                          <a:solidFill>
+                            <a:schemeClr val="tx1"/>
+                          </a:solidFill>
+                          <a:latin typeface="Calibri"/>
+                        </a:defRPr>
+                      </a:lvl9pPr>
+                    </a:lstStyle>
+                    <a:p>
+                      <a:pPr algn="l" eaLnBrk="0" hangingPunct="0"/>
+                      <a:r>
+                        <a:rPr lang="zh-CN" altLang="en-US" sz="2400" dirty="0" smtClean="0">
+                          <a:solidFill>
+                            <a:srgbClr val="FF0000"/>
+                          </a:solidFill>
+                          <a:latin typeface="微软雅黑" pitchFamily="34" charset="-122"/>
+                          <a:ea typeface="微软雅黑" pitchFamily="34" charset="-122"/>
+                        </a:rPr>
+                        <a:t>后续职业规划</a:t>
+                      </a:r>
+                      <a:endParaRPr lang="en-US" altLang="zh-CN" sz="2400" dirty="0">
+                        <a:solidFill>
+                          <a:srgbClr val="FF0000"/>
+                        </a:solidFill>
+                        <a:latin typeface="微软雅黑" pitchFamily="34" charset="-122"/>
+                        <a:ea typeface="微软雅黑" pitchFamily="34" charset="-122"/>
+                      </a:endParaRPr>
+                    </a:p>
+                  </a:txBody>
+                  <a:tcPr anchor="ctr">
+                    <a:lnL>
+                      <a:noFill/>
+                    </a:lnL>
+                    <a:lnR>
+                      <a:noFill/>
+                    </a:lnR>
+                    <a:lnT w="76200" cap="flat" cmpd="sng" algn="ctr">
+                      <a:solidFill>
+                        <a:sysClr val="window" lastClr="FFFFFF"/>
+                      </a:solidFill>
+                      <a:prstDash val="solid"/>
+                      <a:round/>
+                      <a:headEnd type="none" w="med" len="med"/>
+                      <a:tailEnd type="none" w="med" len="med"/>
+                    </a:lnT>
+                    <a:lnB>
+                      <a:noFill/>
+                    </a:lnB>
+                    <a:lnTlToBr w="12700" cmpd="sng">
+                      <a:noFill/>
+                      <a:prstDash val="solid"/>
+                    </a:lnTlToBr>
+                    <a:lnBlToTr w="12700" cmpd="sng">
+                      <a:noFill/>
+                      <a:prstDash val="solid"/>
+                    </a:lnBlToTr>
+                    <a:solidFill>
+                      <a:srgbClr val="E7E6E6">
+                        <a:lumMod val="90000"/>
+                      </a:srgbClr>
+                    </a:solidFill>
+                  </a:tcPr>
+                </a:tc>
+              </a:tr>
+            </a:tbl>
+          </a:graphicData>
+        </a:graphic>
+      </p:graphicFrame>
     </p:spTree>
     <p:extLst>
       <p:ext uri="{BB962C8B-B14F-4D97-AF65-F5344CB8AC3E}">
-        <p14:creationId xmlns:p14="http://schemas.microsoft.com/office/powerpoint/2010/main" val="682242847"/>
+        <p14:creationId xmlns:p14="http://schemas.microsoft.com/office/powerpoint/2010/main" val="1907678392"/>
       </p:ext>
     </p:extLst>
   </p:cSld>
@@ -22590,2631 +25037,6 @@
       </p:grpSpPr>
       <p:sp>
         <p:nvSpPr>
-          <p:cNvPr id="23" name="标题 1"/>
-          <p:cNvSpPr txBox="1">
-            <a:spLocks/>
-          </p:cNvSpPr>
-          <p:nvPr/>
-        </p:nvSpPr>
-        <p:spPr>
-          <a:xfrm>
-            <a:off x="214282" y="214290"/>
-            <a:ext cx="3453225" cy="384175"/>
-          </a:xfrm>
-          <a:prstGeom prst="rect">
-            <a:avLst/>
-          </a:prstGeom>
-        </p:spPr>
-        <p:txBody>
-          <a:bodyPr vert="horz" lIns="180000" tIns="45720" rIns="180000" bIns="45720" rtlCol="0" anchor="ctr">
-            <a:noAutofit/>
-          </a:bodyPr>
-          <a:lstStyle>
-            <a:lvl1pPr algn="l" defTabSz="685800" rtl="0" eaLnBrk="1" latinLnBrk="0" hangingPunct="1">
-              <a:lnSpc>
-                <a:spcPct val="90000"/>
-              </a:lnSpc>
-              <a:spcBef>
-                <a:spcPct val="0"/>
-              </a:spcBef>
-              <a:buNone/>
-              <a:defRPr sz="3300" kern="1200">
-                <a:solidFill>
-                  <a:schemeClr val="tx1"/>
-                </a:solidFill>
-                <a:latin typeface="+mj-lt"/>
-                <a:ea typeface="+mj-ea"/>
-                <a:cs typeface="+mj-cs"/>
-              </a:defRPr>
-            </a:lvl1pPr>
-          </a:lstStyle>
-          <a:p>
-            <a:pPr fontAlgn="auto">
-              <a:spcAft>
-                <a:spcPts val="0"/>
-              </a:spcAft>
-              <a:defRPr/>
-            </a:pPr>
-            <a:r>
-              <a:rPr lang="zh-CN" altLang="en-US" sz="2400" smtClean="0">
-                <a:latin typeface="微软雅黑" pitchFamily="34" charset="-122"/>
-                <a:ea typeface="微软雅黑" pitchFamily="34" charset="-122"/>
-              </a:rPr>
-              <a:t>目录</a:t>
-            </a:r>
-            <a:endParaRPr lang="zh-CN" altLang="en-US" sz="2400" dirty="0">
-              <a:latin typeface="微软雅黑" pitchFamily="34" charset="-122"/>
-              <a:ea typeface="微软雅黑" pitchFamily="34" charset="-122"/>
-            </a:endParaRPr>
-          </a:p>
-        </p:txBody>
-      </p:sp>
-      <p:sp>
-        <p:nvSpPr>
-          <p:cNvPr id="24" name="灯片编号占位符 2"/>
-          <p:cNvSpPr txBox="1">
-            <a:spLocks/>
-          </p:cNvSpPr>
-          <p:nvPr/>
-        </p:nvSpPr>
-        <p:spPr bwMode="auto">
-          <a:xfrm>
-            <a:off x="8459788" y="6597650"/>
-            <a:ext cx="595312" cy="144463"/>
-          </a:xfrm>
-          <a:prstGeom prst="rect">
-            <a:avLst/>
-          </a:prstGeom>
-          <a:noFill/>
-          <a:ln>
-            <a:miter lim="800000"/>
-            <a:headEnd/>
-            <a:tailEnd/>
-          </a:ln>
-        </p:spPr>
-        <p:txBody>
-          <a:bodyPr vert="horz" wrap="square" lIns="91440" tIns="45720" rIns="91440" bIns="45720" numCol="1" rtlCol="0" anchor="ctr" anchorCtr="0" compatLnSpc="1">
-            <a:prstTxWarp prst="textNoShape">
-              <a:avLst/>
-            </a:prstTxWarp>
-          </a:bodyPr>
-          <a:lstStyle>
-            <a:defPPr>
-              <a:defRPr lang="zh-CN"/>
-            </a:defPPr>
-            <a:lvl1pPr marL="0" algn="r" defTabSz="914400" rtl="0" eaLnBrk="1" latinLnBrk="0" hangingPunct="1">
-              <a:defRPr sz="1400" b="1" kern="1200">
-                <a:solidFill>
-                  <a:schemeClr val="tx1">
-                    <a:tint val="75000"/>
-                  </a:schemeClr>
-                </a:solidFill>
-                <a:latin typeface="微软雅黑" pitchFamily="34" charset="-122"/>
-                <a:ea typeface="微软雅黑" pitchFamily="34" charset="-122"/>
-                <a:cs typeface="+mn-cs"/>
-              </a:defRPr>
-            </a:lvl1pPr>
-            <a:lvl2pPr marL="457200" algn="l" defTabSz="914400" rtl="0" eaLnBrk="1" latinLnBrk="0" hangingPunct="1">
-              <a:defRPr sz="1800" kern="1200">
-                <a:solidFill>
-                  <a:schemeClr val="tx1"/>
-                </a:solidFill>
-                <a:latin typeface="+mn-lt"/>
-                <a:ea typeface="+mn-ea"/>
-                <a:cs typeface="+mn-cs"/>
-              </a:defRPr>
-            </a:lvl2pPr>
-            <a:lvl3pPr marL="914400" algn="l" defTabSz="914400" rtl="0" eaLnBrk="1" latinLnBrk="0" hangingPunct="1">
-              <a:defRPr sz="1800" kern="1200">
-                <a:solidFill>
-                  <a:schemeClr val="tx1"/>
-                </a:solidFill>
-                <a:latin typeface="+mn-lt"/>
-                <a:ea typeface="+mn-ea"/>
-                <a:cs typeface="+mn-cs"/>
-              </a:defRPr>
-            </a:lvl3pPr>
-            <a:lvl4pPr marL="1371600" algn="l" defTabSz="914400" rtl="0" eaLnBrk="1" latinLnBrk="0" hangingPunct="1">
-              <a:defRPr sz="1800" kern="1200">
-                <a:solidFill>
-                  <a:schemeClr val="tx1"/>
-                </a:solidFill>
-                <a:latin typeface="+mn-lt"/>
-                <a:ea typeface="+mn-ea"/>
-                <a:cs typeface="+mn-cs"/>
-              </a:defRPr>
-            </a:lvl4pPr>
-            <a:lvl5pPr marL="1828800" algn="l" defTabSz="914400" rtl="0" eaLnBrk="1" latinLnBrk="0" hangingPunct="1">
-              <a:defRPr sz="1800" kern="1200">
-                <a:solidFill>
-                  <a:schemeClr val="tx1"/>
-                </a:solidFill>
-                <a:latin typeface="+mn-lt"/>
-                <a:ea typeface="+mn-ea"/>
-                <a:cs typeface="+mn-cs"/>
-              </a:defRPr>
-            </a:lvl5pPr>
-            <a:lvl6pPr marL="2286000" algn="l" defTabSz="914400" rtl="0" eaLnBrk="1" latinLnBrk="0" hangingPunct="1">
-              <a:defRPr sz="1800" kern="1200">
-                <a:solidFill>
-                  <a:schemeClr val="tx1"/>
-                </a:solidFill>
-                <a:latin typeface="+mn-lt"/>
-                <a:ea typeface="+mn-ea"/>
-                <a:cs typeface="+mn-cs"/>
-              </a:defRPr>
-            </a:lvl6pPr>
-            <a:lvl7pPr marL="2743200" algn="l" defTabSz="914400" rtl="0" eaLnBrk="1" latinLnBrk="0" hangingPunct="1">
-              <a:defRPr sz="1800" kern="1200">
-                <a:solidFill>
-                  <a:schemeClr val="tx1"/>
-                </a:solidFill>
-                <a:latin typeface="+mn-lt"/>
-                <a:ea typeface="+mn-ea"/>
-                <a:cs typeface="+mn-cs"/>
-              </a:defRPr>
-            </a:lvl7pPr>
-            <a:lvl8pPr marL="3200400" algn="l" defTabSz="914400" rtl="0" eaLnBrk="1" latinLnBrk="0" hangingPunct="1">
-              <a:defRPr sz="1800" kern="1200">
-                <a:solidFill>
-                  <a:schemeClr val="tx1"/>
-                </a:solidFill>
-                <a:latin typeface="+mn-lt"/>
-                <a:ea typeface="+mn-ea"/>
-                <a:cs typeface="+mn-cs"/>
-              </a:defRPr>
-            </a:lvl8pPr>
-            <a:lvl9pPr marL="3657600" algn="l" defTabSz="914400" rtl="0" eaLnBrk="1" latinLnBrk="0" hangingPunct="1">
-              <a:defRPr sz="1800" kern="1200">
-                <a:solidFill>
-                  <a:schemeClr val="tx1"/>
-                </a:solidFill>
-                <a:latin typeface="+mn-lt"/>
-                <a:ea typeface="+mn-ea"/>
-                <a:cs typeface="+mn-cs"/>
-              </a:defRPr>
-            </a:lvl9pPr>
-          </a:lstStyle>
-          <a:p>
-            <a:pPr marL="0" marR="0" lvl="0" indent="0" algn="r" defTabSz="914400" rtl="0" eaLnBrk="1" fontAlgn="base" latinLnBrk="0" hangingPunct="1">
-              <a:lnSpc>
-                <a:spcPct val="100000"/>
-              </a:lnSpc>
-              <a:spcBef>
-                <a:spcPct val="0"/>
-              </a:spcBef>
-              <a:spcAft>
-                <a:spcPct val="0"/>
-              </a:spcAft>
-              <a:buClrTx/>
-              <a:buSzTx/>
-              <a:buFontTx/>
-              <a:buNone/>
-              <a:tabLst/>
-              <a:defRPr/>
-            </a:pPr>
-            <a:fld id="{5B59D616-FE6A-4DB8-9F4D-77EC00044CC1}" type="slidenum">
-              <a:rPr kumimoji="0" lang="zh-CN" altLang="en-US" sz="1400" b="1" i="0" u="none" strike="noStrike" kern="1200" cap="none" spc="0" normalizeH="0" baseline="0" noProof="0" smtClean="0">
-                <a:ln>
-                  <a:noFill/>
-                </a:ln>
-                <a:solidFill>
-                  <a:prstClr val="black">
-                    <a:tint val="75000"/>
-                  </a:prstClr>
-                </a:solidFill>
-                <a:effectLst/>
-                <a:uLnTx/>
-                <a:uFillTx/>
-                <a:latin typeface="微软雅黑" pitchFamily="34" charset="-122"/>
-                <a:ea typeface="微软雅黑" pitchFamily="34" charset="-122"/>
-                <a:cs typeface="+mn-cs"/>
-              </a:rPr>
-              <a:pPr marL="0" marR="0" lvl="0" indent="0" algn="r" defTabSz="914400" rtl="0" eaLnBrk="1" fontAlgn="base" latinLnBrk="0" hangingPunct="1">
-                <a:lnSpc>
-                  <a:spcPct val="100000"/>
-                </a:lnSpc>
-                <a:spcBef>
-                  <a:spcPct val="0"/>
-                </a:spcBef>
-                <a:spcAft>
-                  <a:spcPct val="0"/>
-                </a:spcAft>
-                <a:buClrTx/>
-                <a:buSzTx/>
-                <a:buFontTx/>
-                <a:buNone/>
-                <a:tabLst/>
-                <a:defRPr/>
-              </a:pPr>
-              <a:t>30</a:t>
-            </a:fld>
-            <a:endParaRPr kumimoji="0" lang="zh-CN" altLang="en-US" sz="1400" b="1" i="0" u="none" strike="noStrike" kern="1200" cap="none" spc="0" normalizeH="0" baseline="0" noProof="0" dirty="0" smtClean="0">
-              <a:ln>
-                <a:noFill/>
-              </a:ln>
-              <a:solidFill>
-                <a:prstClr val="black">
-                  <a:tint val="75000"/>
-                </a:prstClr>
-              </a:solidFill>
-              <a:effectLst/>
-              <a:uLnTx/>
-              <a:uFillTx/>
-              <a:latin typeface="微软雅黑" pitchFamily="34" charset="-122"/>
-              <a:ea typeface="微软雅黑" pitchFamily="34" charset="-122"/>
-              <a:cs typeface="+mn-cs"/>
-            </a:endParaRPr>
-          </a:p>
-        </p:txBody>
-      </p:sp>
-      <p:grpSp>
-        <p:nvGrpSpPr>
-          <p:cNvPr id="25" name="组合 9"/>
-          <p:cNvGrpSpPr>
-            <a:grpSpLocks/>
-          </p:cNvGrpSpPr>
-          <p:nvPr/>
-        </p:nvGrpSpPr>
-        <p:grpSpPr bwMode="auto">
-          <a:xfrm>
-            <a:off x="0" y="0"/>
-            <a:ext cx="0" cy="0"/>
-            <a:chOff x="0" y="0"/>
-            <a:chExt cx="35" cy="79"/>
-          </a:xfrm>
-        </p:grpSpPr>
-        <p:sp>
-          <p:nvSpPr>
-            <p:cNvPr id="26" name="Line 3"/>
-            <p:cNvSpPr>
-              <a:spLocks noChangeShapeType="1"/>
-            </p:cNvSpPr>
-            <p:nvPr/>
-          </p:nvSpPr>
-          <p:spPr bwMode="auto">
-            <a:xfrm>
-              <a:off x="0" y="0"/>
-              <a:ext cx="35" cy="79"/>
-            </a:xfrm>
-            <a:prstGeom prst="line">
-              <a:avLst/>
-            </a:prstGeom>
-            <a:noFill/>
-            <a:ln w="9525">
-              <a:solidFill>
-                <a:srgbClr val="000000"/>
-              </a:solidFill>
-              <a:round/>
-              <a:headEnd/>
-              <a:tailEnd/>
-            </a:ln>
-          </p:spPr>
-          <p:txBody>
-            <a:bodyPr/>
-            <a:lstStyle/>
-            <a:p>
-              <a:pPr fontAlgn="auto">
-                <a:spcBef>
-                  <a:spcPts val="0"/>
-                </a:spcBef>
-                <a:spcAft>
-                  <a:spcPts val="0"/>
-                </a:spcAft>
-              </a:pPr>
-              <a:endParaRPr lang="zh-CN" altLang="en-US">
-                <a:solidFill>
-                  <a:prstClr val="black"/>
-                </a:solidFill>
-                <a:latin typeface="微软雅黑" pitchFamily="34" charset="-122"/>
-                <a:ea typeface="微软雅黑" pitchFamily="34" charset="-122"/>
-              </a:endParaRPr>
-            </a:p>
-          </p:txBody>
-        </p:sp>
-        <p:sp>
-          <p:nvSpPr>
-            <p:cNvPr id="27" name="Line 4"/>
-            <p:cNvSpPr>
-              <a:spLocks noChangeShapeType="1"/>
-            </p:cNvSpPr>
-            <p:nvPr/>
-          </p:nvSpPr>
-          <p:spPr bwMode="auto">
-            <a:xfrm>
-              <a:off x="35" y="79"/>
-              <a:ext cx="95" cy="0"/>
-            </a:xfrm>
-            <a:prstGeom prst="line">
-              <a:avLst/>
-            </a:prstGeom>
-            <a:noFill/>
-            <a:ln w="9525">
-              <a:solidFill>
-                <a:srgbClr val="000000"/>
-              </a:solidFill>
-              <a:round/>
-              <a:headEnd/>
-              <a:tailEnd/>
-            </a:ln>
-          </p:spPr>
-          <p:txBody>
-            <a:bodyPr/>
-            <a:lstStyle/>
-            <a:p>
-              <a:pPr fontAlgn="auto">
-                <a:spcBef>
-                  <a:spcPts val="0"/>
-                </a:spcBef>
-                <a:spcAft>
-                  <a:spcPts val="0"/>
-                </a:spcAft>
-              </a:pPr>
-              <a:endParaRPr lang="zh-CN" altLang="en-US">
-                <a:solidFill>
-                  <a:prstClr val="black"/>
-                </a:solidFill>
-                <a:latin typeface="微软雅黑" pitchFamily="34" charset="-122"/>
-                <a:ea typeface="微软雅黑" pitchFamily="34" charset="-122"/>
-              </a:endParaRPr>
-            </a:p>
-          </p:txBody>
-        </p:sp>
-      </p:grpSp>
-      <p:grpSp>
-        <p:nvGrpSpPr>
-          <p:cNvPr id="28" name="组合 12"/>
-          <p:cNvGrpSpPr>
-            <a:grpSpLocks/>
-          </p:cNvGrpSpPr>
-          <p:nvPr/>
-        </p:nvGrpSpPr>
-        <p:grpSpPr bwMode="auto">
-          <a:xfrm>
-            <a:off x="0" y="0"/>
-            <a:ext cx="0" cy="0"/>
-            <a:chOff x="0" y="0"/>
-            <a:chExt cx="35" cy="79"/>
-          </a:xfrm>
-        </p:grpSpPr>
-        <p:sp>
-          <p:nvSpPr>
-            <p:cNvPr id="29" name="Line 13"/>
-            <p:cNvSpPr>
-              <a:spLocks noChangeShapeType="1"/>
-            </p:cNvSpPr>
-            <p:nvPr/>
-          </p:nvSpPr>
-          <p:spPr bwMode="auto">
-            <a:xfrm>
-              <a:off x="0" y="0"/>
-              <a:ext cx="35" cy="79"/>
-            </a:xfrm>
-            <a:prstGeom prst="line">
-              <a:avLst/>
-            </a:prstGeom>
-            <a:noFill/>
-            <a:ln w="9525">
-              <a:solidFill>
-                <a:srgbClr val="000000"/>
-              </a:solidFill>
-              <a:round/>
-              <a:headEnd/>
-              <a:tailEnd/>
-            </a:ln>
-          </p:spPr>
-          <p:txBody>
-            <a:bodyPr/>
-            <a:lstStyle/>
-            <a:p>
-              <a:pPr fontAlgn="auto">
-                <a:spcBef>
-                  <a:spcPts val="0"/>
-                </a:spcBef>
-                <a:spcAft>
-                  <a:spcPts val="0"/>
-                </a:spcAft>
-              </a:pPr>
-              <a:endParaRPr lang="zh-CN" altLang="en-US">
-                <a:solidFill>
-                  <a:prstClr val="black"/>
-                </a:solidFill>
-                <a:latin typeface="微软雅黑" pitchFamily="34" charset="-122"/>
-                <a:ea typeface="微软雅黑" pitchFamily="34" charset="-122"/>
-              </a:endParaRPr>
-            </a:p>
-          </p:txBody>
-        </p:sp>
-        <p:sp>
-          <p:nvSpPr>
-            <p:cNvPr id="30" name="Line 14"/>
-            <p:cNvSpPr>
-              <a:spLocks noChangeShapeType="1"/>
-            </p:cNvSpPr>
-            <p:nvPr/>
-          </p:nvSpPr>
-          <p:spPr bwMode="auto">
-            <a:xfrm>
-              <a:off x="35" y="79"/>
-              <a:ext cx="95" cy="0"/>
-            </a:xfrm>
-            <a:prstGeom prst="line">
-              <a:avLst/>
-            </a:prstGeom>
-            <a:noFill/>
-            <a:ln w="9525">
-              <a:solidFill>
-                <a:srgbClr val="000000"/>
-              </a:solidFill>
-              <a:round/>
-              <a:headEnd/>
-              <a:tailEnd/>
-            </a:ln>
-          </p:spPr>
-          <p:txBody>
-            <a:bodyPr/>
-            <a:lstStyle/>
-            <a:p>
-              <a:pPr fontAlgn="auto">
-                <a:spcBef>
-                  <a:spcPts val="0"/>
-                </a:spcBef>
-                <a:spcAft>
-                  <a:spcPts val="0"/>
-                </a:spcAft>
-              </a:pPr>
-              <a:endParaRPr lang="zh-CN" altLang="en-US">
-                <a:solidFill>
-                  <a:prstClr val="black"/>
-                </a:solidFill>
-                <a:latin typeface="微软雅黑" pitchFamily="34" charset="-122"/>
-                <a:ea typeface="微软雅黑" pitchFamily="34" charset="-122"/>
-              </a:endParaRPr>
-            </a:p>
-          </p:txBody>
-        </p:sp>
-      </p:grpSp>
-      <p:grpSp>
-        <p:nvGrpSpPr>
-          <p:cNvPr id="31" name="组合 16"/>
-          <p:cNvGrpSpPr>
-            <a:grpSpLocks/>
-          </p:cNvGrpSpPr>
-          <p:nvPr/>
-        </p:nvGrpSpPr>
-        <p:grpSpPr bwMode="auto">
-          <a:xfrm>
-            <a:off x="0" y="0"/>
-            <a:ext cx="0" cy="0"/>
-            <a:chOff x="0" y="0"/>
-            <a:chExt cx="35" cy="79"/>
-          </a:xfrm>
-        </p:grpSpPr>
-        <p:sp>
-          <p:nvSpPr>
-            <p:cNvPr id="32" name="Line 18"/>
-            <p:cNvSpPr>
-              <a:spLocks noChangeShapeType="1"/>
-            </p:cNvSpPr>
-            <p:nvPr/>
-          </p:nvSpPr>
-          <p:spPr bwMode="auto">
-            <a:xfrm>
-              <a:off x="0" y="0"/>
-              <a:ext cx="35" cy="79"/>
-            </a:xfrm>
-            <a:prstGeom prst="line">
-              <a:avLst/>
-            </a:prstGeom>
-            <a:noFill/>
-            <a:ln w="9525">
-              <a:solidFill>
-                <a:srgbClr val="000000"/>
-              </a:solidFill>
-              <a:round/>
-              <a:headEnd/>
-              <a:tailEnd/>
-            </a:ln>
-          </p:spPr>
-          <p:txBody>
-            <a:bodyPr/>
-            <a:lstStyle/>
-            <a:p>
-              <a:pPr fontAlgn="auto">
-                <a:spcBef>
-                  <a:spcPts val="0"/>
-                </a:spcBef>
-                <a:spcAft>
-                  <a:spcPts val="0"/>
-                </a:spcAft>
-              </a:pPr>
-              <a:endParaRPr lang="zh-CN" altLang="en-US">
-                <a:solidFill>
-                  <a:prstClr val="black"/>
-                </a:solidFill>
-                <a:latin typeface="微软雅黑" pitchFamily="34" charset="-122"/>
-                <a:ea typeface="微软雅黑" pitchFamily="34" charset="-122"/>
-              </a:endParaRPr>
-            </a:p>
-          </p:txBody>
-        </p:sp>
-        <p:sp>
-          <p:nvSpPr>
-            <p:cNvPr id="33" name="Line 19"/>
-            <p:cNvSpPr>
-              <a:spLocks noChangeShapeType="1"/>
-            </p:cNvSpPr>
-            <p:nvPr/>
-          </p:nvSpPr>
-          <p:spPr bwMode="auto">
-            <a:xfrm>
-              <a:off x="35" y="79"/>
-              <a:ext cx="95" cy="0"/>
-            </a:xfrm>
-            <a:prstGeom prst="line">
-              <a:avLst/>
-            </a:prstGeom>
-            <a:noFill/>
-            <a:ln w="9525">
-              <a:solidFill>
-                <a:srgbClr val="000000"/>
-              </a:solidFill>
-              <a:round/>
-              <a:headEnd/>
-              <a:tailEnd/>
-            </a:ln>
-          </p:spPr>
-          <p:txBody>
-            <a:bodyPr/>
-            <a:lstStyle/>
-            <a:p>
-              <a:pPr fontAlgn="auto">
-                <a:spcBef>
-                  <a:spcPts val="0"/>
-                </a:spcBef>
-                <a:spcAft>
-                  <a:spcPts val="0"/>
-                </a:spcAft>
-              </a:pPr>
-              <a:endParaRPr lang="zh-CN" altLang="en-US">
-                <a:solidFill>
-                  <a:prstClr val="black"/>
-                </a:solidFill>
-                <a:latin typeface="微软雅黑" pitchFamily="34" charset="-122"/>
-                <a:ea typeface="微软雅黑" pitchFamily="34" charset="-122"/>
-              </a:endParaRPr>
-            </a:p>
-          </p:txBody>
-        </p:sp>
-      </p:grpSp>
-      <p:grpSp>
-        <p:nvGrpSpPr>
-          <p:cNvPr id="34" name="组合 19"/>
-          <p:cNvGrpSpPr>
-            <a:grpSpLocks/>
-          </p:cNvGrpSpPr>
-          <p:nvPr/>
-        </p:nvGrpSpPr>
-        <p:grpSpPr bwMode="auto">
-          <a:xfrm>
-            <a:off x="0" y="0"/>
-            <a:ext cx="0" cy="0"/>
-            <a:chOff x="0" y="0"/>
-            <a:chExt cx="35" cy="79"/>
-          </a:xfrm>
-        </p:grpSpPr>
-        <p:sp>
-          <p:nvSpPr>
-            <p:cNvPr id="35" name="Line 23"/>
-            <p:cNvSpPr>
-              <a:spLocks noChangeShapeType="1"/>
-            </p:cNvSpPr>
-            <p:nvPr/>
-          </p:nvSpPr>
-          <p:spPr bwMode="auto">
-            <a:xfrm>
-              <a:off x="0" y="0"/>
-              <a:ext cx="35" cy="79"/>
-            </a:xfrm>
-            <a:prstGeom prst="line">
-              <a:avLst/>
-            </a:prstGeom>
-            <a:noFill/>
-            <a:ln w="9525">
-              <a:solidFill>
-                <a:srgbClr val="000000"/>
-              </a:solidFill>
-              <a:round/>
-              <a:headEnd/>
-              <a:tailEnd/>
-            </a:ln>
-          </p:spPr>
-          <p:txBody>
-            <a:bodyPr/>
-            <a:lstStyle/>
-            <a:p>
-              <a:pPr fontAlgn="auto">
-                <a:spcBef>
-                  <a:spcPts val="0"/>
-                </a:spcBef>
-                <a:spcAft>
-                  <a:spcPts val="0"/>
-                </a:spcAft>
-              </a:pPr>
-              <a:endParaRPr lang="zh-CN" altLang="en-US">
-                <a:solidFill>
-                  <a:prstClr val="black"/>
-                </a:solidFill>
-                <a:latin typeface="微软雅黑" pitchFamily="34" charset="-122"/>
-                <a:ea typeface="微软雅黑" pitchFamily="34" charset="-122"/>
-              </a:endParaRPr>
-            </a:p>
-          </p:txBody>
-        </p:sp>
-        <p:sp>
-          <p:nvSpPr>
-            <p:cNvPr id="36" name="Line 24"/>
-            <p:cNvSpPr>
-              <a:spLocks noChangeShapeType="1"/>
-            </p:cNvSpPr>
-            <p:nvPr/>
-          </p:nvSpPr>
-          <p:spPr bwMode="auto">
-            <a:xfrm>
-              <a:off x="35" y="79"/>
-              <a:ext cx="95" cy="0"/>
-            </a:xfrm>
-            <a:prstGeom prst="line">
-              <a:avLst/>
-            </a:prstGeom>
-            <a:noFill/>
-            <a:ln w="9525">
-              <a:solidFill>
-                <a:srgbClr val="000000"/>
-              </a:solidFill>
-              <a:round/>
-              <a:headEnd/>
-              <a:tailEnd/>
-            </a:ln>
-          </p:spPr>
-          <p:txBody>
-            <a:bodyPr/>
-            <a:lstStyle/>
-            <a:p>
-              <a:pPr fontAlgn="auto">
-                <a:spcBef>
-                  <a:spcPts val="0"/>
-                </a:spcBef>
-                <a:spcAft>
-                  <a:spcPts val="0"/>
-                </a:spcAft>
-              </a:pPr>
-              <a:endParaRPr lang="zh-CN" altLang="en-US">
-                <a:solidFill>
-                  <a:prstClr val="black"/>
-                </a:solidFill>
-                <a:latin typeface="微软雅黑" pitchFamily="34" charset="-122"/>
-                <a:ea typeface="微软雅黑" pitchFamily="34" charset="-122"/>
-              </a:endParaRPr>
-            </a:p>
-          </p:txBody>
-        </p:sp>
-      </p:grpSp>
-      <p:grpSp>
-        <p:nvGrpSpPr>
-          <p:cNvPr id="37" name="组合 23"/>
-          <p:cNvGrpSpPr>
-            <a:grpSpLocks/>
-          </p:cNvGrpSpPr>
-          <p:nvPr/>
-        </p:nvGrpSpPr>
-        <p:grpSpPr bwMode="auto">
-          <a:xfrm>
-            <a:off x="0" y="0"/>
-            <a:ext cx="0" cy="0"/>
-            <a:chOff x="0" y="0"/>
-            <a:chExt cx="35" cy="79"/>
-          </a:xfrm>
-        </p:grpSpPr>
-        <p:sp>
-          <p:nvSpPr>
-            <p:cNvPr id="38" name="Line 47"/>
-            <p:cNvSpPr>
-              <a:spLocks noChangeShapeType="1"/>
-            </p:cNvSpPr>
-            <p:nvPr/>
-          </p:nvSpPr>
-          <p:spPr bwMode="auto">
-            <a:xfrm>
-              <a:off x="0" y="0"/>
-              <a:ext cx="35" cy="79"/>
-            </a:xfrm>
-            <a:prstGeom prst="line">
-              <a:avLst/>
-            </a:prstGeom>
-            <a:noFill/>
-            <a:ln w="9525">
-              <a:solidFill>
-                <a:srgbClr val="000000"/>
-              </a:solidFill>
-              <a:round/>
-              <a:headEnd/>
-              <a:tailEnd/>
-            </a:ln>
-          </p:spPr>
-          <p:txBody>
-            <a:bodyPr/>
-            <a:lstStyle/>
-            <a:p>
-              <a:pPr fontAlgn="auto">
-                <a:spcBef>
-                  <a:spcPts val="0"/>
-                </a:spcBef>
-                <a:spcAft>
-                  <a:spcPts val="0"/>
-                </a:spcAft>
-              </a:pPr>
-              <a:endParaRPr lang="zh-CN" altLang="en-US">
-                <a:solidFill>
-                  <a:prstClr val="black"/>
-                </a:solidFill>
-                <a:latin typeface="微软雅黑" pitchFamily="34" charset="-122"/>
-                <a:ea typeface="微软雅黑" pitchFamily="34" charset="-122"/>
-              </a:endParaRPr>
-            </a:p>
-          </p:txBody>
-        </p:sp>
-        <p:sp>
-          <p:nvSpPr>
-            <p:cNvPr id="39" name="Line 48"/>
-            <p:cNvSpPr>
-              <a:spLocks noChangeShapeType="1"/>
-            </p:cNvSpPr>
-            <p:nvPr/>
-          </p:nvSpPr>
-          <p:spPr bwMode="auto">
-            <a:xfrm>
-              <a:off x="35" y="79"/>
-              <a:ext cx="95" cy="0"/>
-            </a:xfrm>
-            <a:prstGeom prst="line">
-              <a:avLst/>
-            </a:prstGeom>
-            <a:noFill/>
-            <a:ln w="9525">
-              <a:solidFill>
-                <a:srgbClr val="000000"/>
-              </a:solidFill>
-              <a:round/>
-              <a:headEnd/>
-              <a:tailEnd/>
-            </a:ln>
-          </p:spPr>
-          <p:txBody>
-            <a:bodyPr/>
-            <a:lstStyle/>
-            <a:p>
-              <a:pPr fontAlgn="auto">
-                <a:spcBef>
-                  <a:spcPts val="0"/>
-                </a:spcBef>
-                <a:spcAft>
-                  <a:spcPts val="0"/>
-                </a:spcAft>
-              </a:pPr>
-              <a:endParaRPr lang="zh-CN" altLang="en-US">
-                <a:solidFill>
-                  <a:prstClr val="black"/>
-                </a:solidFill>
-                <a:latin typeface="微软雅黑" pitchFamily="34" charset="-122"/>
-                <a:ea typeface="微软雅黑" pitchFamily="34" charset="-122"/>
-              </a:endParaRPr>
-            </a:p>
-          </p:txBody>
-        </p:sp>
-      </p:grpSp>
-      <p:grpSp>
-        <p:nvGrpSpPr>
-          <p:cNvPr id="40" name="组合 27"/>
-          <p:cNvGrpSpPr>
-            <a:grpSpLocks/>
-          </p:cNvGrpSpPr>
-          <p:nvPr/>
-        </p:nvGrpSpPr>
-        <p:grpSpPr bwMode="auto">
-          <a:xfrm>
-            <a:off x="0" y="0"/>
-            <a:ext cx="0" cy="0"/>
-            <a:chOff x="0" y="0"/>
-            <a:chExt cx="35" cy="79"/>
-          </a:xfrm>
-        </p:grpSpPr>
-        <p:sp>
-          <p:nvSpPr>
-            <p:cNvPr id="41" name="Line 52"/>
-            <p:cNvSpPr>
-              <a:spLocks noChangeShapeType="1"/>
-            </p:cNvSpPr>
-            <p:nvPr/>
-          </p:nvSpPr>
-          <p:spPr bwMode="auto">
-            <a:xfrm>
-              <a:off x="0" y="0"/>
-              <a:ext cx="35" cy="79"/>
-            </a:xfrm>
-            <a:prstGeom prst="line">
-              <a:avLst/>
-            </a:prstGeom>
-            <a:noFill/>
-            <a:ln w="9525">
-              <a:solidFill>
-                <a:srgbClr val="000000"/>
-              </a:solidFill>
-              <a:round/>
-              <a:headEnd/>
-              <a:tailEnd/>
-            </a:ln>
-          </p:spPr>
-          <p:txBody>
-            <a:bodyPr/>
-            <a:lstStyle/>
-            <a:p>
-              <a:pPr fontAlgn="auto">
-                <a:spcBef>
-                  <a:spcPts val="0"/>
-                </a:spcBef>
-                <a:spcAft>
-                  <a:spcPts val="0"/>
-                </a:spcAft>
-              </a:pPr>
-              <a:endParaRPr lang="zh-CN" altLang="en-US">
-                <a:solidFill>
-                  <a:prstClr val="black"/>
-                </a:solidFill>
-                <a:latin typeface="微软雅黑" pitchFamily="34" charset="-122"/>
-                <a:ea typeface="微软雅黑" pitchFamily="34" charset="-122"/>
-              </a:endParaRPr>
-            </a:p>
-          </p:txBody>
-        </p:sp>
-        <p:sp>
-          <p:nvSpPr>
-            <p:cNvPr id="42" name="Line 53"/>
-            <p:cNvSpPr>
-              <a:spLocks noChangeShapeType="1"/>
-            </p:cNvSpPr>
-            <p:nvPr/>
-          </p:nvSpPr>
-          <p:spPr bwMode="auto">
-            <a:xfrm>
-              <a:off x="35" y="79"/>
-              <a:ext cx="95" cy="0"/>
-            </a:xfrm>
-            <a:prstGeom prst="line">
-              <a:avLst/>
-            </a:prstGeom>
-            <a:noFill/>
-            <a:ln w="9525">
-              <a:solidFill>
-                <a:srgbClr val="000000"/>
-              </a:solidFill>
-              <a:round/>
-              <a:headEnd/>
-              <a:tailEnd/>
-            </a:ln>
-          </p:spPr>
-          <p:txBody>
-            <a:bodyPr/>
-            <a:lstStyle/>
-            <a:p>
-              <a:pPr fontAlgn="auto">
-                <a:spcBef>
-                  <a:spcPts val="0"/>
-                </a:spcBef>
-                <a:spcAft>
-                  <a:spcPts val="0"/>
-                </a:spcAft>
-              </a:pPr>
-              <a:endParaRPr lang="zh-CN" altLang="en-US">
-                <a:solidFill>
-                  <a:prstClr val="black"/>
-                </a:solidFill>
-                <a:latin typeface="微软雅黑" pitchFamily="34" charset="-122"/>
-                <a:ea typeface="微软雅黑" pitchFamily="34" charset="-122"/>
-              </a:endParaRPr>
-            </a:p>
-          </p:txBody>
-        </p:sp>
-      </p:grpSp>
-      <p:graphicFrame>
-        <p:nvGraphicFramePr>
-          <p:cNvPr id="43" name="表格 42"/>
-          <p:cNvGraphicFramePr>
-            <a:graphicFrameLocks noGrp="1"/>
-          </p:cNvGraphicFramePr>
-          <p:nvPr>
-            <p:extLst>
-              <p:ext uri="{D42A27DB-BD31-4B8C-83A1-F6EECF244321}">
-                <p14:modId xmlns:p14="http://schemas.microsoft.com/office/powerpoint/2010/main" val="1034336780"/>
-              </p:ext>
-            </p:extLst>
-          </p:nvPr>
-        </p:nvGraphicFramePr>
-        <p:xfrm>
-          <a:off x="1214414" y="1428738"/>
-          <a:ext cx="6715172" cy="4143402"/>
-        </p:xfrm>
-        <a:graphic>
-          <a:graphicData uri="http://schemas.openxmlformats.org/drawingml/2006/table">
-            <a:tbl>
-              <a:tblPr firstRow="1" bandRow="1"/>
-              <a:tblGrid>
-                <a:gridCol w="603296"/>
-                <a:gridCol w="6111876"/>
-              </a:tblGrid>
-              <a:tr h="690567">
-                <a:tc>
-                  <a:txBody>
-                    <a:bodyPr/>
-                    <a:lstStyle>
-                      <a:lvl1pPr marL="0" algn="l" defTabSz="914400" rtl="0" eaLnBrk="1" latinLnBrk="0" hangingPunct="1">
-                        <a:defRPr sz="1800" kern="1200">
-                          <a:solidFill>
-                            <a:schemeClr val="tx1"/>
-                          </a:solidFill>
-                          <a:latin typeface="Calibri"/>
-                        </a:defRPr>
-                      </a:lvl1pPr>
-                      <a:lvl2pPr marL="457200" algn="l" defTabSz="914400" rtl="0" eaLnBrk="1" latinLnBrk="0" hangingPunct="1">
-                        <a:defRPr sz="1800" kern="1200">
-                          <a:solidFill>
-                            <a:schemeClr val="tx1"/>
-                          </a:solidFill>
-                          <a:latin typeface="Calibri"/>
-                        </a:defRPr>
-                      </a:lvl2pPr>
-                      <a:lvl3pPr marL="914400" algn="l" defTabSz="914400" rtl="0" eaLnBrk="1" latinLnBrk="0" hangingPunct="1">
-                        <a:defRPr sz="1800" kern="1200">
-                          <a:solidFill>
-                            <a:schemeClr val="tx1"/>
-                          </a:solidFill>
-                          <a:latin typeface="Calibri"/>
-                        </a:defRPr>
-                      </a:lvl3pPr>
-                      <a:lvl4pPr marL="1371600" algn="l" defTabSz="914400" rtl="0" eaLnBrk="1" latinLnBrk="0" hangingPunct="1">
-                        <a:defRPr sz="1800" kern="1200">
-                          <a:solidFill>
-                            <a:schemeClr val="tx1"/>
-                          </a:solidFill>
-                          <a:latin typeface="Calibri"/>
-                        </a:defRPr>
-                      </a:lvl4pPr>
-                      <a:lvl5pPr marL="1828800" algn="l" defTabSz="914400" rtl="0" eaLnBrk="1" latinLnBrk="0" hangingPunct="1">
-                        <a:defRPr sz="1800" kern="1200">
-                          <a:solidFill>
-                            <a:schemeClr val="tx1"/>
-                          </a:solidFill>
-                          <a:latin typeface="Calibri"/>
-                        </a:defRPr>
-                      </a:lvl5pPr>
-                      <a:lvl6pPr marL="2286000" algn="l" defTabSz="914400" rtl="0" eaLnBrk="1" latinLnBrk="0" hangingPunct="1">
-                        <a:defRPr sz="1800" kern="1200">
-                          <a:solidFill>
-                            <a:schemeClr val="tx1"/>
-                          </a:solidFill>
-                          <a:latin typeface="Calibri"/>
-                        </a:defRPr>
-                      </a:lvl6pPr>
-                      <a:lvl7pPr marL="2743200" algn="l" defTabSz="914400" rtl="0" eaLnBrk="1" latinLnBrk="0" hangingPunct="1">
-                        <a:defRPr sz="1800" kern="1200">
-                          <a:solidFill>
-                            <a:schemeClr val="tx1"/>
-                          </a:solidFill>
-                          <a:latin typeface="Calibri"/>
-                        </a:defRPr>
-                      </a:lvl7pPr>
-                      <a:lvl8pPr marL="3200400" algn="l" defTabSz="914400" rtl="0" eaLnBrk="1" latinLnBrk="0" hangingPunct="1">
-                        <a:defRPr sz="1800" kern="1200">
-                          <a:solidFill>
-                            <a:schemeClr val="tx1"/>
-                          </a:solidFill>
-                          <a:latin typeface="Calibri"/>
-                        </a:defRPr>
-                      </a:lvl8pPr>
-                      <a:lvl9pPr marL="3657600" algn="l" defTabSz="914400" rtl="0" eaLnBrk="1" latinLnBrk="0" hangingPunct="1">
-                        <a:defRPr sz="1800" kern="1200">
-                          <a:solidFill>
-                            <a:schemeClr val="tx1"/>
-                          </a:solidFill>
-                          <a:latin typeface="Calibri"/>
-                        </a:defRPr>
-                      </a:lvl9pPr>
-                    </a:lstStyle>
-                    <a:p>
-                      <a:pPr algn="ctr"/>
-                      <a:r>
-                        <a:rPr lang="en-US" altLang="zh-CN" sz="2400" dirty="0" smtClean="0">
-                          <a:solidFill>
-                            <a:schemeClr val="bg1"/>
-                          </a:solidFill>
-                          <a:latin typeface="Bernard MT Condensed" pitchFamily="18" charset="0"/>
-                        </a:rPr>
-                        <a:t>1</a:t>
-                      </a:r>
-                      <a:endParaRPr lang="zh-CN" altLang="en-US" sz="2400" dirty="0">
-                        <a:solidFill>
-                          <a:schemeClr val="bg1"/>
-                        </a:solidFill>
-                        <a:latin typeface="Bernard MT Condensed" pitchFamily="18" charset="0"/>
-                      </a:endParaRPr>
-                    </a:p>
-                  </a:txBody>
-                  <a:tcPr>
-                    <a:lnL>
-                      <a:noFill/>
-                    </a:lnL>
-                    <a:lnR>
-                      <a:noFill/>
-                    </a:lnR>
-                    <a:lnT>
-                      <a:noFill/>
-                    </a:lnT>
-                    <a:lnB w="76200" cap="flat" cmpd="sng" algn="ctr">
-                      <a:solidFill>
-                        <a:sysClr val="window" lastClr="FFFFFF"/>
-                      </a:solidFill>
-                      <a:prstDash val="solid"/>
-                      <a:round/>
-                      <a:headEnd type="none" w="med" len="med"/>
-                      <a:tailEnd type="none" w="med" len="med"/>
-                    </a:lnB>
-                    <a:lnTlToBr w="12700" cmpd="sng">
-                      <a:noFill/>
-                      <a:prstDash val="solid"/>
-                    </a:lnTlToBr>
-                    <a:lnBlToTr w="12700" cmpd="sng">
-                      <a:noFill/>
-                      <a:prstDash val="solid"/>
-                    </a:lnBlToTr>
-                    <a:solidFill>
-                      <a:srgbClr val="C00000"/>
-                    </a:solidFill>
-                  </a:tcPr>
-                </a:tc>
-                <a:tc>
-                  <a:txBody>
-                    <a:bodyPr/>
-                    <a:lstStyle>
-                      <a:lvl1pPr marL="0" algn="l" defTabSz="914400" rtl="0" eaLnBrk="1" latinLnBrk="0" hangingPunct="1">
-                        <a:defRPr sz="1800" kern="1200">
-                          <a:solidFill>
-                            <a:schemeClr val="tx1"/>
-                          </a:solidFill>
-                          <a:latin typeface="Calibri"/>
-                        </a:defRPr>
-                      </a:lvl1pPr>
-                      <a:lvl2pPr marL="457200" algn="l" defTabSz="914400" rtl="0" eaLnBrk="1" latinLnBrk="0" hangingPunct="1">
-                        <a:defRPr sz="1800" kern="1200">
-                          <a:solidFill>
-                            <a:schemeClr val="tx1"/>
-                          </a:solidFill>
-                          <a:latin typeface="Calibri"/>
-                        </a:defRPr>
-                      </a:lvl2pPr>
-                      <a:lvl3pPr marL="914400" algn="l" defTabSz="914400" rtl="0" eaLnBrk="1" latinLnBrk="0" hangingPunct="1">
-                        <a:defRPr sz="1800" kern="1200">
-                          <a:solidFill>
-                            <a:schemeClr val="tx1"/>
-                          </a:solidFill>
-                          <a:latin typeface="Calibri"/>
-                        </a:defRPr>
-                      </a:lvl3pPr>
-                      <a:lvl4pPr marL="1371600" algn="l" defTabSz="914400" rtl="0" eaLnBrk="1" latinLnBrk="0" hangingPunct="1">
-                        <a:defRPr sz="1800" kern="1200">
-                          <a:solidFill>
-                            <a:schemeClr val="tx1"/>
-                          </a:solidFill>
-                          <a:latin typeface="Calibri"/>
-                        </a:defRPr>
-                      </a:lvl4pPr>
-                      <a:lvl5pPr marL="1828800" algn="l" defTabSz="914400" rtl="0" eaLnBrk="1" latinLnBrk="0" hangingPunct="1">
-                        <a:defRPr sz="1800" kern="1200">
-                          <a:solidFill>
-                            <a:schemeClr val="tx1"/>
-                          </a:solidFill>
-                          <a:latin typeface="Calibri"/>
-                        </a:defRPr>
-                      </a:lvl5pPr>
-                      <a:lvl6pPr marL="2286000" algn="l" defTabSz="914400" rtl="0" eaLnBrk="1" latinLnBrk="0" hangingPunct="1">
-                        <a:defRPr sz="1800" kern="1200">
-                          <a:solidFill>
-                            <a:schemeClr val="tx1"/>
-                          </a:solidFill>
-                          <a:latin typeface="Calibri"/>
-                        </a:defRPr>
-                      </a:lvl6pPr>
-                      <a:lvl7pPr marL="2743200" algn="l" defTabSz="914400" rtl="0" eaLnBrk="1" latinLnBrk="0" hangingPunct="1">
-                        <a:defRPr sz="1800" kern="1200">
-                          <a:solidFill>
-                            <a:schemeClr val="tx1"/>
-                          </a:solidFill>
-                          <a:latin typeface="Calibri"/>
-                        </a:defRPr>
-                      </a:lvl7pPr>
-                      <a:lvl8pPr marL="3200400" algn="l" defTabSz="914400" rtl="0" eaLnBrk="1" latinLnBrk="0" hangingPunct="1">
-                        <a:defRPr sz="1800" kern="1200">
-                          <a:solidFill>
-                            <a:schemeClr val="tx1"/>
-                          </a:solidFill>
-                          <a:latin typeface="Calibri"/>
-                        </a:defRPr>
-                      </a:lvl8pPr>
-                      <a:lvl9pPr marL="3657600" algn="l" defTabSz="914400" rtl="0" eaLnBrk="1" latinLnBrk="0" hangingPunct="1">
-                        <a:defRPr sz="1800" kern="1200">
-                          <a:solidFill>
-                            <a:schemeClr val="tx1"/>
-                          </a:solidFill>
-                          <a:latin typeface="Calibri"/>
-                        </a:defRPr>
-                      </a:lvl9pPr>
-                    </a:lstStyle>
-                    <a:p>
-                      <a:pPr algn="l" eaLnBrk="0" hangingPunct="0"/>
-                      <a:r>
-                        <a:rPr lang="zh-CN" altLang="en-US" sz="2400" dirty="0" smtClean="0">
-                          <a:solidFill>
-                            <a:schemeClr val="tx1"/>
-                          </a:solidFill>
-                          <a:latin typeface="微软雅黑" pitchFamily="34" charset="-122"/>
-                          <a:ea typeface="微软雅黑" pitchFamily="34" charset="-122"/>
-                        </a:rPr>
-                        <a:t>个人信息简介</a:t>
-                      </a:r>
-                      <a:endParaRPr lang="en-US" altLang="zh-CN" sz="2400" dirty="0">
-                        <a:solidFill>
-                          <a:schemeClr val="tx1"/>
-                        </a:solidFill>
-                        <a:latin typeface="微软雅黑" pitchFamily="34" charset="-122"/>
-                        <a:ea typeface="微软雅黑" pitchFamily="34" charset="-122"/>
-                      </a:endParaRPr>
-                    </a:p>
-                  </a:txBody>
-                  <a:tcPr anchor="ctr">
-                    <a:lnL>
-                      <a:noFill/>
-                    </a:lnL>
-                    <a:lnR>
-                      <a:noFill/>
-                    </a:lnR>
-                    <a:lnT>
-                      <a:noFill/>
-                    </a:lnT>
-                    <a:lnB w="76200" cap="flat" cmpd="sng" algn="ctr">
-                      <a:solidFill>
-                        <a:sysClr val="window" lastClr="FFFFFF"/>
-                      </a:solidFill>
-                      <a:prstDash val="solid"/>
-                      <a:round/>
-                      <a:headEnd type="none" w="med" len="med"/>
-                      <a:tailEnd type="none" w="med" len="med"/>
-                    </a:lnB>
-                    <a:lnTlToBr w="12700" cmpd="sng">
-                      <a:noFill/>
-                      <a:prstDash val="solid"/>
-                    </a:lnTlToBr>
-                    <a:lnBlToTr w="12700" cmpd="sng">
-                      <a:noFill/>
-                      <a:prstDash val="solid"/>
-                    </a:lnBlToTr>
-                    <a:solidFill>
-                      <a:srgbClr val="E7E6E6">
-                        <a:lumMod val="90000"/>
-                      </a:srgbClr>
-                    </a:solidFill>
-                  </a:tcPr>
-                </a:tc>
-              </a:tr>
-              <a:tr h="690567">
-                <a:tc>
-                  <a:txBody>
-                    <a:bodyPr/>
-                    <a:lstStyle>
-                      <a:lvl1pPr marL="0" algn="l" defTabSz="914400" rtl="0" eaLnBrk="1" latinLnBrk="0" hangingPunct="1">
-                        <a:defRPr sz="1800" kern="1200">
-                          <a:solidFill>
-                            <a:schemeClr val="tx1"/>
-                          </a:solidFill>
-                          <a:latin typeface="Calibri"/>
-                        </a:defRPr>
-                      </a:lvl1pPr>
-                      <a:lvl2pPr marL="457200" algn="l" defTabSz="914400" rtl="0" eaLnBrk="1" latinLnBrk="0" hangingPunct="1">
-                        <a:defRPr sz="1800" kern="1200">
-                          <a:solidFill>
-                            <a:schemeClr val="tx1"/>
-                          </a:solidFill>
-                          <a:latin typeface="Calibri"/>
-                        </a:defRPr>
-                      </a:lvl2pPr>
-                      <a:lvl3pPr marL="914400" algn="l" defTabSz="914400" rtl="0" eaLnBrk="1" latinLnBrk="0" hangingPunct="1">
-                        <a:defRPr sz="1800" kern="1200">
-                          <a:solidFill>
-                            <a:schemeClr val="tx1"/>
-                          </a:solidFill>
-                          <a:latin typeface="Calibri"/>
-                        </a:defRPr>
-                      </a:lvl3pPr>
-                      <a:lvl4pPr marL="1371600" algn="l" defTabSz="914400" rtl="0" eaLnBrk="1" latinLnBrk="0" hangingPunct="1">
-                        <a:defRPr sz="1800" kern="1200">
-                          <a:solidFill>
-                            <a:schemeClr val="tx1"/>
-                          </a:solidFill>
-                          <a:latin typeface="Calibri"/>
-                        </a:defRPr>
-                      </a:lvl4pPr>
-                      <a:lvl5pPr marL="1828800" algn="l" defTabSz="914400" rtl="0" eaLnBrk="1" latinLnBrk="0" hangingPunct="1">
-                        <a:defRPr sz="1800" kern="1200">
-                          <a:solidFill>
-                            <a:schemeClr val="tx1"/>
-                          </a:solidFill>
-                          <a:latin typeface="Calibri"/>
-                        </a:defRPr>
-                      </a:lvl5pPr>
-                      <a:lvl6pPr marL="2286000" algn="l" defTabSz="914400" rtl="0" eaLnBrk="1" latinLnBrk="0" hangingPunct="1">
-                        <a:defRPr sz="1800" kern="1200">
-                          <a:solidFill>
-                            <a:schemeClr val="tx1"/>
-                          </a:solidFill>
-                          <a:latin typeface="Calibri"/>
-                        </a:defRPr>
-                      </a:lvl6pPr>
-                      <a:lvl7pPr marL="2743200" algn="l" defTabSz="914400" rtl="0" eaLnBrk="1" latinLnBrk="0" hangingPunct="1">
-                        <a:defRPr sz="1800" kern="1200">
-                          <a:solidFill>
-                            <a:schemeClr val="tx1"/>
-                          </a:solidFill>
-                          <a:latin typeface="Calibri"/>
-                        </a:defRPr>
-                      </a:lvl7pPr>
-                      <a:lvl8pPr marL="3200400" algn="l" defTabSz="914400" rtl="0" eaLnBrk="1" latinLnBrk="0" hangingPunct="1">
-                        <a:defRPr sz="1800" kern="1200">
-                          <a:solidFill>
-                            <a:schemeClr val="tx1"/>
-                          </a:solidFill>
-                          <a:latin typeface="Calibri"/>
-                        </a:defRPr>
-                      </a:lvl8pPr>
-                      <a:lvl9pPr marL="3657600" algn="l" defTabSz="914400" rtl="0" eaLnBrk="1" latinLnBrk="0" hangingPunct="1">
-                        <a:defRPr sz="1800" kern="1200">
-                          <a:solidFill>
-                            <a:schemeClr val="tx1"/>
-                          </a:solidFill>
-                          <a:latin typeface="Calibri"/>
-                        </a:defRPr>
-                      </a:lvl9pPr>
-                    </a:lstStyle>
-                    <a:p>
-                      <a:pPr algn="ctr"/>
-                      <a:r>
-                        <a:rPr lang="en-US" altLang="zh-CN" sz="2400" dirty="0" smtClean="0">
-                          <a:solidFill>
-                            <a:schemeClr val="bg1"/>
-                          </a:solidFill>
-                          <a:latin typeface="Bernard MT Condensed" pitchFamily="18" charset="0"/>
-                        </a:rPr>
-                        <a:t>2</a:t>
-                      </a:r>
-                      <a:endParaRPr lang="zh-CN" altLang="en-US" sz="2400" dirty="0">
-                        <a:solidFill>
-                          <a:schemeClr val="bg1"/>
-                        </a:solidFill>
-                        <a:latin typeface="Bernard MT Condensed" pitchFamily="18" charset="0"/>
-                      </a:endParaRPr>
-                    </a:p>
-                  </a:txBody>
-                  <a:tcPr>
-                    <a:lnL>
-                      <a:noFill/>
-                    </a:lnL>
-                    <a:lnR>
-                      <a:noFill/>
-                    </a:lnR>
-                    <a:lnT w="76200" cap="flat" cmpd="sng" algn="ctr">
-                      <a:solidFill>
-                        <a:sysClr val="window" lastClr="FFFFFF"/>
-                      </a:solidFill>
-                      <a:prstDash val="solid"/>
-                      <a:round/>
-                      <a:headEnd type="none" w="med" len="med"/>
-                      <a:tailEnd type="none" w="med" len="med"/>
-                    </a:lnT>
-                    <a:lnB w="76200" cap="flat" cmpd="sng" algn="ctr">
-                      <a:solidFill>
-                        <a:sysClr val="window" lastClr="FFFFFF"/>
-                      </a:solidFill>
-                      <a:prstDash val="solid"/>
-                      <a:round/>
-                      <a:headEnd type="none" w="med" len="med"/>
-                      <a:tailEnd type="none" w="med" len="med"/>
-                    </a:lnB>
-                    <a:lnTlToBr w="12700" cmpd="sng">
-                      <a:noFill/>
-                      <a:prstDash val="solid"/>
-                    </a:lnTlToBr>
-                    <a:lnBlToTr w="12700" cmpd="sng">
-                      <a:noFill/>
-                      <a:prstDash val="solid"/>
-                    </a:lnBlToTr>
-                    <a:solidFill>
-                      <a:srgbClr val="C00000"/>
-                    </a:solidFill>
-                  </a:tcPr>
-                </a:tc>
-                <a:tc>
-                  <a:txBody>
-                    <a:bodyPr/>
-                    <a:lstStyle>
-                      <a:lvl1pPr marL="0" algn="l" defTabSz="914400" rtl="0" eaLnBrk="1" latinLnBrk="0" hangingPunct="1">
-                        <a:defRPr sz="1800" kern="1200">
-                          <a:solidFill>
-                            <a:schemeClr val="tx1"/>
-                          </a:solidFill>
-                          <a:latin typeface="Calibri"/>
-                        </a:defRPr>
-                      </a:lvl1pPr>
-                      <a:lvl2pPr marL="457200" algn="l" defTabSz="914400" rtl="0" eaLnBrk="1" latinLnBrk="0" hangingPunct="1">
-                        <a:defRPr sz="1800" kern="1200">
-                          <a:solidFill>
-                            <a:schemeClr val="tx1"/>
-                          </a:solidFill>
-                          <a:latin typeface="Calibri"/>
-                        </a:defRPr>
-                      </a:lvl2pPr>
-                      <a:lvl3pPr marL="914400" algn="l" defTabSz="914400" rtl="0" eaLnBrk="1" latinLnBrk="0" hangingPunct="1">
-                        <a:defRPr sz="1800" kern="1200">
-                          <a:solidFill>
-                            <a:schemeClr val="tx1"/>
-                          </a:solidFill>
-                          <a:latin typeface="Calibri"/>
-                        </a:defRPr>
-                      </a:lvl3pPr>
-                      <a:lvl4pPr marL="1371600" algn="l" defTabSz="914400" rtl="0" eaLnBrk="1" latinLnBrk="0" hangingPunct="1">
-                        <a:defRPr sz="1800" kern="1200">
-                          <a:solidFill>
-                            <a:schemeClr val="tx1"/>
-                          </a:solidFill>
-                          <a:latin typeface="Calibri"/>
-                        </a:defRPr>
-                      </a:lvl4pPr>
-                      <a:lvl5pPr marL="1828800" algn="l" defTabSz="914400" rtl="0" eaLnBrk="1" latinLnBrk="0" hangingPunct="1">
-                        <a:defRPr sz="1800" kern="1200">
-                          <a:solidFill>
-                            <a:schemeClr val="tx1"/>
-                          </a:solidFill>
-                          <a:latin typeface="Calibri"/>
-                        </a:defRPr>
-                      </a:lvl5pPr>
-                      <a:lvl6pPr marL="2286000" algn="l" defTabSz="914400" rtl="0" eaLnBrk="1" latinLnBrk="0" hangingPunct="1">
-                        <a:defRPr sz="1800" kern="1200">
-                          <a:solidFill>
-                            <a:schemeClr val="tx1"/>
-                          </a:solidFill>
-                          <a:latin typeface="Calibri"/>
-                        </a:defRPr>
-                      </a:lvl6pPr>
-                      <a:lvl7pPr marL="2743200" algn="l" defTabSz="914400" rtl="0" eaLnBrk="1" latinLnBrk="0" hangingPunct="1">
-                        <a:defRPr sz="1800" kern="1200">
-                          <a:solidFill>
-                            <a:schemeClr val="tx1"/>
-                          </a:solidFill>
-                          <a:latin typeface="Calibri"/>
-                        </a:defRPr>
-                      </a:lvl7pPr>
-                      <a:lvl8pPr marL="3200400" algn="l" defTabSz="914400" rtl="0" eaLnBrk="1" latinLnBrk="0" hangingPunct="1">
-                        <a:defRPr sz="1800" kern="1200">
-                          <a:solidFill>
-                            <a:schemeClr val="tx1"/>
-                          </a:solidFill>
-                          <a:latin typeface="Calibri"/>
-                        </a:defRPr>
-                      </a:lvl8pPr>
-                      <a:lvl9pPr marL="3657600" algn="l" defTabSz="914400" rtl="0" eaLnBrk="1" latinLnBrk="0" hangingPunct="1">
-                        <a:defRPr sz="1800" kern="1200">
-                          <a:solidFill>
-                            <a:schemeClr val="tx1"/>
-                          </a:solidFill>
-                          <a:latin typeface="Calibri"/>
-                        </a:defRPr>
-                      </a:lvl9pPr>
-                    </a:lstStyle>
-                    <a:p>
-                      <a:pPr algn="l" eaLnBrk="0" hangingPunct="0"/>
-                      <a:r>
-                        <a:rPr lang="zh-CN" altLang="en-US" sz="2400" dirty="0" smtClean="0">
-                          <a:solidFill>
-                            <a:schemeClr val="tx1"/>
-                          </a:solidFill>
-                          <a:latin typeface="微软雅黑" pitchFamily="34" charset="-122"/>
-                          <a:ea typeface="微软雅黑" pitchFamily="34" charset="-122"/>
-                        </a:rPr>
-                        <a:t>岗位职责理解</a:t>
-                      </a:r>
-                      <a:endParaRPr lang="en-US" altLang="zh-CN" sz="2400" dirty="0">
-                        <a:solidFill>
-                          <a:schemeClr val="tx1"/>
-                        </a:solidFill>
-                        <a:latin typeface="微软雅黑" pitchFamily="34" charset="-122"/>
-                        <a:ea typeface="微软雅黑" pitchFamily="34" charset="-122"/>
-                      </a:endParaRPr>
-                    </a:p>
-                  </a:txBody>
-                  <a:tcPr anchor="ctr">
-                    <a:lnL>
-                      <a:noFill/>
-                    </a:lnL>
-                    <a:lnR>
-                      <a:noFill/>
-                    </a:lnR>
-                    <a:lnT w="76200" cap="flat" cmpd="sng" algn="ctr">
-                      <a:solidFill>
-                        <a:sysClr val="window" lastClr="FFFFFF"/>
-                      </a:solidFill>
-                      <a:prstDash val="solid"/>
-                      <a:round/>
-                      <a:headEnd type="none" w="med" len="med"/>
-                      <a:tailEnd type="none" w="med" len="med"/>
-                    </a:lnT>
-                    <a:lnB w="76200" cap="flat" cmpd="sng" algn="ctr">
-                      <a:solidFill>
-                        <a:sysClr val="window" lastClr="FFFFFF"/>
-                      </a:solidFill>
-                      <a:prstDash val="solid"/>
-                      <a:round/>
-                      <a:headEnd type="none" w="med" len="med"/>
-                      <a:tailEnd type="none" w="med" len="med"/>
-                    </a:lnB>
-                    <a:lnTlToBr w="12700" cmpd="sng">
-                      <a:noFill/>
-                      <a:prstDash val="solid"/>
-                    </a:lnTlToBr>
-                    <a:lnBlToTr w="12700" cmpd="sng">
-                      <a:noFill/>
-                      <a:prstDash val="solid"/>
-                    </a:lnBlToTr>
-                    <a:solidFill>
-                      <a:srgbClr val="E7E6E6">
-                        <a:lumMod val="90000"/>
-                      </a:srgbClr>
-                    </a:solidFill>
-                  </a:tcPr>
-                </a:tc>
-              </a:tr>
-              <a:tr h="690567">
-                <a:tc>
-                  <a:txBody>
-                    <a:bodyPr/>
-                    <a:lstStyle>
-                      <a:lvl1pPr marL="0" algn="l" defTabSz="914400" rtl="0" eaLnBrk="1" latinLnBrk="0" hangingPunct="1">
-                        <a:defRPr sz="1800" kern="1200">
-                          <a:solidFill>
-                            <a:schemeClr val="tx1"/>
-                          </a:solidFill>
-                          <a:latin typeface="Calibri"/>
-                        </a:defRPr>
-                      </a:lvl1pPr>
-                      <a:lvl2pPr marL="457200" algn="l" defTabSz="914400" rtl="0" eaLnBrk="1" latinLnBrk="0" hangingPunct="1">
-                        <a:defRPr sz="1800" kern="1200">
-                          <a:solidFill>
-                            <a:schemeClr val="tx1"/>
-                          </a:solidFill>
-                          <a:latin typeface="Calibri"/>
-                        </a:defRPr>
-                      </a:lvl2pPr>
-                      <a:lvl3pPr marL="914400" algn="l" defTabSz="914400" rtl="0" eaLnBrk="1" latinLnBrk="0" hangingPunct="1">
-                        <a:defRPr sz="1800" kern="1200">
-                          <a:solidFill>
-                            <a:schemeClr val="tx1"/>
-                          </a:solidFill>
-                          <a:latin typeface="Calibri"/>
-                        </a:defRPr>
-                      </a:lvl3pPr>
-                      <a:lvl4pPr marL="1371600" algn="l" defTabSz="914400" rtl="0" eaLnBrk="1" latinLnBrk="0" hangingPunct="1">
-                        <a:defRPr sz="1800" kern="1200">
-                          <a:solidFill>
-                            <a:schemeClr val="tx1"/>
-                          </a:solidFill>
-                          <a:latin typeface="Calibri"/>
-                        </a:defRPr>
-                      </a:lvl4pPr>
-                      <a:lvl5pPr marL="1828800" algn="l" defTabSz="914400" rtl="0" eaLnBrk="1" latinLnBrk="0" hangingPunct="1">
-                        <a:defRPr sz="1800" kern="1200">
-                          <a:solidFill>
-                            <a:schemeClr val="tx1"/>
-                          </a:solidFill>
-                          <a:latin typeface="Calibri"/>
-                        </a:defRPr>
-                      </a:lvl5pPr>
-                      <a:lvl6pPr marL="2286000" algn="l" defTabSz="914400" rtl="0" eaLnBrk="1" latinLnBrk="0" hangingPunct="1">
-                        <a:defRPr sz="1800" kern="1200">
-                          <a:solidFill>
-                            <a:schemeClr val="tx1"/>
-                          </a:solidFill>
-                          <a:latin typeface="Calibri"/>
-                        </a:defRPr>
-                      </a:lvl6pPr>
-                      <a:lvl7pPr marL="2743200" algn="l" defTabSz="914400" rtl="0" eaLnBrk="1" latinLnBrk="0" hangingPunct="1">
-                        <a:defRPr sz="1800" kern="1200">
-                          <a:solidFill>
-                            <a:schemeClr val="tx1"/>
-                          </a:solidFill>
-                          <a:latin typeface="Calibri"/>
-                        </a:defRPr>
-                      </a:lvl7pPr>
-                      <a:lvl8pPr marL="3200400" algn="l" defTabSz="914400" rtl="0" eaLnBrk="1" latinLnBrk="0" hangingPunct="1">
-                        <a:defRPr sz="1800" kern="1200">
-                          <a:solidFill>
-                            <a:schemeClr val="tx1"/>
-                          </a:solidFill>
-                          <a:latin typeface="Calibri"/>
-                        </a:defRPr>
-                      </a:lvl8pPr>
-                      <a:lvl9pPr marL="3657600" algn="l" defTabSz="914400" rtl="0" eaLnBrk="1" latinLnBrk="0" hangingPunct="1">
-                        <a:defRPr sz="1800" kern="1200">
-                          <a:solidFill>
-                            <a:schemeClr val="tx1"/>
-                          </a:solidFill>
-                          <a:latin typeface="Calibri"/>
-                        </a:defRPr>
-                      </a:lvl9pPr>
-                    </a:lstStyle>
-                    <a:p>
-                      <a:pPr algn="ctr"/>
-                      <a:r>
-                        <a:rPr lang="en-US" altLang="zh-CN" sz="2400" dirty="0" smtClean="0">
-                          <a:solidFill>
-                            <a:schemeClr val="bg1"/>
-                          </a:solidFill>
-                          <a:latin typeface="Bernard MT Condensed" pitchFamily="18" charset="0"/>
-                        </a:rPr>
-                        <a:t>3</a:t>
-                      </a:r>
-                      <a:endParaRPr lang="zh-CN" altLang="en-US" sz="2400" dirty="0">
-                        <a:solidFill>
-                          <a:schemeClr val="bg1"/>
-                        </a:solidFill>
-                        <a:latin typeface="Bernard MT Condensed" pitchFamily="18" charset="0"/>
-                      </a:endParaRPr>
-                    </a:p>
-                  </a:txBody>
-                  <a:tcPr>
-                    <a:lnL>
-                      <a:noFill/>
-                    </a:lnL>
-                    <a:lnR>
-                      <a:noFill/>
-                    </a:lnR>
-                    <a:lnT w="76200" cap="flat" cmpd="sng" algn="ctr">
-                      <a:solidFill>
-                        <a:sysClr val="window" lastClr="FFFFFF"/>
-                      </a:solidFill>
-                      <a:prstDash val="solid"/>
-                      <a:round/>
-                      <a:headEnd type="none" w="med" len="med"/>
-                      <a:tailEnd type="none" w="med" len="med"/>
-                    </a:lnT>
-                    <a:lnB w="76200" cap="flat" cmpd="sng" algn="ctr">
-                      <a:solidFill>
-                        <a:sysClr val="window" lastClr="FFFFFF"/>
-                      </a:solidFill>
-                      <a:prstDash val="solid"/>
-                      <a:round/>
-                      <a:headEnd type="none" w="med" len="med"/>
-                      <a:tailEnd type="none" w="med" len="med"/>
-                    </a:lnB>
-                    <a:lnTlToBr w="12700" cmpd="sng">
-                      <a:noFill/>
-                      <a:prstDash val="solid"/>
-                    </a:lnTlToBr>
-                    <a:lnBlToTr w="12700" cmpd="sng">
-                      <a:noFill/>
-                      <a:prstDash val="solid"/>
-                    </a:lnBlToTr>
-                    <a:solidFill>
-                      <a:srgbClr val="C00000"/>
-                    </a:solidFill>
-                  </a:tcPr>
-                </a:tc>
-                <a:tc>
-                  <a:txBody>
-                    <a:bodyPr/>
-                    <a:lstStyle>
-                      <a:lvl1pPr marL="0" algn="l" defTabSz="914400" rtl="0" eaLnBrk="1" latinLnBrk="0" hangingPunct="1">
-                        <a:defRPr sz="1800" kern="1200">
-                          <a:solidFill>
-                            <a:schemeClr val="tx1"/>
-                          </a:solidFill>
-                          <a:latin typeface="Calibri"/>
-                        </a:defRPr>
-                      </a:lvl1pPr>
-                      <a:lvl2pPr marL="457200" algn="l" defTabSz="914400" rtl="0" eaLnBrk="1" latinLnBrk="0" hangingPunct="1">
-                        <a:defRPr sz="1800" kern="1200">
-                          <a:solidFill>
-                            <a:schemeClr val="tx1"/>
-                          </a:solidFill>
-                          <a:latin typeface="Calibri"/>
-                        </a:defRPr>
-                      </a:lvl2pPr>
-                      <a:lvl3pPr marL="914400" algn="l" defTabSz="914400" rtl="0" eaLnBrk="1" latinLnBrk="0" hangingPunct="1">
-                        <a:defRPr sz="1800" kern="1200">
-                          <a:solidFill>
-                            <a:schemeClr val="tx1"/>
-                          </a:solidFill>
-                          <a:latin typeface="Calibri"/>
-                        </a:defRPr>
-                      </a:lvl3pPr>
-                      <a:lvl4pPr marL="1371600" algn="l" defTabSz="914400" rtl="0" eaLnBrk="1" latinLnBrk="0" hangingPunct="1">
-                        <a:defRPr sz="1800" kern="1200">
-                          <a:solidFill>
-                            <a:schemeClr val="tx1"/>
-                          </a:solidFill>
-                          <a:latin typeface="Calibri"/>
-                        </a:defRPr>
-                      </a:lvl4pPr>
-                      <a:lvl5pPr marL="1828800" algn="l" defTabSz="914400" rtl="0" eaLnBrk="1" latinLnBrk="0" hangingPunct="1">
-                        <a:defRPr sz="1800" kern="1200">
-                          <a:solidFill>
-                            <a:schemeClr val="tx1"/>
-                          </a:solidFill>
-                          <a:latin typeface="Calibri"/>
-                        </a:defRPr>
-                      </a:lvl5pPr>
-                      <a:lvl6pPr marL="2286000" algn="l" defTabSz="914400" rtl="0" eaLnBrk="1" latinLnBrk="0" hangingPunct="1">
-                        <a:defRPr sz="1800" kern="1200">
-                          <a:solidFill>
-                            <a:schemeClr val="tx1"/>
-                          </a:solidFill>
-                          <a:latin typeface="Calibri"/>
-                        </a:defRPr>
-                      </a:lvl6pPr>
-                      <a:lvl7pPr marL="2743200" algn="l" defTabSz="914400" rtl="0" eaLnBrk="1" latinLnBrk="0" hangingPunct="1">
-                        <a:defRPr sz="1800" kern="1200">
-                          <a:solidFill>
-                            <a:schemeClr val="tx1"/>
-                          </a:solidFill>
-                          <a:latin typeface="Calibri"/>
-                        </a:defRPr>
-                      </a:lvl7pPr>
-                      <a:lvl8pPr marL="3200400" algn="l" defTabSz="914400" rtl="0" eaLnBrk="1" latinLnBrk="0" hangingPunct="1">
-                        <a:defRPr sz="1800" kern="1200">
-                          <a:solidFill>
-                            <a:schemeClr val="tx1"/>
-                          </a:solidFill>
-                          <a:latin typeface="Calibri"/>
-                        </a:defRPr>
-                      </a:lvl8pPr>
-                      <a:lvl9pPr marL="3657600" algn="l" defTabSz="914400" rtl="0" eaLnBrk="1" latinLnBrk="0" hangingPunct="1">
-                        <a:defRPr sz="1800" kern="1200">
-                          <a:solidFill>
-                            <a:schemeClr val="tx1"/>
-                          </a:solidFill>
-                          <a:latin typeface="Calibri"/>
-                        </a:defRPr>
-                      </a:lvl9pPr>
-                    </a:lstStyle>
-                    <a:p>
-                      <a:pPr algn="l" eaLnBrk="0" hangingPunct="0"/>
-                      <a:r>
-                        <a:rPr lang="zh-CN" altLang="en-US" sz="2400" dirty="0" smtClean="0">
-                          <a:solidFill>
-                            <a:schemeClr val="tx1"/>
-                          </a:solidFill>
-                          <a:latin typeface="微软雅黑" pitchFamily="34" charset="-122"/>
-                          <a:ea typeface="微软雅黑" pitchFamily="34" charset="-122"/>
-                        </a:rPr>
-                        <a:t>主要工作情况</a:t>
-                      </a:r>
-                      <a:endParaRPr lang="en-US" altLang="zh-CN" sz="2400" dirty="0">
-                        <a:solidFill>
-                          <a:schemeClr val="tx1"/>
-                        </a:solidFill>
-                        <a:latin typeface="微软雅黑" pitchFamily="34" charset="-122"/>
-                        <a:ea typeface="微软雅黑" pitchFamily="34" charset="-122"/>
-                      </a:endParaRPr>
-                    </a:p>
-                  </a:txBody>
-                  <a:tcPr anchor="ctr">
-                    <a:lnL>
-                      <a:noFill/>
-                    </a:lnL>
-                    <a:lnR>
-                      <a:noFill/>
-                    </a:lnR>
-                    <a:lnT w="76200" cap="flat" cmpd="sng" algn="ctr">
-                      <a:solidFill>
-                        <a:sysClr val="window" lastClr="FFFFFF"/>
-                      </a:solidFill>
-                      <a:prstDash val="solid"/>
-                      <a:round/>
-                      <a:headEnd type="none" w="med" len="med"/>
-                      <a:tailEnd type="none" w="med" len="med"/>
-                    </a:lnT>
-                    <a:lnB w="76200" cap="flat" cmpd="sng" algn="ctr">
-                      <a:solidFill>
-                        <a:sysClr val="window" lastClr="FFFFFF"/>
-                      </a:solidFill>
-                      <a:prstDash val="solid"/>
-                      <a:round/>
-                      <a:headEnd type="none" w="med" len="med"/>
-                      <a:tailEnd type="none" w="med" len="med"/>
-                    </a:lnB>
-                    <a:lnTlToBr w="12700" cmpd="sng">
-                      <a:noFill/>
-                      <a:prstDash val="solid"/>
-                    </a:lnTlToBr>
-                    <a:lnBlToTr w="12700" cmpd="sng">
-                      <a:noFill/>
-                      <a:prstDash val="solid"/>
-                    </a:lnBlToTr>
-                    <a:solidFill>
-                      <a:srgbClr val="E7E6E6">
-                        <a:lumMod val="90000"/>
-                      </a:srgbClr>
-                    </a:solidFill>
-                  </a:tcPr>
-                </a:tc>
-              </a:tr>
-              <a:tr h="690567">
-                <a:tc>
-                  <a:txBody>
-                    <a:bodyPr/>
-                    <a:lstStyle>
-                      <a:lvl1pPr marL="0" algn="l" defTabSz="914400" rtl="0" eaLnBrk="1" latinLnBrk="0" hangingPunct="1">
-                        <a:defRPr sz="1800" kern="1200">
-                          <a:solidFill>
-                            <a:schemeClr val="tx1"/>
-                          </a:solidFill>
-                          <a:latin typeface="Calibri"/>
-                        </a:defRPr>
-                      </a:lvl1pPr>
-                      <a:lvl2pPr marL="457200" algn="l" defTabSz="914400" rtl="0" eaLnBrk="1" latinLnBrk="0" hangingPunct="1">
-                        <a:defRPr sz="1800" kern="1200">
-                          <a:solidFill>
-                            <a:schemeClr val="tx1"/>
-                          </a:solidFill>
-                          <a:latin typeface="Calibri"/>
-                        </a:defRPr>
-                      </a:lvl2pPr>
-                      <a:lvl3pPr marL="914400" algn="l" defTabSz="914400" rtl="0" eaLnBrk="1" latinLnBrk="0" hangingPunct="1">
-                        <a:defRPr sz="1800" kern="1200">
-                          <a:solidFill>
-                            <a:schemeClr val="tx1"/>
-                          </a:solidFill>
-                          <a:latin typeface="Calibri"/>
-                        </a:defRPr>
-                      </a:lvl3pPr>
-                      <a:lvl4pPr marL="1371600" algn="l" defTabSz="914400" rtl="0" eaLnBrk="1" latinLnBrk="0" hangingPunct="1">
-                        <a:defRPr sz="1800" kern="1200">
-                          <a:solidFill>
-                            <a:schemeClr val="tx1"/>
-                          </a:solidFill>
-                          <a:latin typeface="Calibri"/>
-                        </a:defRPr>
-                      </a:lvl4pPr>
-                      <a:lvl5pPr marL="1828800" algn="l" defTabSz="914400" rtl="0" eaLnBrk="1" latinLnBrk="0" hangingPunct="1">
-                        <a:defRPr sz="1800" kern="1200">
-                          <a:solidFill>
-                            <a:schemeClr val="tx1"/>
-                          </a:solidFill>
-                          <a:latin typeface="Calibri"/>
-                        </a:defRPr>
-                      </a:lvl5pPr>
-                      <a:lvl6pPr marL="2286000" algn="l" defTabSz="914400" rtl="0" eaLnBrk="1" latinLnBrk="0" hangingPunct="1">
-                        <a:defRPr sz="1800" kern="1200">
-                          <a:solidFill>
-                            <a:schemeClr val="tx1"/>
-                          </a:solidFill>
-                          <a:latin typeface="Calibri"/>
-                        </a:defRPr>
-                      </a:lvl6pPr>
-                      <a:lvl7pPr marL="2743200" algn="l" defTabSz="914400" rtl="0" eaLnBrk="1" latinLnBrk="0" hangingPunct="1">
-                        <a:defRPr sz="1800" kern="1200">
-                          <a:solidFill>
-                            <a:schemeClr val="tx1"/>
-                          </a:solidFill>
-                          <a:latin typeface="Calibri"/>
-                        </a:defRPr>
-                      </a:lvl7pPr>
-                      <a:lvl8pPr marL="3200400" algn="l" defTabSz="914400" rtl="0" eaLnBrk="1" latinLnBrk="0" hangingPunct="1">
-                        <a:defRPr sz="1800" kern="1200">
-                          <a:solidFill>
-                            <a:schemeClr val="tx1"/>
-                          </a:solidFill>
-                          <a:latin typeface="Calibri"/>
-                        </a:defRPr>
-                      </a:lvl8pPr>
-                      <a:lvl9pPr marL="3657600" algn="l" defTabSz="914400" rtl="0" eaLnBrk="1" latinLnBrk="0" hangingPunct="1">
-                        <a:defRPr sz="1800" kern="1200">
-                          <a:solidFill>
-                            <a:schemeClr val="tx1"/>
-                          </a:solidFill>
-                          <a:latin typeface="Calibri"/>
-                        </a:defRPr>
-                      </a:lvl9pPr>
-                    </a:lstStyle>
-                    <a:p>
-                      <a:pPr algn="ctr"/>
-                      <a:r>
-                        <a:rPr lang="en-US" altLang="zh-CN" sz="2400" dirty="0" smtClean="0">
-                          <a:solidFill>
-                            <a:schemeClr val="bg1"/>
-                          </a:solidFill>
-                          <a:latin typeface="Bernard MT Condensed" pitchFamily="18" charset="0"/>
-                        </a:rPr>
-                        <a:t>4</a:t>
-                      </a:r>
-                      <a:endParaRPr lang="zh-CN" altLang="en-US" sz="2400" dirty="0">
-                        <a:solidFill>
-                          <a:schemeClr val="bg1"/>
-                        </a:solidFill>
-                        <a:latin typeface="Bernard MT Condensed" pitchFamily="18" charset="0"/>
-                      </a:endParaRPr>
-                    </a:p>
-                  </a:txBody>
-                  <a:tcPr>
-                    <a:lnL>
-                      <a:noFill/>
-                    </a:lnL>
-                    <a:lnR>
-                      <a:noFill/>
-                    </a:lnR>
-                    <a:lnT w="76200" cap="flat" cmpd="sng" algn="ctr">
-                      <a:solidFill>
-                        <a:sysClr val="window" lastClr="FFFFFF"/>
-                      </a:solidFill>
-                      <a:prstDash val="solid"/>
-                      <a:round/>
-                      <a:headEnd type="none" w="med" len="med"/>
-                      <a:tailEnd type="none" w="med" len="med"/>
-                    </a:lnT>
-                    <a:lnB w="76200" cap="flat" cmpd="sng" algn="ctr">
-                      <a:solidFill>
-                        <a:sysClr val="window" lastClr="FFFFFF"/>
-                      </a:solidFill>
-                      <a:prstDash val="solid"/>
-                      <a:round/>
-                      <a:headEnd type="none" w="med" len="med"/>
-                      <a:tailEnd type="none" w="med" len="med"/>
-                    </a:lnB>
-                    <a:lnTlToBr w="12700" cmpd="sng">
-                      <a:noFill/>
-                      <a:prstDash val="solid"/>
-                    </a:lnTlToBr>
-                    <a:lnBlToTr w="12700" cmpd="sng">
-                      <a:noFill/>
-                      <a:prstDash val="solid"/>
-                    </a:lnBlToTr>
-                    <a:solidFill>
-                      <a:srgbClr val="C00000"/>
-                    </a:solidFill>
-                  </a:tcPr>
-                </a:tc>
-                <a:tc>
-                  <a:txBody>
-                    <a:bodyPr/>
-                    <a:lstStyle>
-                      <a:lvl1pPr marL="0" algn="l" defTabSz="914400" rtl="0" eaLnBrk="1" latinLnBrk="0" hangingPunct="1">
-                        <a:defRPr sz="1800" kern="1200">
-                          <a:solidFill>
-                            <a:schemeClr val="tx1"/>
-                          </a:solidFill>
-                          <a:latin typeface="Calibri"/>
-                        </a:defRPr>
-                      </a:lvl1pPr>
-                      <a:lvl2pPr marL="457200" algn="l" defTabSz="914400" rtl="0" eaLnBrk="1" latinLnBrk="0" hangingPunct="1">
-                        <a:defRPr sz="1800" kern="1200">
-                          <a:solidFill>
-                            <a:schemeClr val="tx1"/>
-                          </a:solidFill>
-                          <a:latin typeface="Calibri"/>
-                        </a:defRPr>
-                      </a:lvl2pPr>
-                      <a:lvl3pPr marL="914400" algn="l" defTabSz="914400" rtl="0" eaLnBrk="1" latinLnBrk="0" hangingPunct="1">
-                        <a:defRPr sz="1800" kern="1200">
-                          <a:solidFill>
-                            <a:schemeClr val="tx1"/>
-                          </a:solidFill>
-                          <a:latin typeface="Calibri"/>
-                        </a:defRPr>
-                      </a:lvl3pPr>
-                      <a:lvl4pPr marL="1371600" algn="l" defTabSz="914400" rtl="0" eaLnBrk="1" latinLnBrk="0" hangingPunct="1">
-                        <a:defRPr sz="1800" kern="1200">
-                          <a:solidFill>
-                            <a:schemeClr val="tx1"/>
-                          </a:solidFill>
-                          <a:latin typeface="Calibri"/>
-                        </a:defRPr>
-                      </a:lvl4pPr>
-                      <a:lvl5pPr marL="1828800" algn="l" defTabSz="914400" rtl="0" eaLnBrk="1" latinLnBrk="0" hangingPunct="1">
-                        <a:defRPr sz="1800" kern="1200">
-                          <a:solidFill>
-                            <a:schemeClr val="tx1"/>
-                          </a:solidFill>
-                          <a:latin typeface="Calibri"/>
-                        </a:defRPr>
-                      </a:lvl5pPr>
-                      <a:lvl6pPr marL="2286000" algn="l" defTabSz="914400" rtl="0" eaLnBrk="1" latinLnBrk="0" hangingPunct="1">
-                        <a:defRPr sz="1800" kern="1200">
-                          <a:solidFill>
-                            <a:schemeClr val="tx1"/>
-                          </a:solidFill>
-                          <a:latin typeface="Calibri"/>
-                        </a:defRPr>
-                      </a:lvl6pPr>
-                      <a:lvl7pPr marL="2743200" algn="l" defTabSz="914400" rtl="0" eaLnBrk="1" latinLnBrk="0" hangingPunct="1">
-                        <a:defRPr sz="1800" kern="1200">
-                          <a:solidFill>
-                            <a:schemeClr val="tx1"/>
-                          </a:solidFill>
-                          <a:latin typeface="Calibri"/>
-                        </a:defRPr>
-                      </a:lvl7pPr>
-                      <a:lvl8pPr marL="3200400" algn="l" defTabSz="914400" rtl="0" eaLnBrk="1" latinLnBrk="0" hangingPunct="1">
-                        <a:defRPr sz="1800" kern="1200">
-                          <a:solidFill>
-                            <a:schemeClr val="tx1"/>
-                          </a:solidFill>
-                          <a:latin typeface="Calibri"/>
-                        </a:defRPr>
-                      </a:lvl8pPr>
-                      <a:lvl9pPr marL="3657600" algn="l" defTabSz="914400" rtl="0" eaLnBrk="1" latinLnBrk="0" hangingPunct="1">
-                        <a:defRPr sz="1800" kern="1200">
-                          <a:solidFill>
-                            <a:schemeClr val="tx1"/>
-                          </a:solidFill>
-                          <a:latin typeface="Calibri"/>
-                        </a:defRPr>
-                      </a:lvl9pPr>
-                    </a:lstStyle>
-                    <a:p>
-                      <a:pPr algn="l" eaLnBrk="0" hangingPunct="0"/>
-                      <a:r>
-                        <a:rPr lang="zh-CN" altLang="en-US" sz="2400" dirty="0" smtClean="0">
-                          <a:solidFill>
-                            <a:schemeClr val="tx1"/>
-                          </a:solidFill>
-                          <a:latin typeface="微软雅黑" pitchFamily="34" charset="-122"/>
-                          <a:ea typeface="微软雅黑" pitchFamily="34" charset="-122"/>
-                        </a:rPr>
-                        <a:t>典型产品讲解</a:t>
-                      </a:r>
-                      <a:endParaRPr lang="en-US" altLang="zh-CN" sz="2400" dirty="0">
-                        <a:solidFill>
-                          <a:schemeClr val="tx1"/>
-                        </a:solidFill>
-                        <a:latin typeface="微软雅黑" pitchFamily="34" charset="-122"/>
-                        <a:ea typeface="微软雅黑" pitchFamily="34" charset="-122"/>
-                      </a:endParaRPr>
-                    </a:p>
-                  </a:txBody>
-                  <a:tcPr anchor="ctr">
-                    <a:lnL>
-                      <a:noFill/>
-                    </a:lnL>
-                    <a:lnR>
-                      <a:noFill/>
-                    </a:lnR>
-                    <a:lnT w="76200" cap="flat" cmpd="sng" algn="ctr">
-                      <a:solidFill>
-                        <a:sysClr val="window" lastClr="FFFFFF"/>
-                      </a:solidFill>
-                      <a:prstDash val="solid"/>
-                      <a:round/>
-                      <a:headEnd type="none" w="med" len="med"/>
-                      <a:tailEnd type="none" w="med" len="med"/>
-                    </a:lnT>
-                    <a:lnB w="76200" cap="flat" cmpd="sng" algn="ctr">
-                      <a:solidFill>
-                        <a:sysClr val="window" lastClr="FFFFFF"/>
-                      </a:solidFill>
-                      <a:prstDash val="solid"/>
-                      <a:round/>
-                      <a:headEnd type="none" w="med" len="med"/>
-                      <a:tailEnd type="none" w="med" len="med"/>
-                    </a:lnB>
-                    <a:lnTlToBr w="12700" cmpd="sng">
-                      <a:noFill/>
-                      <a:prstDash val="solid"/>
-                    </a:lnTlToBr>
-                    <a:lnBlToTr w="12700" cmpd="sng">
-                      <a:noFill/>
-                      <a:prstDash val="solid"/>
-                    </a:lnBlToTr>
-                    <a:solidFill>
-                      <a:srgbClr val="E7E6E6">
-                        <a:lumMod val="90000"/>
-                      </a:srgbClr>
-                    </a:solidFill>
-                  </a:tcPr>
-                </a:tc>
-              </a:tr>
-              <a:tr h="690567">
-                <a:tc>
-                  <a:txBody>
-                    <a:bodyPr/>
-                    <a:lstStyle>
-                      <a:lvl1pPr marL="0" algn="l" defTabSz="914400" rtl="0" eaLnBrk="1" latinLnBrk="0" hangingPunct="1">
-                        <a:defRPr sz="1800" kern="1200">
-                          <a:solidFill>
-                            <a:schemeClr val="tx1"/>
-                          </a:solidFill>
-                          <a:latin typeface="Calibri"/>
-                        </a:defRPr>
-                      </a:lvl1pPr>
-                      <a:lvl2pPr marL="457200" algn="l" defTabSz="914400" rtl="0" eaLnBrk="1" latinLnBrk="0" hangingPunct="1">
-                        <a:defRPr sz="1800" kern="1200">
-                          <a:solidFill>
-                            <a:schemeClr val="tx1"/>
-                          </a:solidFill>
-                          <a:latin typeface="Calibri"/>
-                        </a:defRPr>
-                      </a:lvl2pPr>
-                      <a:lvl3pPr marL="914400" algn="l" defTabSz="914400" rtl="0" eaLnBrk="1" latinLnBrk="0" hangingPunct="1">
-                        <a:defRPr sz="1800" kern="1200">
-                          <a:solidFill>
-                            <a:schemeClr val="tx1"/>
-                          </a:solidFill>
-                          <a:latin typeface="Calibri"/>
-                        </a:defRPr>
-                      </a:lvl3pPr>
-                      <a:lvl4pPr marL="1371600" algn="l" defTabSz="914400" rtl="0" eaLnBrk="1" latinLnBrk="0" hangingPunct="1">
-                        <a:defRPr sz="1800" kern="1200">
-                          <a:solidFill>
-                            <a:schemeClr val="tx1"/>
-                          </a:solidFill>
-                          <a:latin typeface="Calibri"/>
-                        </a:defRPr>
-                      </a:lvl4pPr>
-                      <a:lvl5pPr marL="1828800" algn="l" defTabSz="914400" rtl="0" eaLnBrk="1" latinLnBrk="0" hangingPunct="1">
-                        <a:defRPr sz="1800" kern="1200">
-                          <a:solidFill>
-                            <a:schemeClr val="tx1"/>
-                          </a:solidFill>
-                          <a:latin typeface="Calibri"/>
-                        </a:defRPr>
-                      </a:lvl5pPr>
-                      <a:lvl6pPr marL="2286000" algn="l" defTabSz="914400" rtl="0" eaLnBrk="1" latinLnBrk="0" hangingPunct="1">
-                        <a:defRPr sz="1800" kern="1200">
-                          <a:solidFill>
-                            <a:schemeClr val="tx1"/>
-                          </a:solidFill>
-                          <a:latin typeface="Calibri"/>
-                        </a:defRPr>
-                      </a:lvl6pPr>
-                      <a:lvl7pPr marL="2743200" algn="l" defTabSz="914400" rtl="0" eaLnBrk="1" latinLnBrk="0" hangingPunct="1">
-                        <a:defRPr sz="1800" kern="1200">
-                          <a:solidFill>
-                            <a:schemeClr val="tx1"/>
-                          </a:solidFill>
-                          <a:latin typeface="Calibri"/>
-                        </a:defRPr>
-                      </a:lvl7pPr>
-                      <a:lvl8pPr marL="3200400" algn="l" defTabSz="914400" rtl="0" eaLnBrk="1" latinLnBrk="0" hangingPunct="1">
-                        <a:defRPr sz="1800" kern="1200">
-                          <a:solidFill>
-                            <a:schemeClr val="tx1"/>
-                          </a:solidFill>
-                          <a:latin typeface="Calibri"/>
-                        </a:defRPr>
-                      </a:lvl8pPr>
-                      <a:lvl9pPr marL="3657600" algn="l" defTabSz="914400" rtl="0" eaLnBrk="1" latinLnBrk="0" hangingPunct="1">
-                        <a:defRPr sz="1800" kern="1200">
-                          <a:solidFill>
-                            <a:schemeClr val="tx1"/>
-                          </a:solidFill>
-                          <a:latin typeface="Calibri"/>
-                        </a:defRPr>
-                      </a:lvl9pPr>
-                    </a:lstStyle>
-                    <a:p>
-                      <a:pPr algn="ctr"/>
-                      <a:r>
-                        <a:rPr lang="en-US" altLang="zh-CN" sz="2400" dirty="0" smtClean="0">
-                          <a:solidFill>
-                            <a:schemeClr val="bg1"/>
-                          </a:solidFill>
-                          <a:latin typeface="Bernard MT Condensed" pitchFamily="18" charset="0"/>
-                        </a:rPr>
-                        <a:t>5</a:t>
-                      </a:r>
-                      <a:endParaRPr lang="zh-CN" altLang="en-US" sz="2400" dirty="0">
-                        <a:solidFill>
-                          <a:schemeClr val="bg1"/>
-                        </a:solidFill>
-                        <a:latin typeface="Bernard MT Condensed" pitchFamily="18" charset="0"/>
-                      </a:endParaRPr>
-                    </a:p>
-                  </a:txBody>
-                  <a:tcPr>
-                    <a:lnL>
-                      <a:noFill/>
-                    </a:lnL>
-                    <a:lnR>
-                      <a:noFill/>
-                    </a:lnR>
-                    <a:lnT w="76200" cap="flat" cmpd="sng" algn="ctr">
-                      <a:solidFill>
-                        <a:sysClr val="window" lastClr="FFFFFF"/>
-                      </a:solidFill>
-                      <a:prstDash val="solid"/>
-                      <a:round/>
-                      <a:headEnd type="none" w="med" len="med"/>
-                      <a:tailEnd type="none" w="med" len="med"/>
-                    </a:lnT>
-                    <a:lnB w="76200" cap="flat" cmpd="sng" algn="ctr">
-                      <a:solidFill>
-                        <a:sysClr val="window" lastClr="FFFFFF"/>
-                      </a:solidFill>
-                      <a:prstDash val="solid"/>
-                      <a:round/>
-                      <a:headEnd type="none" w="med" len="med"/>
-                      <a:tailEnd type="none" w="med" len="med"/>
-                    </a:lnB>
-                    <a:lnTlToBr w="12700" cmpd="sng">
-                      <a:noFill/>
-                      <a:prstDash val="solid"/>
-                    </a:lnTlToBr>
-                    <a:lnBlToTr w="12700" cmpd="sng">
-                      <a:noFill/>
-                      <a:prstDash val="solid"/>
-                    </a:lnBlToTr>
-                    <a:solidFill>
-                      <a:srgbClr val="C00000"/>
-                    </a:solidFill>
-                  </a:tcPr>
-                </a:tc>
-                <a:tc>
-                  <a:txBody>
-                    <a:bodyPr/>
-                    <a:lstStyle>
-                      <a:lvl1pPr marL="0" algn="l" defTabSz="914400" rtl="0" eaLnBrk="1" latinLnBrk="0" hangingPunct="1">
-                        <a:defRPr sz="1800" kern="1200">
-                          <a:solidFill>
-                            <a:schemeClr val="tx1"/>
-                          </a:solidFill>
-                          <a:latin typeface="Calibri"/>
-                        </a:defRPr>
-                      </a:lvl1pPr>
-                      <a:lvl2pPr marL="457200" algn="l" defTabSz="914400" rtl="0" eaLnBrk="1" latinLnBrk="0" hangingPunct="1">
-                        <a:defRPr sz="1800" kern="1200">
-                          <a:solidFill>
-                            <a:schemeClr val="tx1"/>
-                          </a:solidFill>
-                          <a:latin typeface="Calibri"/>
-                        </a:defRPr>
-                      </a:lvl2pPr>
-                      <a:lvl3pPr marL="914400" algn="l" defTabSz="914400" rtl="0" eaLnBrk="1" latinLnBrk="0" hangingPunct="1">
-                        <a:defRPr sz="1800" kern="1200">
-                          <a:solidFill>
-                            <a:schemeClr val="tx1"/>
-                          </a:solidFill>
-                          <a:latin typeface="Calibri"/>
-                        </a:defRPr>
-                      </a:lvl3pPr>
-                      <a:lvl4pPr marL="1371600" algn="l" defTabSz="914400" rtl="0" eaLnBrk="1" latinLnBrk="0" hangingPunct="1">
-                        <a:defRPr sz="1800" kern="1200">
-                          <a:solidFill>
-                            <a:schemeClr val="tx1"/>
-                          </a:solidFill>
-                          <a:latin typeface="Calibri"/>
-                        </a:defRPr>
-                      </a:lvl4pPr>
-                      <a:lvl5pPr marL="1828800" algn="l" defTabSz="914400" rtl="0" eaLnBrk="1" latinLnBrk="0" hangingPunct="1">
-                        <a:defRPr sz="1800" kern="1200">
-                          <a:solidFill>
-                            <a:schemeClr val="tx1"/>
-                          </a:solidFill>
-                          <a:latin typeface="Calibri"/>
-                        </a:defRPr>
-                      </a:lvl5pPr>
-                      <a:lvl6pPr marL="2286000" algn="l" defTabSz="914400" rtl="0" eaLnBrk="1" latinLnBrk="0" hangingPunct="1">
-                        <a:defRPr sz="1800" kern="1200">
-                          <a:solidFill>
-                            <a:schemeClr val="tx1"/>
-                          </a:solidFill>
-                          <a:latin typeface="Calibri"/>
-                        </a:defRPr>
-                      </a:lvl6pPr>
-                      <a:lvl7pPr marL="2743200" algn="l" defTabSz="914400" rtl="0" eaLnBrk="1" latinLnBrk="0" hangingPunct="1">
-                        <a:defRPr sz="1800" kern="1200">
-                          <a:solidFill>
-                            <a:schemeClr val="tx1"/>
-                          </a:solidFill>
-                          <a:latin typeface="Calibri"/>
-                        </a:defRPr>
-                      </a:lvl7pPr>
-                      <a:lvl8pPr marL="3200400" algn="l" defTabSz="914400" rtl="0" eaLnBrk="1" latinLnBrk="0" hangingPunct="1">
-                        <a:defRPr sz="1800" kern="1200">
-                          <a:solidFill>
-                            <a:schemeClr val="tx1"/>
-                          </a:solidFill>
-                          <a:latin typeface="Calibri"/>
-                        </a:defRPr>
-                      </a:lvl8pPr>
-                      <a:lvl9pPr marL="3657600" algn="l" defTabSz="914400" rtl="0" eaLnBrk="1" latinLnBrk="0" hangingPunct="1">
-                        <a:defRPr sz="1800" kern="1200">
-                          <a:solidFill>
-                            <a:schemeClr val="tx1"/>
-                          </a:solidFill>
-                          <a:latin typeface="Calibri"/>
-                        </a:defRPr>
-                      </a:lvl9pPr>
-                    </a:lstStyle>
-                    <a:p>
-                      <a:pPr algn="l" eaLnBrk="0" hangingPunct="0"/>
-                      <a:r>
-                        <a:rPr lang="zh-CN" altLang="en-US" sz="2400" dirty="0" smtClean="0">
-                          <a:solidFill>
-                            <a:schemeClr val="tx1"/>
-                          </a:solidFill>
-                          <a:latin typeface="微软雅黑" pitchFamily="34" charset="-122"/>
-                          <a:ea typeface="微软雅黑" pitchFamily="34" charset="-122"/>
-                        </a:rPr>
-                        <a:t>心得体会分享</a:t>
-                      </a:r>
-                      <a:endParaRPr lang="en-US" altLang="zh-CN" sz="2400" dirty="0">
-                        <a:solidFill>
-                          <a:schemeClr val="tx1"/>
-                        </a:solidFill>
-                        <a:latin typeface="微软雅黑" pitchFamily="34" charset="-122"/>
-                        <a:ea typeface="微软雅黑" pitchFamily="34" charset="-122"/>
-                      </a:endParaRPr>
-                    </a:p>
-                  </a:txBody>
-                  <a:tcPr anchor="ctr">
-                    <a:lnL>
-                      <a:noFill/>
-                    </a:lnL>
-                    <a:lnR>
-                      <a:noFill/>
-                    </a:lnR>
-                    <a:lnT w="76200" cap="flat" cmpd="sng" algn="ctr">
-                      <a:solidFill>
-                        <a:sysClr val="window" lastClr="FFFFFF"/>
-                      </a:solidFill>
-                      <a:prstDash val="solid"/>
-                      <a:round/>
-                      <a:headEnd type="none" w="med" len="med"/>
-                      <a:tailEnd type="none" w="med" len="med"/>
-                    </a:lnT>
-                    <a:lnB w="76200" cap="flat" cmpd="sng" algn="ctr">
-                      <a:solidFill>
-                        <a:sysClr val="window" lastClr="FFFFFF"/>
-                      </a:solidFill>
-                      <a:prstDash val="solid"/>
-                      <a:round/>
-                      <a:headEnd type="none" w="med" len="med"/>
-                      <a:tailEnd type="none" w="med" len="med"/>
-                    </a:lnB>
-                    <a:lnTlToBr w="12700" cmpd="sng">
-                      <a:noFill/>
-                      <a:prstDash val="solid"/>
-                    </a:lnTlToBr>
-                    <a:lnBlToTr w="12700" cmpd="sng">
-                      <a:noFill/>
-                      <a:prstDash val="solid"/>
-                    </a:lnBlToTr>
-                    <a:solidFill>
-                      <a:srgbClr val="E7E6E6">
-                        <a:lumMod val="90000"/>
-                      </a:srgbClr>
-                    </a:solidFill>
-                  </a:tcPr>
-                </a:tc>
-              </a:tr>
-              <a:tr h="690567">
-                <a:tc>
-                  <a:txBody>
-                    <a:bodyPr/>
-                    <a:lstStyle>
-                      <a:lvl1pPr marL="0" algn="l" defTabSz="914400" rtl="0" eaLnBrk="1" latinLnBrk="0" hangingPunct="1">
-                        <a:defRPr sz="1800" kern="1200">
-                          <a:solidFill>
-                            <a:schemeClr val="tx1"/>
-                          </a:solidFill>
-                          <a:latin typeface="Calibri"/>
-                        </a:defRPr>
-                      </a:lvl1pPr>
-                      <a:lvl2pPr marL="457200" algn="l" defTabSz="914400" rtl="0" eaLnBrk="1" latinLnBrk="0" hangingPunct="1">
-                        <a:defRPr sz="1800" kern="1200">
-                          <a:solidFill>
-                            <a:schemeClr val="tx1"/>
-                          </a:solidFill>
-                          <a:latin typeface="Calibri"/>
-                        </a:defRPr>
-                      </a:lvl2pPr>
-                      <a:lvl3pPr marL="914400" algn="l" defTabSz="914400" rtl="0" eaLnBrk="1" latinLnBrk="0" hangingPunct="1">
-                        <a:defRPr sz="1800" kern="1200">
-                          <a:solidFill>
-                            <a:schemeClr val="tx1"/>
-                          </a:solidFill>
-                          <a:latin typeface="Calibri"/>
-                        </a:defRPr>
-                      </a:lvl3pPr>
-                      <a:lvl4pPr marL="1371600" algn="l" defTabSz="914400" rtl="0" eaLnBrk="1" latinLnBrk="0" hangingPunct="1">
-                        <a:defRPr sz="1800" kern="1200">
-                          <a:solidFill>
-                            <a:schemeClr val="tx1"/>
-                          </a:solidFill>
-                          <a:latin typeface="Calibri"/>
-                        </a:defRPr>
-                      </a:lvl4pPr>
-                      <a:lvl5pPr marL="1828800" algn="l" defTabSz="914400" rtl="0" eaLnBrk="1" latinLnBrk="0" hangingPunct="1">
-                        <a:defRPr sz="1800" kern="1200">
-                          <a:solidFill>
-                            <a:schemeClr val="tx1"/>
-                          </a:solidFill>
-                          <a:latin typeface="Calibri"/>
-                        </a:defRPr>
-                      </a:lvl5pPr>
-                      <a:lvl6pPr marL="2286000" algn="l" defTabSz="914400" rtl="0" eaLnBrk="1" latinLnBrk="0" hangingPunct="1">
-                        <a:defRPr sz="1800" kern="1200">
-                          <a:solidFill>
-                            <a:schemeClr val="tx1"/>
-                          </a:solidFill>
-                          <a:latin typeface="Calibri"/>
-                        </a:defRPr>
-                      </a:lvl6pPr>
-                      <a:lvl7pPr marL="2743200" algn="l" defTabSz="914400" rtl="0" eaLnBrk="1" latinLnBrk="0" hangingPunct="1">
-                        <a:defRPr sz="1800" kern="1200">
-                          <a:solidFill>
-                            <a:schemeClr val="tx1"/>
-                          </a:solidFill>
-                          <a:latin typeface="Calibri"/>
-                        </a:defRPr>
-                      </a:lvl7pPr>
-                      <a:lvl8pPr marL="3200400" algn="l" defTabSz="914400" rtl="0" eaLnBrk="1" latinLnBrk="0" hangingPunct="1">
-                        <a:defRPr sz="1800" kern="1200">
-                          <a:solidFill>
-                            <a:schemeClr val="tx1"/>
-                          </a:solidFill>
-                          <a:latin typeface="Calibri"/>
-                        </a:defRPr>
-                      </a:lvl8pPr>
-                      <a:lvl9pPr marL="3657600" algn="l" defTabSz="914400" rtl="0" eaLnBrk="1" latinLnBrk="0" hangingPunct="1">
-                        <a:defRPr sz="1800" kern="1200">
-                          <a:solidFill>
-                            <a:schemeClr val="tx1"/>
-                          </a:solidFill>
-                          <a:latin typeface="Calibri"/>
-                        </a:defRPr>
-                      </a:lvl9pPr>
-                    </a:lstStyle>
-                    <a:p>
-                      <a:pPr algn="ctr"/>
-                      <a:r>
-                        <a:rPr lang="en-US" altLang="zh-CN" sz="2400" dirty="0" smtClean="0">
-                          <a:solidFill>
-                            <a:schemeClr val="bg1"/>
-                          </a:solidFill>
-                          <a:latin typeface="Bernard MT Condensed" pitchFamily="18" charset="0"/>
-                        </a:rPr>
-                        <a:t>6</a:t>
-                      </a:r>
-                      <a:endParaRPr lang="zh-CN" altLang="en-US" sz="2400" dirty="0">
-                        <a:solidFill>
-                          <a:schemeClr val="bg1"/>
-                        </a:solidFill>
-                        <a:latin typeface="Bernard MT Condensed" pitchFamily="18" charset="0"/>
-                      </a:endParaRPr>
-                    </a:p>
-                  </a:txBody>
-                  <a:tcPr>
-                    <a:lnL>
-                      <a:noFill/>
-                    </a:lnL>
-                    <a:lnR>
-                      <a:noFill/>
-                    </a:lnR>
-                    <a:lnT w="76200" cap="flat" cmpd="sng" algn="ctr">
-                      <a:solidFill>
-                        <a:sysClr val="window" lastClr="FFFFFF"/>
-                      </a:solidFill>
-                      <a:prstDash val="solid"/>
-                      <a:round/>
-                      <a:headEnd type="none" w="med" len="med"/>
-                      <a:tailEnd type="none" w="med" len="med"/>
-                    </a:lnT>
-                    <a:lnB>
-                      <a:noFill/>
-                    </a:lnB>
-                    <a:lnTlToBr w="12700" cmpd="sng">
-                      <a:noFill/>
-                      <a:prstDash val="solid"/>
-                    </a:lnTlToBr>
-                    <a:lnBlToTr w="12700" cmpd="sng">
-                      <a:noFill/>
-                      <a:prstDash val="solid"/>
-                    </a:lnBlToTr>
-                    <a:solidFill>
-                      <a:srgbClr val="C00000"/>
-                    </a:solidFill>
-                  </a:tcPr>
-                </a:tc>
-                <a:tc>
-                  <a:txBody>
-                    <a:bodyPr/>
-                    <a:lstStyle>
-                      <a:lvl1pPr marL="0" algn="l" defTabSz="914400" rtl="0" eaLnBrk="1" latinLnBrk="0" hangingPunct="1">
-                        <a:defRPr sz="1800" kern="1200">
-                          <a:solidFill>
-                            <a:schemeClr val="tx1"/>
-                          </a:solidFill>
-                          <a:latin typeface="Calibri"/>
-                        </a:defRPr>
-                      </a:lvl1pPr>
-                      <a:lvl2pPr marL="457200" algn="l" defTabSz="914400" rtl="0" eaLnBrk="1" latinLnBrk="0" hangingPunct="1">
-                        <a:defRPr sz="1800" kern="1200">
-                          <a:solidFill>
-                            <a:schemeClr val="tx1"/>
-                          </a:solidFill>
-                          <a:latin typeface="Calibri"/>
-                        </a:defRPr>
-                      </a:lvl2pPr>
-                      <a:lvl3pPr marL="914400" algn="l" defTabSz="914400" rtl="0" eaLnBrk="1" latinLnBrk="0" hangingPunct="1">
-                        <a:defRPr sz="1800" kern="1200">
-                          <a:solidFill>
-                            <a:schemeClr val="tx1"/>
-                          </a:solidFill>
-                          <a:latin typeface="Calibri"/>
-                        </a:defRPr>
-                      </a:lvl3pPr>
-                      <a:lvl4pPr marL="1371600" algn="l" defTabSz="914400" rtl="0" eaLnBrk="1" latinLnBrk="0" hangingPunct="1">
-                        <a:defRPr sz="1800" kern="1200">
-                          <a:solidFill>
-                            <a:schemeClr val="tx1"/>
-                          </a:solidFill>
-                          <a:latin typeface="Calibri"/>
-                        </a:defRPr>
-                      </a:lvl4pPr>
-                      <a:lvl5pPr marL="1828800" algn="l" defTabSz="914400" rtl="0" eaLnBrk="1" latinLnBrk="0" hangingPunct="1">
-                        <a:defRPr sz="1800" kern="1200">
-                          <a:solidFill>
-                            <a:schemeClr val="tx1"/>
-                          </a:solidFill>
-                          <a:latin typeface="Calibri"/>
-                        </a:defRPr>
-                      </a:lvl5pPr>
-                      <a:lvl6pPr marL="2286000" algn="l" defTabSz="914400" rtl="0" eaLnBrk="1" latinLnBrk="0" hangingPunct="1">
-                        <a:defRPr sz="1800" kern="1200">
-                          <a:solidFill>
-                            <a:schemeClr val="tx1"/>
-                          </a:solidFill>
-                          <a:latin typeface="Calibri"/>
-                        </a:defRPr>
-                      </a:lvl6pPr>
-                      <a:lvl7pPr marL="2743200" algn="l" defTabSz="914400" rtl="0" eaLnBrk="1" latinLnBrk="0" hangingPunct="1">
-                        <a:defRPr sz="1800" kern="1200">
-                          <a:solidFill>
-                            <a:schemeClr val="tx1"/>
-                          </a:solidFill>
-                          <a:latin typeface="Calibri"/>
-                        </a:defRPr>
-                      </a:lvl7pPr>
-                      <a:lvl8pPr marL="3200400" algn="l" defTabSz="914400" rtl="0" eaLnBrk="1" latinLnBrk="0" hangingPunct="1">
-                        <a:defRPr sz="1800" kern="1200">
-                          <a:solidFill>
-                            <a:schemeClr val="tx1"/>
-                          </a:solidFill>
-                          <a:latin typeface="Calibri"/>
-                        </a:defRPr>
-                      </a:lvl8pPr>
-                      <a:lvl9pPr marL="3657600" algn="l" defTabSz="914400" rtl="0" eaLnBrk="1" latinLnBrk="0" hangingPunct="1">
-                        <a:defRPr sz="1800" kern="1200">
-                          <a:solidFill>
-                            <a:schemeClr val="tx1"/>
-                          </a:solidFill>
-                          <a:latin typeface="Calibri"/>
-                        </a:defRPr>
-                      </a:lvl9pPr>
-                    </a:lstStyle>
-                    <a:p>
-                      <a:pPr algn="l" eaLnBrk="0" hangingPunct="0"/>
-                      <a:r>
-                        <a:rPr lang="zh-CN" altLang="en-US" sz="2400" dirty="0" smtClean="0">
-                          <a:solidFill>
-                            <a:srgbClr val="FF0000"/>
-                          </a:solidFill>
-                          <a:latin typeface="微软雅黑" pitchFamily="34" charset="-122"/>
-                          <a:ea typeface="微软雅黑" pitchFamily="34" charset="-122"/>
-                        </a:rPr>
-                        <a:t>后续职业规划</a:t>
-                      </a:r>
-                      <a:endParaRPr lang="en-US" altLang="zh-CN" sz="2400" dirty="0">
-                        <a:solidFill>
-                          <a:srgbClr val="FF0000"/>
-                        </a:solidFill>
-                        <a:latin typeface="微软雅黑" pitchFamily="34" charset="-122"/>
-                        <a:ea typeface="微软雅黑" pitchFamily="34" charset="-122"/>
-                      </a:endParaRPr>
-                    </a:p>
-                  </a:txBody>
-                  <a:tcPr anchor="ctr">
-                    <a:lnL>
-                      <a:noFill/>
-                    </a:lnL>
-                    <a:lnR>
-                      <a:noFill/>
-                    </a:lnR>
-                    <a:lnT w="76200" cap="flat" cmpd="sng" algn="ctr">
-                      <a:solidFill>
-                        <a:sysClr val="window" lastClr="FFFFFF"/>
-                      </a:solidFill>
-                      <a:prstDash val="solid"/>
-                      <a:round/>
-                      <a:headEnd type="none" w="med" len="med"/>
-                      <a:tailEnd type="none" w="med" len="med"/>
-                    </a:lnT>
-                    <a:lnB>
-                      <a:noFill/>
-                    </a:lnB>
-                    <a:lnTlToBr w="12700" cmpd="sng">
-                      <a:noFill/>
-                      <a:prstDash val="solid"/>
-                    </a:lnTlToBr>
-                    <a:lnBlToTr w="12700" cmpd="sng">
-                      <a:noFill/>
-                      <a:prstDash val="solid"/>
-                    </a:lnBlToTr>
-                    <a:solidFill>
-                      <a:srgbClr val="E7E6E6">
-                        <a:lumMod val="90000"/>
-                      </a:srgbClr>
-                    </a:solidFill>
-                  </a:tcPr>
-                </a:tc>
-              </a:tr>
-            </a:tbl>
-          </a:graphicData>
-        </a:graphic>
-      </p:graphicFrame>
-    </p:spTree>
-    <p:extLst>
-      <p:ext uri="{BB962C8B-B14F-4D97-AF65-F5344CB8AC3E}">
-        <p14:creationId xmlns:p14="http://schemas.microsoft.com/office/powerpoint/2010/main" val="1907678392"/>
-      </p:ext>
-    </p:extLst>
-  </p:cSld>
-  <p:clrMapOvr>
-    <a:masterClrMapping/>
-  </p:clrMapOvr>
-  <p:timing>
-    <p:tnLst>
-      <p:par>
-        <p:cTn id="1" dur="indefinite" restart="never" nodeType="tmRoot"/>
-      </p:par>
-    </p:tnLst>
-  </p:timing>
-</p:sld>
-</file>
-
-<file path=ppt/slides/slide31.xml><?xml version="1.0" encoding="utf-8"?>
-<p:sld xmlns:a="http://schemas.openxmlformats.org/drawingml/2006/main" xmlns:r="http://schemas.openxmlformats.org/officeDocument/2006/relationships" xmlns:p="http://schemas.openxmlformats.org/presentationml/2006/main">
-  <p:cSld>
-    <p:spTree>
-      <p:nvGrpSpPr>
-        <p:cNvPr id="1" name=""/>
-        <p:cNvGrpSpPr/>
-        <p:nvPr/>
-      </p:nvGrpSpPr>
-      <p:grpSpPr>
-        <a:xfrm>
-          <a:off x="0" y="0"/>
-          <a:ext cx="0" cy="0"/>
-          <a:chOff x="0" y="0"/>
-          <a:chExt cx="0" cy="0"/>
-        </a:xfrm>
-      </p:grpSpPr>
-      <p:sp>
-        <p:nvSpPr>
           <p:cNvPr id="2" name="标题 1"/>
           <p:cNvSpPr txBox="1">
             <a:spLocks/>
@@ -25551,7 +25373,7 @@
             <a:fld id="{5B59D616-FE6A-4DB8-9F4D-77EC00044CC1}" type="slidenum">
               <a:rPr lang="zh-CN" altLang="en-US" smtClean="0"/>
               <a:pPr/>
-              <a:t>31</a:t>
+              <a:t>30</a:t>
             </a:fld>
             <a:endParaRPr lang="zh-CN" altLang="en-US" dirty="0" smtClean="0"/>
           </a:p>
@@ -26113,9 +25935,9 @@
         <p:grpSpPr>
           <a:xfrm>
             <a:off x="357158" y="1059404"/>
-            <a:ext cx="8080183" cy="4727647"/>
+            <a:ext cx="8080183" cy="5088900"/>
             <a:chOff x="357158" y="1059404"/>
-            <a:chExt cx="8080183" cy="4727647"/>
+            <a:chExt cx="8080183" cy="5088900"/>
           </a:xfrm>
         </p:grpSpPr>
         <p:cxnSp>
@@ -26201,9 +26023,9 @@
           <p:grpSpPr>
             <a:xfrm>
               <a:off x="357158" y="1059404"/>
-              <a:ext cx="8080183" cy="4727647"/>
+              <a:ext cx="8080183" cy="5088900"/>
               <a:chOff x="-7721" y="637881"/>
-              <a:chExt cx="8080183" cy="4727647"/>
+              <a:chExt cx="8080183" cy="5088900"/>
             </a:xfrm>
           </p:grpSpPr>
           <p:sp>
@@ -26215,7 +26037,7 @@
             <p:spPr>
               <a:xfrm>
                 <a:off x="-7721" y="3864733"/>
-                <a:ext cx="3287742" cy="1500795"/>
+                <a:ext cx="3287742" cy="1862048"/>
               </a:xfrm>
               <a:prstGeom prst="rect">
                 <a:avLst/>
@@ -26240,7 +26062,7 @@
                   <a:buAutoNum type="arabicPeriod"/>
                 </a:pPr>
                 <a:r>
-                  <a:rPr lang="en-US" altLang="zh-CN" sz="1400" i="1" dirty="0" smtClean="0">
+                  <a:rPr lang="zh-CN" altLang="en-US" sz="1400" i="1" dirty="0" smtClean="0">
                     <a:solidFill>
                       <a:srgbClr val="000000"/>
                     </a:solidFill>
@@ -26248,8 +26070,16 @@
                     <a:ea typeface="微软雅黑" panose="020B0503020204020204" pitchFamily="34" charset="-122"/>
                     <a:cs typeface="HP Simplified" pitchFamily="34" charset="0"/>
                   </a:rPr>
-                  <a:t>XXX</a:t>
+                  <a:t>掌握后端开发知识并能在项目中独自开发完整模块；</a:t>
                 </a:r>
+                <a:endParaRPr lang="en-US" altLang="zh-CN" sz="1400" i="1" dirty="0" smtClean="0">
+                  <a:solidFill>
+                    <a:srgbClr val="000000"/>
+                  </a:solidFill>
+                  <a:latin typeface="微软雅黑" panose="020B0503020204020204" pitchFamily="34" charset="-122"/>
+                  <a:ea typeface="微软雅黑" panose="020B0503020204020204" pitchFamily="34" charset="-122"/>
+                  <a:cs typeface="HP Simplified" pitchFamily="34" charset="0"/>
+                </a:endParaRPr>
               </a:p>
               <a:p>
                 <a:pPr marL="799963" lvl="1" indent="-342900" defTabSz="430084">
@@ -26263,17 +26093,14 @@
                   <a:buFont typeface="+mj-lt"/>
                   <a:buAutoNum type="arabicPeriod"/>
                 </a:pPr>
-                <a:r>
-                  <a:rPr lang="en-US" altLang="zh-CN" sz="1400" i="1" dirty="0" smtClean="0">
-                    <a:solidFill>
-                      <a:srgbClr val="000000"/>
-                    </a:solidFill>
-                    <a:latin typeface="微软雅黑" panose="020B0503020204020204" pitchFamily="34" charset="-122"/>
-                    <a:ea typeface="微软雅黑" panose="020B0503020204020204" pitchFamily="34" charset="-122"/>
-                    <a:cs typeface="HP Simplified" pitchFamily="34" charset="0"/>
-                  </a:rPr>
-                  <a:t>XXX</a:t>
-                </a:r>
+                <a:endParaRPr lang="en-US" altLang="zh-CN" sz="1400" i="1" dirty="0" smtClean="0">
+                  <a:solidFill>
+                    <a:srgbClr val="000000"/>
+                  </a:solidFill>
+                  <a:latin typeface="微软雅黑" panose="020B0503020204020204" pitchFamily="34" charset="-122"/>
+                  <a:ea typeface="微软雅黑" panose="020B0503020204020204" pitchFamily="34" charset="-122"/>
+                  <a:cs typeface="HP Simplified" pitchFamily="34" charset="0"/>
+                </a:endParaRPr>
               </a:p>
               <a:p>
                 <a:pPr marL="799963" lvl="1" indent="-342900" defTabSz="430084">
@@ -26287,17 +26114,6 @@
                   <a:buFont typeface="+mj-lt"/>
                   <a:buAutoNum type="arabicPeriod"/>
                 </a:pPr>
-                <a:r>
-                  <a:rPr lang="en-US" altLang="zh-CN" sz="1400" i="1" dirty="0" smtClean="0">
-                    <a:solidFill>
-                      <a:srgbClr val="000000"/>
-                    </a:solidFill>
-                    <a:latin typeface="微软雅黑" panose="020B0503020204020204" pitchFamily="34" charset="-122"/>
-                    <a:ea typeface="微软雅黑" panose="020B0503020204020204" pitchFamily="34" charset="-122"/>
-                    <a:cs typeface="HP Simplified" pitchFamily="34" charset="0"/>
-                  </a:rPr>
-                  <a:t>XXX</a:t>
-                </a:r>
                 <a:endParaRPr lang="en-US" altLang="zh-CN" sz="1400" i="1" dirty="0">
                   <a:solidFill>
                     <a:srgbClr val="000000"/>
@@ -26450,7 +26266,7 @@
             <p:spPr>
               <a:xfrm>
                 <a:off x="2857488" y="2557675"/>
-                <a:ext cx="2891181" cy="1500795"/>
+                <a:ext cx="2891181" cy="1487587"/>
               </a:xfrm>
               <a:prstGeom prst="rect">
                 <a:avLst/>
@@ -26475,7 +26291,7 @@
                   <a:buAutoNum type="arabicPeriod"/>
                 </a:pPr>
                 <a:r>
-                  <a:rPr lang="en-US" altLang="zh-CN" sz="1400" i="1" dirty="0" smtClean="0">
+                  <a:rPr lang="zh-CN" altLang="en-US" sz="1400" i="1" dirty="0" smtClean="0">
                     <a:solidFill>
                       <a:srgbClr val="000000"/>
                     </a:solidFill>
@@ -26483,8 +26299,16 @@
                     <a:ea typeface="微软雅黑" panose="020B0503020204020204" pitchFamily="34" charset="-122"/>
                     <a:cs typeface="HP Simplified" pitchFamily="34" charset="0"/>
                   </a:rPr>
-                  <a:t>XXX</a:t>
+                  <a:t>加深技术学习，争取考到中级职能；</a:t>
                 </a:r>
+                <a:endParaRPr lang="en-US" altLang="zh-CN" sz="1400" i="1" dirty="0" smtClean="0">
+                  <a:solidFill>
+                    <a:srgbClr val="000000"/>
+                  </a:solidFill>
+                  <a:latin typeface="微软雅黑" panose="020B0503020204020204" pitchFamily="34" charset="-122"/>
+                  <a:ea typeface="微软雅黑" panose="020B0503020204020204" pitchFamily="34" charset="-122"/>
+                  <a:cs typeface="HP Simplified" pitchFamily="34" charset="0"/>
+                </a:endParaRPr>
               </a:p>
               <a:p>
                 <a:pPr marL="799963" lvl="1" indent="-342900" defTabSz="430084">
@@ -26498,41 +26322,6 @@
                   <a:buFont typeface="+mj-lt"/>
                   <a:buAutoNum type="arabicPeriod"/>
                 </a:pPr>
-                <a:r>
-                  <a:rPr lang="en-US" altLang="zh-CN" sz="1400" i="1" dirty="0" smtClean="0">
-                    <a:solidFill>
-                      <a:srgbClr val="000000"/>
-                    </a:solidFill>
-                    <a:latin typeface="微软雅黑" panose="020B0503020204020204" pitchFamily="34" charset="-122"/>
-                    <a:ea typeface="微软雅黑" panose="020B0503020204020204" pitchFamily="34" charset="-122"/>
-                    <a:cs typeface="HP Simplified" pitchFamily="34" charset="0"/>
-                  </a:rPr>
-                  <a:t>XXX</a:t>
-                </a:r>
-              </a:p>
-              <a:p>
-                <a:pPr marL="799963" lvl="1" indent="-342900" defTabSz="430084">
-                  <a:lnSpc>
-                    <a:spcPct val="150000"/>
-                  </a:lnSpc>
-                  <a:spcAft>
-                    <a:spcPts val="400"/>
-                  </a:spcAft>
-                  <a:buSzPct val="100000"/>
-                  <a:buFont typeface="+mj-lt"/>
-                  <a:buAutoNum type="arabicPeriod"/>
-                </a:pPr>
-                <a:r>
-                  <a:rPr lang="en-US" altLang="zh-CN" sz="1400" i="1" dirty="0" smtClean="0">
-                    <a:solidFill>
-                      <a:srgbClr val="000000"/>
-                    </a:solidFill>
-                    <a:latin typeface="微软雅黑" panose="020B0503020204020204" pitchFamily="34" charset="-122"/>
-                    <a:ea typeface="微软雅黑" panose="020B0503020204020204" pitchFamily="34" charset="-122"/>
-                    <a:cs typeface="HP Simplified" pitchFamily="34" charset="0"/>
-                  </a:rPr>
-                  <a:t>XXX</a:t>
-                </a:r>
                 <a:endParaRPr lang="en-US" altLang="zh-CN" sz="1400" i="1" dirty="0">
                   <a:solidFill>
                     <a:srgbClr val="000000"/>
@@ -26574,7 +26363,7 @@
             <p:spPr>
               <a:xfrm>
                 <a:off x="5143504" y="1237009"/>
-                <a:ext cx="2928958" cy="1500795"/>
+                <a:ext cx="2928958" cy="1759456"/>
               </a:xfrm>
               <a:prstGeom prst="rect">
                 <a:avLst/>
@@ -26599,7 +26388,7 @@
                   <a:buAutoNum type="arabicPeriod"/>
                 </a:pPr>
                 <a:r>
-                  <a:rPr lang="en-US" altLang="zh-CN" sz="1400" i="1" dirty="0" smtClean="0">
+                  <a:rPr lang="zh-CN" altLang="en-US" sz="1400" i="1" dirty="0">
                     <a:solidFill>
                       <a:srgbClr val="000000"/>
                     </a:solidFill>
@@ -26607,23 +26396,10 @@
                     <a:ea typeface="微软雅黑" panose="020B0503020204020204" pitchFamily="34" charset="-122"/>
                     <a:cs typeface="HP Simplified" pitchFamily="34" charset="0"/>
                   </a:rPr>
-                  <a:t>XXX</a:t>
+                  <a:t>希望能</a:t>
                 </a:r>
-              </a:p>
-              <a:p>
-                <a:pPr marL="799963" lvl="1" indent="-342900" defTabSz="430084">
-                  <a:lnSpc>
-                    <a:spcPct val="150000"/>
-                  </a:lnSpc>
-                  <a:spcAft>
-                    <a:spcPts val="400"/>
-                  </a:spcAft>
-                  <a:buSzPct val="100000"/>
-                  <a:buFont typeface="+mj-lt"/>
-                  <a:buAutoNum type="arabicPeriod"/>
-                </a:pPr>
                 <a:r>
-                  <a:rPr lang="en-US" altLang="zh-CN" sz="1400" i="1" dirty="0" smtClean="0">
+                  <a:rPr lang="zh-CN" altLang="en-US" sz="1400" i="1" dirty="0" smtClean="0">
                     <a:solidFill>
                       <a:srgbClr val="000000"/>
                     </a:solidFill>
@@ -26631,31 +26407,7 @@
                     <a:ea typeface="微软雅黑" panose="020B0503020204020204" pitchFamily="34" charset="-122"/>
                     <a:cs typeface="HP Simplified" pitchFamily="34" charset="0"/>
                   </a:rPr>
-                  <a:t>XXX</a:t>
-                </a:r>
-              </a:p>
-              <a:p>
-                <a:pPr marL="799963" lvl="1" indent="-342900" defTabSz="430084">
-                  <a:lnSpc>
-                    <a:spcPct val="150000"/>
-                  </a:lnSpc>
-                  <a:spcAft>
-                    <a:spcPts val="400"/>
-                  </a:spcAft>
-                  <a:buSzPct val="100000"/>
-                  <a:buFont typeface="+mj-lt"/>
-                  <a:buAutoNum type="arabicPeriod"/>
-                </a:pPr>
-                <a:r>
-                  <a:rPr lang="en-US" altLang="zh-CN" sz="1400" i="1" dirty="0" smtClean="0">
-                    <a:solidFill>
-                      <a:srgbClr val="000000"/>
-                    </a:solidFill>
-                    <a:latin typeface="微软雅黑" panose="020B0503020204020204" pitchFamily="34" charset="-122"/>
-                    <a:ea typeface="微软雅黑" panose="020B0503020204020204" pitchFamily="34" charset="-122"/>
-                    <a:cs typeface="HP Simplified" pitchFamily="34" charset="0"/>
-                  </a:rPr>
-                  <a:t>XXX</a:t>
+                  <a:t>在系统架构层面有深入学习，在项目中能够站在架构的角度去思考问题；</a:t>
                 </a:r>
                 <a:endParaRPr lang="en-US" altLang="zh-CN" sz="1400" i="1" dirty="0">
                   <a:solidFill>
@@ -26973,7 +26725,7 @@
 </p:sld>
 </file>
 
-<file path=ppt/slides/slide32.xml><?xml version="1.0" encoding="utf-8"?>
+<file path=ppt/slides/slide31.xml><?xml version="1.0" encoding="utf-8"?>
 <p:sld xmlns:a="http://schemas.openxmlformats.org/drawingml/2006/main" xmlns:r="http://schemas.openxmlformats.org/officeDocument/2006/relationships" xmlns:p="http://schemas.openxmlformats.org/presentationml/2006/main">
   <p:cSld>
     <p:spTree>
@@ -26992,14 +26744,14 @@
       </p:grpSpPr>
       <p:sp>
         <p:nvSpPr>
-          <p:cNvPr id="2" name="TextBox 22"/>
+          <p:cNvPr id="3" name="TextBox 2"/>
           <p:cNvSpPr txBox="1"/>
           <p:nvPr/>
         </p:nvSpPr>
         <p:spPr>
           <a:xfrm>
-            <a:off x="2483768" y="2708920"/>
-            <a:ext cx="4505216" cy="1323439"/>
+            <a:off x="539552" y="1196752"/>
+            <a:ext cx="7560840" cy="2739211"/>
           </a:xfrm>
           <a:prstGeom prst="rect">
             <a:avLst/>
@@ -27014,18 +26766,113 @@
           <a:p>
             <a:pPr algn="ctr"/>
             <a:r>
-              <a:rPr lang="en-US" altLang="zh-CN" sz="8000" dirty="0" smtClean="0">
-                <a:solidFill>
-                  <a:srgbClr val="C00000"/>
+              <a:rPr lang="zh-CN" altLang="en-US" sz="3200" dirty="0" smtClean="0">
+                <a:solidFill>
+                  <a:srgbClr val="FF0000"/>
                 </a:solidFill>
               </a:rPr>
-              <a:t>Thanks!</a:t>
+              <a:t>致  谢！</a:t>
             </a:r>
-            <a:endParaRPr lang="zh-CN" altLang="en-US" sz="8000" dirty="0">
+            <a:endParaRPr lang="en-US" altLang="zh-CN" sz="3200" dirty="0" smtClean="0">
               <a:solidFill>
-                <a:srgbClr val="C00000"/>
+                <a:srgbClr val="FF0000"/>
               </a:solidFill>
             </a:endParaRPr>
+          </a:p>
+          <a:p>
+            <a:endParaRPr lang="en-US" altLang="zh-CN" sz="1400" dirty="0"/>
+          </a:p>
+          <a:p>
+            <a:pPr>
+              <a:lnSpc>
+                <a:spcPct val="150000"/>
+              </a:lnSpc>
+            </a:pPr>
+            <a:r>
+              <a:rPr lang="en-US" altLang="zh-CN" sz="1400" dirty="0"/>
+              <a:t> </a:t>
+            </a:r>
+            <a:r>
+              <a:rPr lang="en-US" altLang="zh-CN" sz="1400" dirty="0" smtClean="0"/>
+              <a:t>       </a:t>
+            </a:r>
+            <a:r>
+              <a:rPr lang="zh-CN" altLang="en-US" sz="1400" dirty="0" smtClean="0"/>
+              <a:t>非常感谢室经理</a:t>
+            </a:r>
+            <a:r>
+              <a:rPr lang="en-US" altLang="zh-CN" sz="1400" dirty="0" smtClean="0"/>
+              <a:t>-</a:t>
+            </a:r>
+            <a:r>
+              <a:rPr lang="zh-CN" altLang="en-US" sz="1400" dirty="0" smtClean="0"/>
+              <a:t>郑红飞，组长</a:t>
+            </a:r>
+            <a:r>
+              <a:rPr lang="en-US" altLang="zh-CN" sz="1400" dirty="0" smtClean="0"/>
+              <a:t>-</a:t>
+            </a:r>
+            <a:r>
+              <a:rPr lang="zh-CN" altLang="en-US" sz="1400" dirty="0" smtClean="0"/>
+              <a:t>王月龙，导师</a:t>
+            </a:r>
+            <a:r>
+              <a:rPr lang="en-US" altLang="zh-CN" sz="1400" dirty="0" smtClean="0"/>
+              <a:t>-</a:t>
+            </a:r>
+            <a:r>
+              <a:rPr lang="zh-CN" altLang="en-US" sz="1400" dirty="0" smtClean="0"/>
+              <a:t>王腾在我入职以来给予的帮助，让我能够这么快速的融入公司的氛围中。感谢</a:t>
+            </a:r>
+            <a:r>
+              <a:rPr lang="en-US" altLang="zh-CN" sz="1400" dirty="0" smtClean="0"/>
+              <a:t>HR</a:t>
+            </a:r>
+            <a:r>
+              <a:rPr lang="zh-CN" altLang="en-US" sz="1400" dirty="0" smtClean="0"/>
+              <a:t>能够在我对公司制度，日常事务有疑惑的情况下耐心的解答。感谢各位同事在我工作中给到的帮助。</a:t>
+            </a:r>
+            <a:endParaRPr lang="en-US" altLang="zh-CN" sz="1400" dirty="0" smtClean="0"/>
+          </a:p>
+          <a:p>
+            <a:pPr>
+              <a:lnSpc>
+                <a:spcPct val="150000"/>
+              </a:lnSpc>
+            </a:pPr>
+            <a:r>
+              <a:rPr lang="en-US" altLang="zh-CN" sz="1400" dirty="0"/>
+              <a:t> </a:t>
+            </a:r>
+            <a:r>
+              <a:rPr lang="en-US" altLang="zh-CN" sz="1400" dirty="0" smtClean="0"/>
+              <a:t>       </a:t>
+            </a:r>
+            <a:r>
+              <a:rPr lang="zh-CN" altLang="en-US" sz="1400" dirty="0" smtClean="0"/>
+              <a:t>今后我一定会通过自身的学习与努力，提升自己的综合能力，与大家一起把项目做好，把团队建设的更好。</a:t>
+            </a:r>
+            <a:endParaRPr lang="en-US" altLang="zh-CN" sz="1400" dirty="0" smtClean="0"/>
+          </a:p>
+          <a:p>
+            <a:pPr>
+              <a:lnSpc>
+                <a:spcPct val="150000"/>
+              </a:lnSpc>
+            </a:pPr>
+            <a:r>
+              <a:rPr lang="en-US" altLang="zh-CN" sz="1400" dirty="0"/>
+              <a:t> </a:t>
+            </a:r>
+            <a:r>
+              <a:rPr lang="en-US" altLang="zh-CN" sz="1400" dirty="0" smtClean="0"/>
+              <a:t>       </a:t>
+            </a:r>
+            <a:r>
+              <a:rPr lang="zh-CN" altLang="en-US" sz="1400" dirty="0" smtClean="0"/>
+              <a:t>最后，非常感谢大家百忙之中来参加我的转正答辩！非常感谢！</a:t>
+            </a:r>
+            <a:endParaRPr lang="zh-CN" altLang="en-US" sz="1400" dirty="0"/>
           </a:p>
         </p:txBody>
       </p:sp>
@@ -27042,88 +26889,9 @@
   <p:timing>
     <p:tnLst>
       <p:par>
-        <p:cTn id="1" dur="indefinite" restart="never" nodeType="tmRoot">
-          <p:childTnLst>
-            <p:seq concurrent="1" nextAc="seek">
-              <p:cTn id="2" dur="indefinite" nodeType="mainSeq">
-                <p:childTnLst>
-                  <p:par>
-                    <p:cTn id="3" fill="hold">
-                      <p:stCondLst>
-                        <p:cond delay="indefinite"/>
-                      </p:stCondLst>
-                      <p:childTnLst>
-                        <p:par>
-                          <p:cTn id="4" fill="hold">
-                            <p:stCondLst>
-                              <p:cond delay="0"/>
-                            </p:stCondLst>
-                            <p:childTnLst>
-                              <p:par>
-                                <p:cTn id="5" presetID="14" presetClass="entr" presetSubtype="10" fill="hold" grpId="0" nodeType="clickEffect">
-                                  <p:stCondLst>
-                                    <p:cond delay="0"/>
-                                  </p:stCondLst>
-                                  <p:childTnLst>
-                                    <p:set>
-                                      <p:cBhvr>
-                                        <p:cTn id="6" dur="1" fill="hold">
-                                          <p:stCondLst>
-                                            <p:cond delay="0"/>
-                                          </p:stCondLst>
-                                        </p:cTn>
-                                        <p:tgtEl>
-                                          <p:spTgt spid="2"/>
-                                        </p:tgtEl>
-                                        <p:attrNameLst>
-                                          <p:attrName>style.visibility</p:attrName>
-                                        </p:attrNameLst>
-                                      </p:cBhvr>
-                                      <p:to>
-                                        <p:strVal val="visible"/>
-                                      </p:to>
-                                    </p:set>
-                                    <p:animEffect transition="in" filter="randombar(horizontal)">
-                                      <p:cBhvr>
-                                        <p:cTn id="7" dur="500"/>
-                                        <p:tgtEl>
-                                          <p:spTgt spid="2"/>
-                                        </p:tgtEl>
-                                      </p:cBhvr>
-                                    </p:animEffect>
-                                  </p:childTnLst>
-                                </p:cTn>
-                              </p:par>
-                            </p:childTnLst>
-                          </p:cTn>
-                        </p:par>
-                      </p:childTnLst>
-                    </p:cTn>
-                  </p:par>
-                </p:childTnLst>
-              </p:cTn>
-              <p:prevCondLst>
-                <p:cond evt="onPrev" delay="0">
-                  <p:tgtEl>
-                    <p:sldTgt/>
-                  </p:tgtEl>
-                </p:cond>
-              </p:prevCondLst>
-              <p:nextCondLst>
-                <p:cond evt="onNext" delay="0">
-                  <p:tgtEl>
-                    <p:sldTgt/>
-                  </p:tgtEl>
-                </p:cond>
-              </p:nextCondLst>
-            </p:seq>
-          </p:childTnLst>
-        </p:cTn>
+        <p:cTn id="1" dur="indefinite" restart="never" nodeType="tmRoot"/>
       </p:par>
     </p:tnLst>
-    <p:bldLst>
-      <p:bldP spid="2" grpId="0"/>
-    </p:bldLst>
   </p:timing>
 </p:sld>
 </file>
@@ -39422,7 +39190,7 @@
   <a:extraClrSchemeLst/>
   <a:extLst>
     <a:ext uri="{05A4C25C-085E-4340-85A3-A5531E510DB2}">
-      <thm15:themeFamily xmlns:thm15="http://schemas.microsoft.com/office/thememl/2012/main" name="Office Theme" id="{62F939B6-93AF-4DB8-9C6B-D6C7DFDC589F}" vid="{4A3C46E8-61CC-4603-A589-7422A47A8E4A}"/>
+      <thm15:themeFamily xmlns:thm15="http://schemas.microsoft.com/office/thememl/2012/main" xmlns="" name="Office Theme" id="{62F939B6-93AF-4DB8-9C6B-D6C7DFDC589F}" vid="{4A3C46E8-61CC-4603-A589-7422A47A8E4A}"/>
     </a:ext>
   </a:extLst>
 </a:theme>
